--- a/R1_documentation/9. R1_Architecture Diagrams_Team 3.pptx
+++ b/R1_documentation/9. R1_Architecture Diagrams_Team 3.pptx
@@ -1,21 +1,21 @@
 
 <file path=ppt/presentation.xml><?xml version="1.0" encoding="utf-8"?>
-<p:presentation xmlns:a="http://schemas.openxmlformats.org/drawingml/2006/main" xmlns:r="http://schemas.openxmlformats.org/officeDocument/2006/relationships" xmlns:mc="http://schemas.openxmlformats.org/markup-compatibility/2006" xmlns:mv="urn:schemas-microsoft-com:mac:vml" xmlns:p="http://schemas.openxmlformats.org/presentationml/2006/main" xmlns:c="http://schemas.openxmlformats.org/drawingml/2006/chart" xmlns:dgm="http://schemas.openxmlformats.org/drawingml/2006/diagram" xmlns:o="urn:schemas-microsoft-com:office:office" xmlns:v="urn:schemas-microsoft-com:vml" xmlns:pvml="urn:schemas-microsoft-com:office:powerpoint" xmlns:com="http://schemas.openxmlformats.org/drawingml/2006/compatibility" xmlns:p14="http://schemas.microsoft.com/office/powerpoint/2010/main" xmlns:p15="http://schemas.microsoft.com/office/powerpoint/2012/main" xmlns:ahyp="http://schemas.microsoft.com/office/drawing/2018/hyperlinkcolor" autoCompressPictures="0" strictFirstAndLastChars="0" saveSubsetFonts="1">
+<p:presentation xmlns:a="http://schemas.openxmlformats.org/drawingml/2006/main" xmlns:r="http://schemas.openxmlformats.org/officeDocument/2006/relationships" xmlns:p="http://schemas.openxmlformats.org/presentationml/2006/main" strictFirstAndLastChars="0" saveSubsetFonts="1" autoCompressPictures="0">
   <p:sldMasterIdLst>
-    <p:sldMasterId id="2147483659" r:id="rId4"/>
+    <p:sldMasterId id="2147483659" r:id="rId1"/>
   </p:sldMasterIdLst>
   <p:notesMasterIdLst>
     <p:notesMasterId r:id="rId5"/>
   </p:notesMasterIdLst>
   <p:sldIdLst>
-    <p:sldId id="256" r:id="rId6"/>
-    <p:sldId id="257" r:id="rId7"/>
-    <p:sldId id="258" r:id="rId8"/>
+    <p:sldId id="256" r:id="rId2"/>
+    <p:sldId id="257" r:id="rId3"/>
+    <p:sldId id="258" r:id="rId4"/>
   </p:sldIdLst>
-  <p:sldSz cy="6858000" cx="12192000"/>
+  <p:sldSz cx="12192000" cy="6858000"/>
   <p:notesSz cx="6858000" cy="9144000"/>
   <p:defaultTextStyle>
-    <a:defPPr lvl="0" marR="0" rtl="0" algn="l">
+    <a:defPPr marR="0" lvl="0" algn="l" rtl="0">
       <a:lnSpc>
         <a:spcPct val="100000"/>
       </a:lnSpc>
@@ -26,7 +26,7 @@
         <a:spcPts val="0"/>
       </a:spcAft>
     </a:defPPr>
-    <a:lvl1pPr lvl="0" marR="0" rtl="0" algn="l">
+    <a:lvl1pPr marR="0" lvl="0" algn="l" rtl="0">
       <a:lnSpc>
         <a:spcPct val="100000"/>
       </a:lnSpc>
@@ -40,7 +40,7 @@
         <a:srgbClr val="000000"/>
       </a:buClr>
       <a:buFont typeface="Arial"/>
-      <a:defRPr b="0" i="0" sz="1400" u="none" cap="none" strike="noStrike">
+      <a:defRPr sz="1400" b="0" i="0" u="none" strike="noStrike" cap="none">
         <a:solidFill>
           <a:srgbClr val="000000"/>
         </a:solidFill>
@@ -50,7 +50,7 @@
         <a:sym typeface="Arial"/>
       </a:defRPr>
     </a:lvl1pPr>
-    <a:lvl2pPr lvl="1" marR="0" rtl="0" algn="l">
+    <a:lvl2pPr marR="0" lvl="1" algn="l" rtl="0">
       <a:lnSpc>
         <a:spcPct val="100000"/>
       </a:lnSpc>
@@ -64,7 +64,7 @@
         <a:srgbClr val="000000"/>
       </a:buClr>
       <a:buFont typeface="Arial"/>
-      <a:defRPr b="0" i="0" sz="1400" u="none" cap="none" strike="noStrike">
+      <a:defRPr sz="1400" b="0" i="0" u="none" strike="noStrike" cap="none">
         <a:solidFill>
           <a:srgbClr val="000000"/>
         </a:solidFill>
@@ -74,7 +74,7 @@
         <a:sym typeface="Arial"/>
       </a:defRPr>
     </a:lvl2pPr>
-    <a:lvl3pPr lvl="2" marR="0" rtl="0" algn="l">
+    <a:lvl3pPr marR="0" lvl="2" algn="l" rtl="0">
       <a:lnSpc>
         <a:spcPct val="100000"/>
       </a:lnSpc>
@@ -88,7 +88,7 @@
         <a:srgbClr val="000000"/>
       </a:buClr>
       <a:buFont typeface="Arial"/>
-      <a:defRPr b="0" i="0" sz="1400" u="none" cap="none" strike="noStrike">
+      <a:defRPr sz="1400" b="0" i="0" u="none" strike="noStrike" cap="none">
         <a:solidFill>
           <a:srgbClr val="000000"/>
         </a:solidFill>
@@ -98,7 +98,7 @@
         <a:sym typeface="Arial"/>
       </a:defRPr>
     </a:lvl3pPr>
-    <a:lvl4pPr lvl="3" marR="0" rtl="0" algn="l">
+    <a:lvl4pPr marR="0" lvl="3" algn="l" rtl="0">
       <a:lnSpc>
         <a:spcPct val="100000"/>
       </a:lnSpc>
@@ -112,7 +112,7 @@
         <a:srgbClr val="000000"/>
       </a:buClr>
       <a:buFont typeface="Arial"/>
-      <a:defRPr b="0" i="0" sz="1400" u="none" cap="none" strike="noStrike">
+      <a:defRPr sz="1400" b="0" i="0" u="none" strike="noStrike" cap="none">
         <a:solidFill>
           <a:srgbClr val="000000"/>
         </a:solidFill>
@@ -122,7 +122,7 @@
         <a:sym typeface="Arial"/>
       </a:defRPr>
     </a:lvl4pPr>
-    <a:lvl5pPr lvl="4" marR="0" rtl="0" algn="l">
+    <a:lvl5pPr marR="0" lvl="4" algn="l" rtl="0">
       <a:lnSpc>
         <a:spcPct val="100000"/>
       </a:lnSpc>
@@ -136,7 +136,7 @@
         <a:srgbClr val="000000"/>
       </a:buClr>
       <a:buFont typeface="Arial"/>
-      <a:defRPr b="0" i="0" sz="1400" u="none" cap="none" strike="noStrike">
+      <a:defRPr sz="1400" b="0" i="0" u="none" strike="noStrike" cap="none">
         <a:solidFill>
           <a:srgbClr val="000000"/>
         </a:solidFill>
@@ -146,7 +146,7 @@
         <a:sym typeface="Arial"/>
       </a:defRPr>
     </a:lvl5pPr>
-    <a:lvl6pPr lvl="5" marR="0" rtl="0" algn="l">
+    <a:lvl6pPr marR="0" lvl="5" algn="l" rtl="0">
       <a:lnSpc>
         <a:spcPct val="100000"/>
       </a:lnSpc>
@@ -160,7 +160,7 @@
         <a:srgbClr val="000000"/>
       </a:buClr>
       <a:buFont typeface="Arial"/>
-      <a:defRPr b="0" i="0" sz="1400" u="none" cap="none" strike="noStrike">
+      <a:defRPr sz="1400" b="0" i="0" u="none" strike="noStrike" cap="none">
         <a:solidFill>
           <a:srgbClr val="000000"/>
         </a:solidFill>
@@ -170,7 +170,7 @@
         <a:sym typeface="Arial"/>
       </a:defRPr>
     </a:lvl6pPr>
-    <a:lvl7pPr lvl="6" marR="0" rtl="0" algn="l">
+    <a:lvl7pPr marR="0" lvl="6" algn="l" rtl="0">
       <a:lnSpc>
         <a:spcPct val="100000"/>
       </a:lnSpc>
@@ -184,7 +184,7 @@
         <a:srgbClr val="000000"/>
       </a:buClr>
       <a:buFont typeface="Arial"/>
-      <a:defRPr b="0" i="0" sz="1400" u="none" cap="none" strike="noStrike">
+      <a:defRPr sz="1400" b="0" i="0" u="none" strike="noStrike" cap="none">
         <a:solidFill>
           <a:srgbClr val="000000"/>
         </a:solidFill>
@@ -194,7 +194,7 @@
         <a:sym typeface="Arial"/>
       </a:defRPr>
     </a:lvl7pPr>
-    <a:lvl8pPr lvl="7" marR="0" rtl="0" algn="l">
+    <a:lvl8pPr marR="0" lvl="7" algn="l" rtl="0">
       <a:lnSpc>
         <a:spcPct val="100000"/>
       </a:lnSpc>
@@ -208,7 +208,7 @@
         <a:srgbClr val="000000"/>
       </a:buClr>
       <a:buFont typeface="Arial"/>
-      <a:defRPr b="0" i="0" sz="1400" u="none" cap="none" strike="noStrike">
+      <a:defRPr sz="1400" b="0" i="0" u="none" strike="noStrike" cap="none">
         <a:solidFill>
           <a:srgbClr val="000000"/>
         </a:solidFill>
@@ -218,7 +218,7 @@
         <a:sym typeface="Arial"/>
       </a:defRPr>
     </a:lvl8pPr>
-    <a:lvl9pPr lvl="8" marR="0" rtl="0" algn="l">
+    <a:lvl9pPr marR="0" lvl="8" algn="l" rtl="0">
       <a:lnSpc>
         <a:spcPct val="100000"/>
       </a:lnSpc>
@@ -232,7 +232,7 @@
         <a:srgbClr val="000000"/>
       </a:buClr>
       <a:buFont typeface="Arial"/>
-      <a:defRPr b="0" i="0" sz="1400" u="none" cap="none" strike="noStrike">
+      <a:defRPr sz="1400" b="0" i="0" u="none" strike="noStrike" cap="none">
         <a:solidFill>
           <a:srgbClr val="000000"/>
         </a:solidFill>
@@ -245,7 +245,7 @@
   </p:defaultTextStyle>
   <p:extLst>
     <p:ext uri="{EFAFB233-063F-42B5-8137-9DF3F51BA10A}">
-      <p15:sldGuideLst>
+      <p15:sldGuideLst xmlns:p15="http://schemas.microsoft.com/office/powerpoint/2012/main">
         <p15:guide id="1" orient="horz" pos="2160">
           <p15:clr>
             <a:srgbClr val="000000"/>
@@ -263,18 +263,19 @@
 </file>
 
 <file path=ppt/notesMasters/notesMaster1.xml><?xml version="1.0" encoding="utf-8"?>
-<p:notesMaster xmlns:a="http://schemas.openxmlformats.org/drawingml/2006/main" xmlns:r="http://schemas.openxmlformats.org/officeDocument/2006/relationships" xmlns:mc="http://schemas.openxmlformats.org/markup-compatibility/2006" xmlns:mv="urn:schemas-microsoft-com:mac:vml" xmlns:p="http://schemas.openxmlformats.org/presentationml/2006/main" xmlns:c="http://schemas.openxmlformats.org/drawingml/2006/chart" xmlns:dgm="http://schemas.openxmlformats.org/drawingml/2006/diagram" xmlns:o="urn:schemas-microsoft-com:office:office" xmlns:v="urn:schemas-microsoft-com:vml" xmlns:pvml="urn:schemas-microsoft-com:office:powerpoint" xmlns:com="http://schemas.openxmlformats.org/drawingml/2006/compatibility" xmlns:p14="http://schemas.microsoft.com/office/powerpoint/2010/main" xmlns:p15="http://schemas.microsoft.com/office/powerpoint/2012/main" xmlns:ahyp="http://schemas.microsoft.com/office/drawing/2018/hyperlinkcolor">
+<p:notesMaster xmlns:a="http://schemas.openxmlformats.org/drawingml/2006/main" xmlns:r="http://schemas.openxmlformats.org/officeDocument/2006/relationships" xmlns:p="http://schemas.openxmlformats.org/presentationml/2006/main">
   <p:cSld>
     <p:bg>
       <p:bgPr>
         <a:solidFill>
           <a:schemeClr val="lt1"/>
         </a:solidFill>
+        <a:effectLst/>
       </p:bgPr>
     </p:bg>
     <p:spTree>
       <p:nvGrpSpPr>
-        <p:cNvPr id="2" name="Shape 2"/>
+        <p:cNvPr id="1" name="Shape 2"/>
         <p:cNvGrpSpPr/>
         <p:nvPr/>
       </p:nvGrpSpPr>
@@ -289,9 +290,11 @@
       <p:sp>
         <p:nvSpPr>
           <p:cNvPr id="3" name="Google Shape;3;n"/>
-          <p:cNvSpPr/>
+          <p:cNvSpPr>
+            <a:spLocks noGrp="1" noRot="1" noChangeAspect="1"/>
+          </p:cNvSpPr>
           <p:nvPr>
-            <p:ph idx="2" type="sldImg"/>
+            <p:ph type="sldImg" idx="2"/>
           </p:nvPr>
         </p:nvSpPr>
         <p:spPr>
@@ -300,9 +303,13 @@
             <a:ext cx="4572225" cy="3429000"/>
           </a:xfrm>
           <a:custGeom>
-            <a:rect b="b" l="l" r="r" t="t"/>
+            <a:avLst/>
+            <a:gdLst/>
+            <a:ahLst/>
+            <a:cxnLst/>
+            <a:rect l="l" t="t" r="r" b="b"/>
             <a:pathLst>
-              <a:path extrusionOk="0" h="120000" w="120000">
+              <a:path w="120000" h="120000" extrusionOk="0">
                 <a:moveTo>
                   <a:pt x="0" y="0"/>
                 </a:moveTo>
@@ -320,23 +327,25 @@
             </a:pathLst>
           </a:custGeom>
           <a:noFill/>
-          <a:ln cap="flat" cmpd="sng" w="9525">
+          <a:ln w="9525" cap="flat" cmpd="sng">
             <a:solidFill>
               <a:srgbClr val="000000"/>
             </a:solidFill>
             <a:prstDash val="solid"/>
             <a:round/>
-            <a:headEnd len="sm" w="sm" type="none"/>
-            <a:tailEnd len="sm" w="sm" type="none"/>
+            <a:headEnd type="none" w="sm" len="sm"/>
+            <a:tailEnd type="none" w="sm" len="sm"/>
           </a:ln>
         </p:spPr>
       </p:sp>
       <p:sp>
         <p:nvSpPr>
           <p:cNvPr id="4" name="Google Shape;4;n"/>
-          <p:cNvSpPr txBox="1"/>
+          <p:cNvSpPr txBox="1">
+            <a:spLocks noGrp="1"/>
+          </p:cNvSpPr>
           <p:nvPr>
-            <p:ph idx="1" type="body"/>
+            <p:ph type="body" idx="1"/>
           </p:nvPr>
         </p:nvSpPr>
         <p:spPr>
@@ -353,11 +362,11 @@
           </a:ln>
         </p:spPr>
         <p:txBody>
-          <a:bodyPr anchorCtr="0" anchor="t" bIns="91425" lIns="91425" spcFirstLastPara="1" rIns="91425" wrap="square" tIns="91425">
+          <a:bodyPr spcFirstLastPara="1" wrap="square" lIns="91425" tIns="91425" rIns="91425" bIns="91425" anchor="t" anchorCtr="0">
             <a:noAutofit/>
           </a:bodyPr>
           <a:lstStyle>
-            <a:lvl1pPr indent="-298450" lvl="0" marL="457200" marR="0" rtl="0" algn="l">
+            <a:lvl1pPr marL="457200" marR="0" lvl="0" indent="-298450" algn="l" rtl="0">
               <a:lnSpc>
                 <a:spcPct val="100000"/>
               </a:lnSpc>
@@ -373,7 +382,7 @@
               <a:buSzPts val="1100"/>
               <a:buFont typeface="Arial"/>
               <a:buChar char="●"/>
-              <a:defRPr b="0" i="0" sz="1100" u="none" cap="none" strike="noStrike">
+              <a:defRPr sz="1100" b="0" i="0" u="none" strike="noStrike" cap="none">
                 <a:solidFill>
                   <a:srgbClr val="000000"/>
                 </a:solidFill>
@@ -383,7 +392,7 @@
                 <a:sym typeface="Arial"/>
               </a:defRPr>
             </a:lvl1pPr>
-            <a:lvl2pPr indent="-298450" lvl="1" marL="914400" marR="0" rtl="0" algn="l">
+            <a:lvl2pPr marL="914400" marR="0" lvl="1" indent="-298450" algn="l" rtl="0">
               <a:lnSpc>
                 <a:spcPct val="100000"/>
               </a:lnSpc>
@@ -399,7 +408,7 @@
               <a:buSzPts val="1100"/>
               <a:buFont typeface="Arial"/>
               <a:buChar char="○"/>
-              <a:defRPr b="0" i="0" sz="1100" u="none" cap="none" strike="noStrike">
+              <a:defRPr sz="1100" b="0" i="0" u="none" strike="noStrike" cap="none">
                 <a:solidFill>
                   <a:srgbClr val="000000"/>
                 </a:solidFill>
@@ -409,7 +418,7 @@
                 <a:sym typeface="Arial"/>
               </a:defRPr>
             </a:lvl2pPr>
-            <a:lvl3pPr indent="-298450" lvl="2" marL="1371600" marR="0" rtl="0" algn="l">
+            <a:lvl3pPr marL="1371600" marR="0" lvl="2" indent="-298450" algn="l" rtl="0">
               <a:lnSpc>
                 <a:spcPct val="100000"/>
               </a:lnSpc>
@@ -425,7 +434,7 @@
               <a:buSzPts val="1100"/>
               <a:buFont typeface="Arial"/>
               <a:buChar char="■"/>
-              <a:defRPr b="0" i="0" sz="1100" u="none" cap="none" strike="noStrike">
+              <a:defRPr sz="1100" b="0" i="0" u="none" strike="noStrike" cap="none">
                 <a:solidFill>
                   <a:srgbClr val="000000"/>
                 </a:solidFill>
@@ -435,7 +444,7 @@
                 <a:sym typeface="Arial"/>
               </a:defRPr>
             </a:lvl3pPr>
-            <a:lvl4pPr indent="-298450" lvl="3" marL="1828800" marR="0" rtl="0" algn="l">
+            <a:lvl4pPr marL="1828800" marR="0" lvl="3" indent="-298450" algn="l" rtl="0">
               <a:lnSpc>
                 <a:spcPct val="100000"/>
               </a:lnSpc>
@@ -451,7 +460,7 @@
               <a:buSzPts val="1100"/>
               <a:buFont typeface="Arial"/>
               <a:buChar char="●"/>
-              <a:defRPr b="0" i="0" sz="1100" u="none" cap="none" strike="noStrike">
+              <a:defRPr sz="1100" b="0" i="0" u="none" strike="noStrike" cap="none">
                 <a:solidFill>
                   <a:srgbClr val="000000"/>
                 </a:solidFill>
@@ -461,7 +470,7 @@
                 <a:sym typeface="Arial"/>
               </a:defRPr>
             </a:lvl4pPr>
-            <a:lvl5pPr indent="-298450" lvl="4" marL="2286000" marR="0" rtl="0" algn="l">
+            <a:lvl5pPr marL="2286000" marR="0" lvl="4" indent="-298450" algn="l" rtl="0">
               <a:lnSpc>
                 <a:spcPct val="100000"/>
               </a:lnSpc>
@@ -477,7 +486,7 @@
               <a:buSzPts val="1100"/>
               <a:buFont typeface="Arial"/>
               <a:buChar char="○"/>
-              <a:defRPr b="0" i="0" sz="1100" u="none" cap="none" strike="noStrike">
+              <a:defRPr sz="1100" b="0" i="0" u="none" strike="noStrike" cap="none">
                 <a:solidFill>
                   <a:srgbClr val="000000"/>
                 </a:solidFill>
@@ -487,7 +496,7 @@
                 <a:sym typeface="Arial"/>
               </a:defRPr>
             </a:lvl5pPr>
-            <a:lvl6pPr indent="-298450" lvl="5" marL="2743200" marR="0" rtl="0" algn="l">
+            <a:lvl6pPr marL="2743200" marR="0" lvl="5" indent="-298450" algn="l" rtl="0">
               <a:lnSpc>
                 <a:spcPct val="100000"/>
               </a:lnSpc>
@@ -503,7 +512,7 @@
               <a:buSzPts val="1100"/>
               <a:buFont typeface="Arial"/>
               <a:buChar char="■"/>
-              <a:defRPr b="0" i="0" sz="1100" u="none" cap="none" strike="noStrike">
+              <a:defRPr sz="1100" b="0" i="0" u="none" strike="noStrike" cap="none">
                 <a:solidFill>
                   <a:srgbClr val="000000"/>
                 </a:solidFill>
@@ -513,7 +522,7 @@
                 <a:sym typeface="Arial"/>
               </a:defRPr>
             </a:lvl6pPr>
-            <a:lvl7pPr indent="-298450" lvl="6" marL="3200400" marR="0" rtl="0" algn="l">
+            <a:lvl7pPr marL="3200400" marR="0" lvl="6" indent="-298450" algn="l" rtl="0">
               <a:lnSpc>
                 <a:spcPct val="100000"/>
               </a:lnSpc>
@@ -529,7 +538,7 @@
               <a:buSzPts val="1100"/>
               <a:buFont typeface="Arial"/>
               <a:buChar char="●"/>
-              <a:defRPr b="0" i="0" sz="1100" u="none" cap="none" strike="noStrike">
+              <a:defRPr sz="1100" b="0" i="0" u="none" strike="noStrike" cap="none">
                 <a:solidFill>
                   <a:srgbClr val="000000"/>
                 </a:solidFill>
@@ -539,7 +548,7 @@
                 <a:sym typeface="Arial"/>
               </a:defRPr>
             </a:lvl7pPr>
-            <a:lvl8pPr indent="-298450" lvl="7" marL="3657600" marR="0" rtl="0" algn="l">
+            <a:lvl8pPr marL="3657600" marR="0" lvl="7" indent="-298450" algn="l" rtl="0">
               <a:lnSpc>
                 <a:spcPct val="100000"/>
               </a:lnSpc>
@@ -555,7 +564,7 @@
               <a:buSzPts val="1100"/>
               <a:buFont typeface="Arial"/>
               <a:buChar char="○"/>
-              <a:defRPr b="0" i="0" sz="1100" u="none" cap="none" strike="noStrike">
+              <a:defRPr sz="1100" b="0" i="0" u="none" strike="noStrike" cap="none">
                 <a:solidFill>
                   <a:srgbClr val="000000"/>
                 </a:solidFill>
@@ -565,7 +574,7 @@
                 <a:sym typeface="Arial"/>
               </a:defRPr>
             </a:lvl8pPr>
-            <a:lvl9pPr indent="-298450" lvl="8" marL="4114800" marR="0" rtl="0" algn="l">
+            <a:lvl9pPr marL="4114800" marR="0" lvl="8" indent="-298450" algn="l" rtl="0">
               <a:lnSpc>
                 <a:spcPct val="100000"/>
               </a:lnSpc>
@@ -581,7 +590,7 @@
               <a:buSzPts val="1100"/>
               <a:buFont typeface="Arial"/>
               <a:buChar char="■"/>
-              <a:defRPr b="0" i="0" sz="1100" u="none" cap="none" strike="noStrike">
+              <a:defRPr sz="1100" b="0" i="0" u="none" strike="noStrike" cap="none">
                 <a:solidFill>
                   <a:srgbClr val="000000"/>
                 </a:solidFill>
@@ -592,14 +601,16 @@
               </a:defRPr>
             </a:lvl9pPr>
           </a:lstStyle>
-          <a:p/>
+          <a:p>
+            <a:endParaRPr/>
+          </a:p>
         </p:txBody>
       </p:sp>
     </p:spTree>
   </p:cSld>
-  <p:clrMap accent1="accent1" accent2="accent2" accent3="accent3" accent4="accent4" accent5="accent5" accent6="accent6" bg1="lt1" bg2="dk2" tx1="dk1" tx2="lt2" folHlink="folHlink" hlink="hlink"/>
+  <p:clrMap bg1="lt1" tx1="dk1" bg2="dk2" tx2="lt2" accent1="accent1" accent2="accent2" accent3="accent3" accent4="accent4" accent5="accent5" accent6="accent6" hlink="hlink" folHlink="folHlink"/>
   <p:notesStyle>
-    <a:defPPr lvl="0" marR="0" rtl="0" algn="l">
+    <a:defPPr marR="0" lvl="0" algn="l" rtl="0">
       <a:lnSpc>
         <a:spcPct val="100000"/>
       </a:lnSpc>
@@ -610,7 +621,7 @@
         <a:spcPts val="0"/>
       </a:spcAft>
     </a:defPPr>
-    <a:lvl1pPr lvl="0" marR="0" rtl="0" algn="l">
+    <a:lvl1pPr marR="0" lvl="0" algn="l" rtl="0">
       <a:lnSpc>
         <a:spcPct val="100000"/>
       </a:lnSpc>
@@ -624,7 +635,7 @@
         <a:srgbClr val="000000"/>
       </a:buClr>
       <a:buFont typeface="Arial"/>
-      <a:defRPr b="0" i="0" sz="1400" u="none" cap="none" strike="noStrike">
+      <a:defRPr sz="1400" b="0" i="0" u="none" strike="noStrike" cap="none">
         <a:solidFill>
           <a:srgbClr val="000000"/>
         </a:solidFill>
@@ -634,7 +645,7 @@
         <a:sym typeface="Arial"/>
       </a:defRPr>
     </a:lvl1pPr>
-    <a:lvl2pPr lvl="1" marR="0" rtl="0" algn="l">
+    <a:lvl2pPr marR="0" lvl="1" algn="l" rtl="0">
       <a:lnSpc>
         <a:spcPct val="100000"/>
       </a:lnSpc>
@@ -648,7 +659,7 @@
         <a:srgbClr val="000000"/>
       </a:buClr>
       <a:buFont typeface="Arial"/>
-      <a:defRPr b="0" i="0" sz="1400" u="none" cap="none" strike="noStrike">
+      <a:defRPr sz="1400" b="0" i="0" u="none" strike="noStrike" cap="none">
         <a:solidFill>
           <a:srgbClr val="000000"/>
         </a:solidFill>
@@ -658,7 +669,7 @@
         <a:sym typeface="Arial"/>
       </a:defRPr>
     </a:lvl2pPr>
-    <a:lvl3pPr lvl="2" marR="0" rtl="0" algn="l">
+    <a:lvl3pPr marR="0" lvl="2" algn="l" rtl="0">
       <a:lnSpc>
         <a:spcPct val="100000"/>
       </a:lnSpc>
@@ -672,7 +683,7 @@
         <a:srgbClr val="000000"/>
       </a:buClr>
       <a:buFont typeface="Arial"/>
-      <a:defRPr b="0" i="0" sz="1400" u="none" cap="none" strike="noStrike">
+      <a:defRPr sz="1400" b="0" i="0" u="none" strike="noStrike" cap="none">
         <a:solidFill>
           <a:srgbClr val="000000"/>
         </a:solidFill>
@@ -682,7 +693,7 @@
         <a:sym typeface="Arial"/>
       </a:defRPr>
     </a:lvl3pPr>
-    <a:lvl4pPr lvl="3" marR="0" rtl="0" algn="l">
+    <a:lvl4pPr marR="0" lvl="3" algn="l" rtl="0">
       <a:lnSpc>
         <a:spcPct val="100000"/>
       </a:lnSpc>
@@ -696,7 +707,7 @@
         <a:srgbClr val="000000"/>
       </a:buClr>
       <a:buFont typeface="Arial"/>
-      <a:defRPr b="0" i="0" sz="1400" u="none" cap="none" strike="noStrike">
+      <a:defRPr sz="1400" b="0" i="0" u="none" strike="noStrike" cap="none">
         <a:solidFill>
           <a:srgbClr val="000000"/>
         </a:solidFill>
@@ -706,7 +717,7 @@
         <a:sym typeface="Arial"/>
       </a:defRPr>
     </a:lvl4pPr>
-    <a:lvl5pPr lvl="4" marR="0" rtl="0" algn="l">
+    <a:lvl5pPr marR="0" lvl="4" algn="l" rtl="0">
       <a:lnSpc>
         <a:spcPct val="100000"/>
       </a:lnSpc>
@@ -720,7 +731,7 @@
         <a:srgbClr val="000000"/>
       </a:buClr>
       <a:buFont typeface="Arial"/>
-      <a:defRPr b="0" i="0" sz="1400" u="none" cap="none" strike="noStrike">
+      <a:defRPr sz="1400" b="0" i="0" u="none" strike="noStrike" cap="none">
         <a:solidFill>
           <a:srgbClr val="000000"/>
         </a:solidFill>
@@ -730,7 +741,7 @@
         <a:sym typeface="Arial"/>
       </a:defRPr>
     </a:lvl5pPr>
-    <a:lvl6pPr lvl="5" marR="0" rtl="0" algn="l">
+    <a:lvl6pPr marR="0" lvl="5" algn="l" rtl="0">
       <a:lnSpc>
         <a:spcPct val="100000"/>
       </a:lnSpc>
@@ -744,7 +755,7 @@
         <a:srgbClr val="000000"/>
       </a:buClr>
       <a:buFont typeface="Arial"/>
-      <a:defRPr b="0" i="0" sz="1400" u="none" cap="none" strike="noStrike">
+      <a:defRPr sz="1400" b="0" i="0" u="none" strike="noStrike" cap="none">
         <a:solidFill>
           <a:srgbClr val="000000"/>
         </a:solidFill>
@@ -754,7 +765,7 @@
         <a:sym typeface="Arial"/>
       </a:defRPr>
     </a:lvl6pPr>
-    <a:lvl7pPr lvl="6" marR="0" rtl="0" algn="l">
+    <a:lvl7pPr marR="0" lvl="6" algn="l" rtl="0">
       <a:lnSpc>
         <a:spcPct val="100000"/>
       </a:lnSpc>
@@ -768,7 +779,7 @@
         <a:srgbClr val="000000"/>
       </a:buClr>
       <a:buFont typeface="Arial"/>
-      <a:defRPr b="0" i="0" sz="1400" u="none" cap="none" strike="noStrike">
+      <a:defRPr sz="1400" b="0" i="0" u="none" strike="noStrike" cap="none">
         <a:solidFill>
           <a:srgbClr val="000000"/>
         </a:solidFill>
@@ -778,7 +789,7 @@
         <a:sym typeface="Arial"/>
       </a:defRPr>
     </a:lvl7pPr>
-    <a:lvl8pPr lvl="7" marR="0" rtl="0" algn="l">
+    <a:lvl8pPr marR="0" lvl="7" algn="l" rtl="0">
       <a:lnSpc>
         <a:spcPct val="100000"/>
       </a:lnSpc>
@@ -792,7 +803,7 @@
         <a:srgbClr val="000000"/>
       </a:buClr>
       <a:buFont typeface="Arial"/>
-      <a:defRPr b="0" i="0" sz="1400" u="none" cap="none" strike="noStrike">
+      <a:defRPr sz="1400" b="0" i="0" u="none" strike="noStrike" cap="none">
         <a:solidFill>
           <a:srgbClr val="000000"/>
         </a:solidFill>
@@ -802,7 +813,7 @@
         <a:sym typeface="Arial"/>
       </a:defRPr>
     </a:lvl8pPr>
-    <a:lvl9pPr lvl="8" marR="0" rtl="0" algn="l">
+    <a:lvl9pPr marR="0" lvl="8" algn="l" rtl="0">
       <a:lnSpc>
         <a:spcPct val="100000"/>
       </a:lnSpc>
@@ -816,7 +827,7 @@
         <a:srgbClr val="000000"/>
       </a:buClr>
       <a:buFont typeface="Arial"/>
-      <a:defRPr b="0" i="0" sz="1400" u="none" cap="none" strike="noStrike">
+      <a:defRPr sz="1400" b="0" i="0" u="none" strike="noStrike" cap="none">
         <a:solidFill>
           <a:srgbClr val="000000"/>
         </a:solidFill>
@@ -831,11 +842,11 @@
 </file>
 
 <file path=ppt/notesSlides/notesSlide1.xml><?xml version="1.0" encoding="utf-8"?>
-<p:notes xmlns:a="http://schemas.openxmlformats.org/drawingml/2006/main" xmlns:r="http://schemas.openxmlformats.org/officeDocument/2006/relationships" xmlns:mc="http://schemas.openxmlformats.org/markup-compatibility/2006" xmlns:mv="urn:schemas-microsoft-com:mac:vml" xmlns:p="http://schemas.openxmlformats.org/presentationml/2006/main" xmlns:c="http://schemas.openxmlformats.org/drawingml/2006/chart" xmlns:dgm="http://schemas.openxmlformats.org/drawingml/2006/diagram" xmlns:o="urn:schemas-microsoft-com:office:office" xmlns:v="urn:schemas-microsoft-com:vml" xmlns:pvml="urn:schemas-microsoft-com:office:powerpoint" xmlns:com="http://schemas.openxmlformats.org/drawingml/2006/compatibility" xmlns:p14="http://schemas.microsoft.com/office/powerpoint/2010/main" xmlns:p15="http://schemas.microsoft.com/office/powerpoint/2012/main" xmlns:ahyp="http://schemas.microsoft.com/office/drawing/2018/hyperlinkcolor" showMasterPhAnim="0" showMasterSp="0">
+<p:notes xmlns:a="http://schemas.openxmlformats.org/drawingml/2006/main" xmlns:r="http://schemas.openxmlformats.org/officeDocument/2006/relationships" xmlns:p="http://schemas.openxmlformats.org/presentationml/2006/main" showMasterSp="0" showMasterPhAnim="0">
   <p:cSld>
     <p:spTree>
       <p:nvGrpSpPr>
-        <p:cNvPr id="80" name="Shape 80"/>
+        <p:cNvPr id="1" name="Shape 80"/>
         <p:cNvGrpSpPr/>
         <p:nvPr/>
       </p:nvGrpSpPr>
@@ -850,9 +861,11 @@
       <p:sp>
         <p:nvSpPr>
           <p:cNvPr id="81" name="Google Shape;81;p1:notes"/>
-          <p:cNvSpPr txBox="1"/>
+          <p:cNvSpPr txBox="1">
+            <a:spLocks noGrp="1"/>
+          </p:cNvSpPr>
           <p:nvPr>
-            <p:ph idx="1" type="body"/>
+            <p:ph type="body" idx="1"/>
           </p:nvPr>
         </p:nvSpPr>
         <p:spPr>
@@ -869,12 +882,12 @@
           </a:ln>
         </p:spPr>
         <p:txBody>
-          <a:bodyPr anchorCtr="0" anchor="t" bIns="91425" lIns="91425" spcFirstLastPara="1" rIns="91425" wrap="square" tIns="91425">
+          <a:bodyPr spcFirstLastPara="1" wrap="square" lIns="91425" tIns="91425" rIns="91425" bIns="91425" anchor="t" anchorCtr="0">
             <a:noAutofit/>
           </a:bodyPr>
           <a:lstStyle/>
           <a:p>
-            <a:pPr indent="0" lvl="0" marL="0" rtl="0" algn="l">
+            <a:pPr marL="0" lvl="0" indent="0" algn="l" rtl="0">
               <a:lnSpc>
                 <a:spcPct val="100000"/>
               </a:lnSpc>
@@ -887,9 +900,6 @@
               <a:buSzPts val="1100"/>
               <a:buNone/>
             </a:pPr>
-            <a:r>
-              <a:t/>
-            </a:r>
             <a:endParaRPr/>
           </a:p>
         </p:txBody>
@@ -897,9 +907,11 @@
       <p:sp>
         <p:nvSpPr>
           <p:cNvPr id="82" name="Google Shape;82;p1:notes"/>
-          <p:cNvSpPr/>
+          <p:cNvSpPr>
+            <a:spLocks noGrp="1" noRot="1" noChangeAspect="1"/>
+          </p:cNvSpPr>
           <p:nvPr>
-            <p:ph idx="2" type="sldImg"/>
+            <p:ph type="sldImg" idx="2"/>
           </p:nvPr>
         </p:nvSpPr>
         <p:spPr>
@@ -908,9 +920,13 @@
             <a:ext cx="6096000" cy="3429000"/>
           </a:xfrm>
           <a:custGeom>
-            <a:rect b="b" l="l" r="r" t="t"/>
+            <a:avLst/>
+            <a:gdLst/>
+            <a:ahLst/>
+            <a:cxnLst/>
+            <a:rect l="l" t="t" r="r" b="b"/>
             <a:pathLst>
-              <a:path extrusionOk="0" h="120000" w="120000">
+              <a:path w="120000" h="120000" extrusionOk="0">
                 <a:moveTo>
                   <a:pt x="0" y="0"/>
                 </a:moveTo>
@@ -928,14 +944,14 @@
             </a:pathLst>
           </a:custGeom>
           <a:noFill/>
-          <a:ln cap="flat" cmpd="sng" w="9525">
+          <a:ln w="9525" cap="flat" cmpd="sng">
             <a:solidFill>
               <a:srgbClr val="000000"/>
             </a:solidFill>
             <a:prstDash val="solid"/>
             <a:round/>
-            <a:headEnd len="sm" w="sm" type="none"/>
-            <a:tailEnd len="sm" w="sm" type="none"/>
+            <a:headEnd type="none" w="sm" len="sm"/>
+            <a:tailEnd type="none" w="sm" len="sm"/>
           </a:ln>
         </p:spPr>
       </p:sp>
@@ -948,11 +964,11 @@
 </file>
 
 <file path=ppt/notesSlides/notesSlide2.xml><?xml version="1.0" encoding="utf-8"?>
-<p:notes xmlns:a="http://schemas.openxmlformats.org/drawingml/2006/main" xmlns:r="http://schemas.openxmlformats.org/officeDocument/2006/relationships" xmlns:mc="http://schemas.openxmlformats.org/markup-compatibility/2006" xmlns:mv="urn:schemas-microsoft-com:mac:vml" xmlns:p="http://schemas.openxmlformats.org/presentationml/2006/main" xmlns:c="http://schemas.openxmlformats.org/drawingml/2006/chart" xmlns:dgm="http://schemas.openxmlformats.org/drawingml/2006/diagram" xmlns:o="urn:schemas-microsoft-com:office:office" xmlns:v="urn:schemas-microsoft-com:vml" xmlns:pvml="urn:schemas-microsoft-com:office:powerpoint" xmlns:com="http://schemas.openxmlformats.org/drawingml/2006/compatibility" xmlns:p14="http://schemas.microsoft.com/office/powerpoint/2010/main" xmlns:p15="http://schemas.microsoft.com/office/powerpoint/2012/main" xmlns:ahyp="http://schemas.microsoft.com/office/drawing/2018/hyperlinkcolor" showMasterPhAnim="0" showMasterSp="0">
+<p:notes xmlns:a="http://schemas.openxmlformats.org/drawingml/2006/main" xmlns:r="http://schemas.openxmlformats.org/officeDocument/2006/relationships" xmlns:p="http://schemas.openxmlformats.org/presentationml/2006/main" showMasterSp="0" showMasterPhAnim="0">
   <p:cSld>
     <p:spTree>
       <p:nvGrpSpPr>
-        <p:cNvPr id="89" name="Shape 89"/>
+        <p:cNvPr id="1" name="Shape 89"/>
         <p:cNvGrpSpPr/>
         <p:nvPr/>
       </p:nvGrpSpPr>
@@ -967,9 +983,11 @@
       <p:sp>
         <p:nvSpPr>
           <p:cNvPr id="90" name="Google Shape;90;p2:notes"/>
-          <p:cNvSpPr txBox="1"/>
+          <p:cNvSpPr txBox="1">
+            <a:spLocks noGrp="1"/>
+          </p:cNvSpPr>
           <p:nvPr>
-            <p:ph idx="1" type="body"/>
+            <p:ph type="body" idx="1"/>
           </p:nvPr>
         </p:nvSpPr>
         <p:spPr>
@@ -986,12 +1004,12 @@
           </a:ln>
         </p:spPr>
         <p:txBody>
-          <a:bodyPr anchorCtr="0" anchor="t" bIns="91425" lIns="91425" spcFirstLastPara="1" rIns="91425" wrap="square" tIns="91425">
+          <a:bodyPr spcFirstLastPara="1" wrap="square" lIns="91425" tIns="91425" rIns="91425" bIns="91425" anchor="t" anchorCtr="0">
             <a:noAutofit/>
           </a:bodyPr>
           <a:lstStyle/>
           <a:p>
-            <a:pPr indent="0" lvl="0" marL="0" rtl="0" algn="l">
+            <a:pPr marL="0" lvl="0" indent="0" algn="l" rtl="0">
               <a:lnSpc>
                 <a:spcPct val="100000"/>
               </a:lnSpc>
@@ -1004,9 +1022,6 @@
               <a:buSzPts val="1100"/>
               <a:buNone/>
             </a:pPr>
-            <a:r>
-              <a:t/>
-            </a:r>
             <a:endParaRPr/>
           </a:p>
         </p:txBody>
@@ -1014,9 +1029,11 @@
       <p:sp>
         <p:nvSpPr>
           <p:cNvPr id="91" name="Google Shape;91;p2:notes"/>
-          <p:cNvSpPr/>
+          <p:cNvSpPr>
+            <a:spLocks noGrp="1" noRot="1" noChangeAspect="1"/>
+          </p:cNvSpPr>
           <p:nvPr>
-            <p:ph idx="2" type="sldImg"/>
+            <p:ph type="sldImg" idx="2"/>
           </p:nvPr>
         </p:nvSpPr>
         <p:spPr>
@@ -1025,9 +1042,13 @@
             <a:ext cx="6096000" cy="3429000"/>
           </a:xfrm>
           <a:custGeom>
-            <a:rect b="b" l="l" r="r" t="t"/>
+            <a:avLst/>
+            <a:gdLst/>
+            <a:ahLst/>
+            <a:cxnLst/>
+            <a:rect l="l" t="t" r="r" b="b"/>
             <a:pathLst>
-              <a:path extrusionOk="0" h="120000" w="120000">
+              <a:path w="120000" h="120000" extrusionOk="0">
                 <a:moveTo>
                   <a:pt x="0" y="0"/>
                 </a:moveTo>
@@ -1045,14 +1066,14 @@
             </a:pathLst>
           </a:custGeom>
           <a:noFill/>
-          <a:ln cap="flat" cmpd="sng" w="9525">
+          <a:ln w="9525" cap="flat" cmpd="sng">
             <a:solidFill>
               <a:srgbClr val="000000"/>
             </a:solidFill>
             <a:prstDash val="solid"/>
             <a:round/>
-            <a:headEnd len="sm" w="sm" type="none"/>
-            <a:tailEnd len="sm" w="sm" type="none"/>
+            <a:headEnd type="none" w="sm" len="sm"/>
+            <a:tailEnd type="none" w="sm" len="sm"/>
           </a:ln>
         </p:spPr>
       </p:sp>
@@ -1065,11 +1086,11 @@
 </file>
 
 <file path=ppt/notesSlides/notesSlide3.xml><?xml version="1.0" encoding="utf-8"?>
-<p:notes xmlns:a="http://schemas.openxmlformats.org/drawingml/2006/main" xmlns:r="http://schemas.openxmlformats.org/officeDocument/2006/relationships" xmlns:mc="http://schemas.openxmlformats.org/markup-compatibility/2006" xmlns:mv="urn:schemas-microsoft-com:mac:vml" xmlns:p="http://schemas.openxmlformats.org/presentationml/2006/main" xmlns:c="http://schemas.openxmlformats.org/drawingml/2006/chart" xmlns:dgm="http://schemas.openxmlformats.org/drawingml/2006/diagram" xmlns:o="urn:schemas-microsoft-com:office:office" xmlns:v="urn:schemas-microsoft-com:vml" xmlns:pvml="urn:schemas-microsoft-com:office:powerpoint" xmlns:com="http://schemas.openxmlformats.org/drawingml/2006/compatibility" xmlns:p14="http://schemas.microsoft.com/office/powerpoint/2010/main" xmlns:p15="http://schemas.microsoft.com/office/powerpoint/2012/main" xmlns:ahyp="http://schemas.microsoft.com/office/drawing/2018/hyperlinkcolor" showMasterPhAnim="0" showMasterSp="0">
+<p:notes xmlns:a="http://schemas.openxmlformats.org/drawingml/2006/main" xmlns:r="http://schemas.openxmlformats.org/officeDocument/2006/relationships" xmlns:p="http://schemas.openxmlformats.org/presentationml/2006/main" showMasterSp="0" showMasterPhAnim="0">
   <p:cSld>
     <p:spTree>
       <p:nvGrpSpPr>
-        <p:cNvPr id="100" name="Shape 100"/>
+        <p:cNvPr id="1" name="Shape 100"/>
         <p:cNvGrpSpPr/>
         <p:nvPr/>
       </p:nvGrpSpPr>
@@ -1084,9 +1105,11 @@
       <p:sp>
         <p:nvSpPr>
           <p:cNvPr id="101" name="Google Shape;101;p3:notes"/>
-          <p:cNvSpPr txBox="1"/>
+          <p:cNvSpPr txBox="1">
+            <a:spLocks noGrp="1"/>
+          </p:cNvSpPr>
           <p:nvPr>
-            <p:ph idx="1" type="body"/>
+            <p:ph type="body" idx="1"/>
           </p:nvPr>
         </p:nvSpPr>
         <p:spPr>
@@ -1099,12 +1122,12 @@
           </a:prstGeom>
         </p:spPr>
         <p:txBody>
-          <a:bodyPr anchorCtr="0" anchor="t" bIns="91425" lIns="91425" spcFirstLastPara="1" rIns="91425" wrap="square" tIns="91425">
+          <a:bodyPr spcFirstLastPara="1" wrap="square" lIns="91425" tIns="91425" rIns="91425" bIns="91425" anchor="t" anchorCtr="0">
             <a:noAutofit/>
           </a:bodyPr>
           <a:lstStyle/>
           <a:p>
-            <a:pPr indent="0" lvl="0" marL="0" rtl="0" algn="l">
+            <a:pPr marL="0" lvl="0" indent="0" algn="l" rtl="0">
               <a:spcBef>
                 <a:spcPts val="0"/>
               </a:spcBef>
@@ -1113,9 +1136,6 @@
               </a:spcAft>
               <a:buNone/>
             </a:pPr>
-            <a:r>
-              <a:t/>
-            </a:r>
             <a:endParaRPr/>
           </a:p>
         </p:txBody>
@@ -1123,9 +1143,11 @@
       <p:sp>
         <p:nvSpPr>
           <p:cNvPr id="102" name="Google Shape;102;p3:notes"/>
-          <p:cNvSpPr/>
+          <p:cNvSpPr>
+            <a:spLocks noGrp="1" noRot="1" noChangeAspect="1"/>
+          </p:cNvSpPr>
           <p:nvPr>
-            <p:ph idx="2" type="sldImg"/>
+            <p:ph type="sldImg" idx="2"/>
           </p:nvPr>
         </p:nvSpPr>
         <p:spPr>
@@ -1134,9 +1156,13 @@
             <a:ext cx="4572225" cy="3429000"/>
           </a:xfrm>
           <a:custGeom>
-            <a:rect b="b" l="l" r="r" t="t"/>
+            <a:avLst/>
+            <a:gdLst/>
+            <a:ahLst/>
+            <a:cxnLst/>
+            <a:rect l="l" t="t" r="r" b="b"/>
             <a:pathLst>
-              <a:path extrusionOk="0" h="120000" w="120000">
+              <a:path w="120000" h="120000" extrusionOk="0">
                 <a:moveTo>
                   <a:pt x="0" y="0"/>
                 </a:moveTo>
@@ -1164,11 +1190,11 @@
 </file>
 
 <file path=ppt/slideLayouts/slideLayout1.xml><?xml version="1.0" encoding="utf-8"?>
-<p:sldLayout xmlns:a="http://schemas.openxmlformats.org/drawingml/2006/main" xmlns:r="http://schemas.openxmlformats.org/officeDocument/2006/relationships" xmlns:mc="http://schemas.openxmlformats.org/markup-compatibility/2006" xmlns:mv="urn:schemas-microsoft-com:mac:vml" xmlns:p="http://schemas.openxmlformats.org/presentationml/2006/main" xmlns:c="http://schemas.openxmlformats.org/drawingml/2006/chart" xmlns:dgm="http://schemas.openxmlformats.org/drawingml/2006/diagram" xmlns:o="urn:schemas-microsoft-com:office:office" xmlns:v="urn:schemas-microsoft-com:vml" xmlns:pvml="urn:schemas-microsoft-com:office:powerpoint" xmlns:com="http://schemas.openxmlformats.org/drawingml/2006/compatibility" xmlns:p14="http://schemas.microsoft.com/office/powerpoint/2010/main" xmlns:p15="http://schemas.microsoft.com/office/powerpoint/2012/main" xmlns:ahyp="http://schemas.microsoft.com/office/drawing/2018/hyperlinkcolor" matchingName="Title Slide" type="title">
+<p:sldLayout xmlns:a="http://schemas.openxmlformats.org/drawingml/2006/main" xmlns:r="http://schemas.openxmlformats.org/officeDocument/2006/relationships" xmlns:p="http://schemas.openxmlformats.org/presentationml/2006/main" matchingName="Title Slide" type="title">
   <p:cSld name="TITLE">
     <p:spTree>
       <p:nvGrpSpPr>
-        <p:cNvPr id="11" name="Shape 11"/>
+        <p:cNvPr id="1" name="Shape 11"/>
         <p:cNvGrpSpPr/>
         <p:nvPr/>
       </p:nvGrpSpPr>
@@ -1183,7 +1209,9 @@
       <p:sp>
         <p:nvSpPr>
           <p:cNvPr id="12" name="Google Shape;12;p2"/>
-          <p:cNvSpPr txBox="1"/>
+          <p:cNvSpPr txBox="1">
+            <a:spLocks noGrp="1"/>
+          </p:cNvSpPr>
           <p:nvPr>
             <p:ph type="ctrTitle"/>
           </p:nvPr>
@@ -1202,7 +1230,7 @@
           </a:ln>
         </p:spPr>
         <p:txBody>
-          <a:bodyPr anchorCtr="0" anchor="b" bIns="45700" lIns="91425" spcFirstLastPara="1" rIns="91425" wrap="square" tIns="45700">
+          <a:bodyPr spcFirstLastPara="1" wrap="square" lIns="91425" tIns="45700" rIns="91425" bIns="45700" anchor="b" anchorCtr="0">
             <a:noAutofit/>
           </a:bodyPr>
           <a:lstStyle>
@@ -1337,15 +1365,19 @@
               <a:defRPr/>
             </a:lvl9pPr>
           </a:lstStyle>
-          <a:p/>
+          <a:p>
+            <a:endParaRPr/>
+          </a:p>
         </p:txBody>
       </p:sp>
       <p:sp>
         <p:nvSpPr>
           <p:cNvPr id="13" name="Google Shape;13;p2"/>
-          <p:cNvSpPr txBox="1"/>
+          <p:cNvSpPr txBox="1">
+            <a:spLocks noGrp="1"/>
+          </p:cNvSpPr>
           <p:nvPr>
-            <p:ph idx="1" type="subTitle"/>
+            <p:ph type="subTitle" idx="1"/>
           </p:nvPr>
         </p:nvSpPr>
         <p:spPr>
@@ -1362,7 +1394,7 @@
           </a:ln>
         </p:spPr>
         <p:txBody>
-          <a:bodyPr anchorCtr="0" anchor="t" bIns="45700" lIns="91425" spcFirstLastPara="1" rIns="91425" wrap="square" tIns="45700">
+          <a:bodyPr spcFirstLastPara="1" wrap="square" lIns="91425" tIns="45700" rIns="91425" bIns="45700" anchor="t" anchorCtr="0">
             <a:noAutofit/>
           </a:bodyPr>
           <a:lstStyle>
@@ -1520,15 +1552,19 @@
               <a:defRPr sz="1600"/>
             </a:lvl9pPr>
           </a:lstStyle>
-          <a:p/>
+          <a:p>
+            <a:endParaRPr/>
+          </a:p>
         </p:txBody>
       </p:sp>
       <p:sp>
         <p:nvSpPr>
           <p:cNvPr id="14" name="Google Shape;14;p2"/>
-          <p:cNvSpPr txBox="1"/>
+          <p:cNvSpPr txBox="1">
+            <a:spLocks noGrp="1"/>
+          </p:cNvSpPr>
           <p:nvPr>
-            <p:ph idx="10" type="dt"/>
+            <p:ph type="dt" idx="10"/>
           </p:nvPr>
         </p:nvSpPr>
         <p:spPr>
@@ -1545,7 +1581,7 @@
           </a:ln>
         </p:spPr>
         <p:txBody>
-          <a:bodyPr anchorCtr="0" anchor="ctr" bIns="45700" lIns="91425" spcFirstLastPara="1" rIns="91425" wrap="square" tIns="45700">
+          <a:bodyPr spcFirstLastPara="1" wrap="square" lIns="91425" tIns="45700" rIns="91425" bIns="45700" anchor="ctr" anchorCtr="0">
             <a:noAutofit/>
           </a:bodyPr>
           <a:lstStyle>
@@ -1676,15 +1712,19 @@
               <a:defRPr/>
             </a:lvl9pPr>
           </a:lstStyle>
-          <a:p/>
+          <a:p>
+            <a:endParaRPr/>
+          </a:p>
         </p:txBody>
       </p:sp>
       <p:sp>
         <p:nvSpPr>
           <p:cNvPr id="15" name="Google Shape;15;p2"/>
-          <p:cNvSpPr txBox="1"/>
+          <p:cNvSpPr txBox="1">
+            <a:spLocks noGrp="1"/>
+          </p:cNvSpPr>
           <p:nvPr>
-            <p:ph idx="11" type="ftr"/>
+            <p:ph type="ftr" idx="11"/>
           </p:nvPr>
         </p:nvSpPr>
         <p:spPr>
@@ -1701,7 +1741,7 @@
           </a:ln>
         </p:spPr>
         <p:txBody>
-          <a:bodyPr anchorCtr="0" anchor="ctr" bIns="45700" lIns="91425" spcFirstLastPara="1" rIns="91425" wrap="square" tIns="45700">
+          <a:bodyPr spcFirstLastPara="1" wrap="square" lIns="91425" tIns="45700" rIns="91425" bIns="45700" anchor="ctr" anchorCtr="0">
             <a:noAutofit/>
           </a:bodyPr>
           <a:lstStyle>
@@ -1832,15 +1872,19 @@
               <a:defRPr/>
             </a:lvl9pPr>
           </a:lstStyle>
-          <a:p/>
+          <a:p>
+            <a:endParaRPr/>
+          </a:p>
         </p:txBody>
       </p:sp>
       <p:sp>
         <p:nvSpPr>
           <p:cNvPr id="16" name="Google Shape;16;p2"/>
-          <p:cNvSpPr txBox="1"/>
+          <p:cNvSpPr txBox="1">
+            <a:spLocks noGrp="1"/>
+          </p:cNvSpPr>
           <p:nvPr>
-            <p:ph idx="12" type="sldNum"/>
+            <p:ph type="sldNum" idx="12"/>
           </p:nvPr>
         </p:nvSpPr>
         <p:spPr>
@@ -1857,11 +1901,11 @@
           </a:ln>
         </p:spPr>
         <p:txBody>
-          <a:bodyPr anchorCtr="0" anchor="ctr" bIns="45700" lIns="91425" spcFirstLastPara="1" rIns="91425" wrap="square" tIns="45700">
+          <a:bodyPr spcFirstLastPara="1" wrap="square" lIns="91425" tIns="45700" rIns="91425" bIns="45700" anchor="ctr" anchorCtr="0">
             <a:noAutofit/>
           </a:bodyPr>
           <a:lstStyle>
-            <a:lvl1pPr indent="0" lvl="0" marL="0" marR="0" algn="r">
+            <a:lvl1pPr marL="0" marR="0" lvl="0" indent="0" algn="r">
               <a:lnSpc>
                 <a:spcPct val="100000"/>
               </a:lnSpc>
@@ -1877,7 +1921,7 @@
               <a:buSzPts val="1200"/>
               <a:buFont typeface="Arial"/>
               <a:buNone/>
-              <a:defRPr b="0" i="0" sz="1200" u="none" cap="none" strike="noStrike">
+              <a:defRPr sz="1200" b="0" i="0" u="none" strike="noStrike" cap="none">
                 <a:solidFill>
                   <a:srgbClr val="888888"/>
                 </a:solidFill>
@@ -1887,7 +1931,7 @@
                 <a:sym typeface="Calibri"/>
               </a:defRPr>
             </a:lvl1pPr>
-            <a:lvl2pPr indent="0" lvl="1" marL="0" marR="0" algn="r">
+            <a:lvl2pPr marL="0" marR="0" lvl="1" indent="0" algn="r">
               <a:lnSpc>
                 <a:spcPct val="100000"/>
               </a:lnSpc>
@@ -1903,7 +1947,7 @@
               <a:buSzPts val="1200"/>
               <a:buFont typeface="Arial"/>
               <a:buNone/>
-              <a:defRPr b="0" i="0" sz="1200" u="none" cap="none" strike="noStrike">
+              <a:defRPr sz="1200" b="0" i="0" u="none" strike="noStrike" cap="none">
                 <a:solidFill>
                   <a:srgbClr val="888888"/>
                 </a:solidFill>
@@ -1913,7 +1957,7 @@
                 <a:sym typeface="Calibri"/>
               </a:defRPr>
             </a:lvl2pPr>
-            <a:lvl3pPr indent="0" lvl="2" marL="0" marR="0" algn="r">
+            <a:lvl3pPr marL="0" marR="0" lvl="2" indent="0" algn="r">
               <a:lnSpc>
                 <a:spcPct val="100000"/>
               </a:lnSpc>
@@ -1929,7 +1973,7 @@
               <a:buSzPts val="1200"/>
               <a:buFont typeface="Arial"/>
               <a:buNone/>
-              <a:defRPr b="0" i="0" sz="1200" u="none" cap="none" strike="noStrike">
+              <a:defRPr sz="1200" b="0" i="0" u="none" strike="noStrike" cap="none">
                 <a:solidFill>
                   <a:srgbClr val="888888"/>
                 </a:solidFill>
@@ -1939,7 +1983,7 @@
                 <a:sym typeface="Calibri"/>
               </a:defRPr>
             </a:lvl3pPr>
-            <a:lvl4pPr indent="0" lvl="3" marL="0" marR="0" algn="r">
+            <a:lvl4pPr marL="0" marR="0" lvl="3" indent="0" algn="r">
               <a:lnSpc>
                 <a:spcPct val="100000"/>
               </a:lnSpc>
@@ -1955,7 +1999,7 @@
               <a:buSzPts val="1200"/>
               <a:buFont typeface="Arial"/>
               <a:buNone/>
-              <a:defRPr b="0" i="0" sz="1200" u="none" cap="none" strike="noStrike">
+              <a:defRPr sz="1200" b="0" i="0" u="none" strike="noStrike" cap="none">
                 <a:solidFill>
                   <a:srgbClr val="888888"/>
                 </a:solidFill>
@@ -1965,7 +2009,7 @@
                 <a:sym typeface="Calibri"/>
               </a:defRPr>
             </a:lvl4pPr>
-            <a:lvl5pPr indent="0" lvl="4" marL="0" marR="0" algn="r">
+            <a:lvl5pPr marL="0" marR="0" lvl="4" indent="0" algn="r">
               <a:lnSpc>
                 <a:spcPct val="100000"/>
               </a:lnSpc>
@@ -1981,7 +2025,7 @@
               <a:buSzPts val="1200"/>
               <a:buFont typeface="Arial"/>
               <a:buNone/>
-              <a:defRPr b="0" i="0" sz="1200" u="none" cap="none" strike="noStrike">
+              <a:defRPr sz="1200" b="0" i="0" u="none" strike="noStrike" cap="none">
                 <a:solidFill>
                   <a:srgbClr val="888888"/>
                 </a:solidFill>
@@ -1991,7 +2035,7 @@
                 <a:sym typeface="Calibri"/>
               </a:defRPr>
             </a:lvl5pPr>
-            <a:lvl6pPr indent="0" lvl="5" marL="0" marR="0" algn="r">
+            <a:lvl6pPr marL="0" marR="0" lvl="5" indent="0" algn="r">
               <a:lnSpc>
                 <a:spcPct val="100000"/>
               </a:lnSpc>
@@ -2007,7 +2051,7 @@
               <a:buSzPts val="1200"/>
               <a:buFont typeface="Arial"/>
               <a:buNone/>
-              <a:defRPr b="0" i="0" sz="1200" u="none" cap="none" strike="noStrike">
+              <a:defRPr sz="1200" b="0" i="0" u="none" strike="noStrike" cap="none">
                 <a:solidFill>
                   <a:srgbClr val="888888"/>
                 </a:solidFill>
@@ -2017,7 +2061,7 @@
                 <a:sym typeface="Calibri"/>
               </a:defRPr>
             </a:lvl6pPr>
-            <a:lvl7pPr indent="0" lvl="6" marL="0" marR="0" algn="r">
+            <a:lvl7pPr marL="0" marR="0" lvl="6" indent="0" algn="r">
               <a:lnSpc>
                 <a:spcPct val="100000"/>
               </a:lnSpc>
@@ -2033,7 +2077,7 @@
               <a:buSzPts val="1200"/>
               <a:buFont typeface="Arial"/>
               <a:buNone/>
-              <a:defRPr b="0" i="0" sz="1200" u="none" cap="none" strike="noStrike">
+              <a:defRPr sz="1200" b="0" i="0" u="none" strike="noStrike" cap="none">
                 <a:solidFill>
                   <a:srgbClr val="888888"/>
                 </a:solidFill>
@@ -2043,7 +2087,7 @@
                 <a:sym typeface="Calibri"/>
               </a:defRPr>
             </a:lvl7pPr>
-            <a:lvl8pPr indent="0" lvl="7" marL="0" marR="0" algn="r">
+            <a:lvl8pPr marL="0" marR="0" lvl="7" indent="0" algn="r">
               <a:lnSpc>
                 <a:spcPct val="100000"/>
               </a:lnSpc>
@@ -2059,7 +2103,7 @@
               <a:buSzPts val="1200"/>
               <a:buFont typeface="Arial"/>
               <a:buNone/>
-              <a:defRPr b="0" i="0" sz="1200" u="none" cap="none" strike="noStrike">
+              <a:defRPr sz="1200" b="0" i="0" u="none" strike="noStrike" cap="none">
                 <a:solidFill>
                   <a:srgbClr val="888888"/>
                 </a:solidFill>
@@ -2069,7 +2113,7 @@
                 <a:sym typeface="Calibri"/>
               </a:defRPr>
             </a:lvl8pPr>
-            <a:lvl9pPr indent="0" lvl="8" marL="0" marR="0" algn="r">
+            <a:lvl9pPr marL="0" marR="0" lvl="8" indent="0" algn="r">
               <a:lnSpc>
                 <a:spcPct val="100000"/>
               </a:lnSpc>
@@ -2085,7 +2129,7 @@
               <a:buSzPts val="1200"/>
               <a:buFont typeface="Arial"/>
               <a:buNone/>
-              <a:defRPr b="0" i="0" sz="1200" u="none" cap="none" strike="noStrike">
+              <a:defRPr sz="1200" b="0" i="0" u="none" strike="noStrike" cap="none">
                 <a:solidFill>
                   <a:srgbClr val="888888"/>
                 </a:solidFill>
@@ -2097,7 +2141,7 @@
             </a:lvl9pPr>
           </a:lstStyle>
           <a:p>
-            <a:pPr indent="0" lvl="0" marL="0" rtl="0" algn="r">
+            <a:pPr marL="0" lvl="0" indent="0" algn="r" rtl="0">
               <a:spcBef>
                 <a:spcPts val="0"/>
               </a:spcBef>
@@ -2123,11 +2167,11 @@
 </file>
 
 <file path=ppt/slideLayouts/slideLayout10.xml><?xml version="1.0" encoding="utf-8"?>
-<p:sldLayout xmlns:a="http://schemas.openxmlformats.org/drawingml/2006/main" xmlns:r="http://schemas.openxmlformats.org/officeDocument/2006/relationships" xmlns:mc="http://schemas.openxmlformats.org/markup-compatibility/2006" xmlns:mv="urn:schemas-microsoft-com:mac:vml" xmlns:p="http://schemas.openxmlformats.org/presentationml/2006/main" xmlns:c="http://schemas.openxmlformats.org/drawingml/2006/chart" xmlns:dgm="http://schemas.openxmlformats.org/drawingml/2006/diagram" xmlns:o="urn:schemas-microsoft-com:office:office" xmlns:v="urn:schemas-microsoft-com:vml" xmlns:pvml="urn:schemas-microsoft-com:office:powerpoint" xmlns:com="http://schemas.openxmlformats.org/drawingml/2006/compatibility" xmlns:p14="http://schemas.microsoft.com/office/powerpoint/2010/main" xmlns:p15="http://schemas.microsoft.com/office/powerpoint/2012/main" xmlns:ahyp="http://schemas.microsoft.com/office/drawing/2018/hyperlinkcolor" matchingName="Title and Vertical Text" type="vertTx">
+<p:sldLayout xmlns:a="http://schemas.openxmlformats.org/drawingml/2006/main" xmlns:r="http://schemas.openxmlformats.org/officeDocument/2006/relationships" xmlns:p="http://schemas.openxmlformats.org/presentationml/2006/main" matchingName="Title and Vertical Text" type="vertTx">
   <p:cSld name="VERTICAL_TEXT">
     <p:spTree>
       <p:nvGrpSpPr>
-        <p:cNvPr id="68" name="Shape 68"/>
+        <p:cNvPr id="1" name="Shape 68"/>
         <p:cNvGrpSpPr/>
         <p:nvPr/>
       </p:nvGrpSpPr>
@@ -2142,7 +2186,9 @@
       <p:sp>
         <p:nvSpPr>
           <p:cNvPr id="69" name="Google Shape;69;p11"/>
-          <p:cNvSpPr txBox="1"/>
+          <p:cNvSpPr txBox="1">
+            <a:spLocks noGrp="1"/>
+          </p:cNvSpPr>
           <p:nvPr>
             <p:ph type="title"/>
           </p:nvPr>
@@ -2161,7 +2207,7 @@
           </a:ln>
         </p:spPr>
         <p:txBody>
-          <a:bodyPr anchorCtr="0" anchor="ctr" bIns="45700" lIns="91425" spcFirstLastPara="1" rIns="91425" wrap="square" tIns="45700">
+          <a:bodyPr spcFirstLastPara="1" wrap="square" lIns="91425" tIns="45700" rIns="91425" bIns="45700" anchor="ctr" anchorCtr="0">
             <a:noAutofit/>
           </a:bodyPr>
           <a:lstStyle>
@@ -2295,15 +2341,19 @@
               <a:defRPr/>
             </a:lvl9pPr>
           </a:lstStyle>
-          <a:p/>
+          <a:p>
+            <a:endParaRPr/>
+          </a:p>
         </p:txBody>
       </p:sp>
       <p:sp>
         <p:nvSpPr>
           <p:cNvPr id="70" name="Google Shape;70;p11"/>
-          <p:cNvSpPr txBox="1"/>
+          <p:cNvSpPr txBox="1">
+            <a:spLocks noGrp="1"/>
+          </p:cNvSpPr>
           <p:nvPr>
-            <p:ph idx="1" type="body"/>
+            <p:ph type="body" idx="1"/>
           </p:nvPr>
         </p:nvSpPr>
         <p:spPr>
@@ -2320,11 +2370,11 @@
           </a:ln>
         </p:spPr>
         <p:txBody>
-          <a:bodyPr anchorCtr="0" anchor="t" bIns="45700" lIns="91425" spcFirstLastPara="1" rIns="91425" wrap="square" tIns="45700">
+          <a:bodyPr spcFirstLastPara="1" wrap="square" lIns="91425" tIns="45700" rIns="91425" bIns="45700" anchor="t" anchorCtr="0">
             <a:noAutofit/>
           </a:bodyPr>
           <a:lstStyle>
-            <a:lvl1pPr indent="-342900" lvl="0" marL="457200" algn="l">
+            <a:lvl1pPr marL="457200" lvl="0" indent="-342900" algn="l">
               <a:lnSpc>
                 <a:spcPct val="90000"/>
               </a:lnSpc>
@@ -2341,7 +2391,7 @@
               <a:buChar char="•"/>
               <a:defRPr/>
             </a:lvl1pPr>
-            <a:lvl2pPr indent="-342900" lvl="1" marL="914400" algn="l">
+            <a:lvl2pPr marL="914400" lvl="1" indent="-342900" algn="l">
               <a:lnSpc>
                 <a:spcPct val="90000"/>
               </a:lnSpc>
@@ -2358,7 +2408,7 @@
               <a:buChar char="•"/>
               <a:defRPr/>
             </a:lvl2pPr>
-            <a:lvl3pPr indent="-342900" lvl="2" marL="1371600" algn="l">
+            <a:lvl3pPr marL="1371600" lvl="2" indent="-342900" algn="l">
               <a:lnSpc>
                 <a:spcPct val="90000"/>
               </a:lnSpc>
@@ -2375,7 +2425,7 @@
               <a:buChar char="•"/>
               <a:defRPr/>
             </a:lvl3pPr>
-            <a:lvl4pPr indent="-342900" lvl="3" marL="1828800" algn="l">
+            <a:lvl4pPr marL="1828800" lvl="3" indent="-342900" algn="l">
               <a:lnSpc>
                 <a:spcPct val="90000"/>
               </a:lnSpc>
@@ -2392,7 +2442,7 @@
               <a:buChar char="•"/>
               <a:defRPr/>
             </a:lvl4pPr>
-            <a:lvl5pPr indent="-342900" lvl="4" marL="2286000" algn="l">
+            <a:lvl5pPr marL="2286000" lvl="4" indent="-342900" algn="l">
               <a:lnSpc>
                 <a:spcPct val="90000"/>
               </a:lnSpc>
@@ -2409,7 +2459,7 @@
               <a:buChar char="•"/>
               <a:defRPr/>
             </a:lvl5pPr>
-            <a:lvl6pPr indent="-342900" lvl="5" marL="2743200" algn="l">
+            <a:lvl6pPr marL="2743200" lvl="5" indent="-342900" algn="l">
               <a:lnSpc>
                 <a:spcPct val="90000"/>
               </a:lnSpc>
@@ -2426,7 +2476,7 @@
               <a:buChar char="•"/>
               <a:defRPr/>
             </a:lvl6pPr>
-            <a:lvl7pPr indent="-342900" lvl="6" marL="3200400" algn="l">
+            <a:lvl7pPr marL="3200400" lvl="6" indent="-342900" algn="l">
               <a:lnSpc>
                 <a:spcPct val="90000"/>
               </a:lnSpc>
@@ -2443,7 +2493,7 @@
               <a:buChar char="•"/>
               <a:defRPr/>
             </a:lvl7pPr>
-            <a:lvl8pPr indent="-342900" lvl="7" marL="3657600" algn="l">
+            <a:lvl8pPr marL="3657600" lvl="7" indent="-342900" algn="l">
               <a:lnSpc>
                 <a:spcPct val="90000"/>
               </a:lnSpc>
@@ -2460,7 +2510,7 @@
               <a:buChar char="•"/>
               <a:defRPr/>
             </a:lvl8pPr>
-            <a:lvl9pPr indent="-342900" lvl="8" marL="4114800" algn="l">
+            <a:lvl9pPr marL="4114800" lvl="8" indent="-342900" algn="l">
               <a:lnSpc>
                 <a:spcPct val="90000"/>
               </a:lnSpc>
@@ -2478,15 +2528,19 @@
               <a:defRPr/>
             </a:lvl9pPr>
           </a:lstStyle>
-          <a:p/>
+          <a:p>
+            <a:endParaRPr/>
+          </a:p>
         </p:txBody>
       </p:sp>
       <p:sp>
         <p:nvSpPr>
           <p:cNvPr id="71" name="Google Shape;71;p11"/>
-          <p:cNvSpPr txBox="1"/>
+          <p:cNvSpPr txBox="1">
+            <a:spLocks noGrp="1"/>
+          </p:cNvSpPr>
           <p:nvPr>
-            <p:ph idx="10" type="dt"/>
+            <p:ph type="dt" idx="10"/>
           </p:nvPr>
         </p:nvSpPr>
         <p:spPr>
@@ -2503,7 +2557,7 @@
           </a:ln>
         </p:spPr>
         <p:txBody>
-          <a:bodyPr anchorCtr="0" anchor="ctr" bIns="45700" lIns="91425" spcFirstLastPara="1" rIns="91425" wrap="square" tIns="45700">
+          <a:bodyPr spcFirstLastPara="1" wrap="square" lIns="91425" tIns="45700" rIns="91425" bIns="45700" anchor="ctr" anchorCtr="0">
             <a:noAutofit/>
           </a:bodyPr>
           <a:lstStyle>
@@ -2634,15 +2688,19 @@
               <a:defRPr/>
             </a:lvl9pPr>
           </a:lstStyle>
-          <a:p/>
+          <a:p>
+            <a:endParaRPr/>
+          </a:p>
         </p:txBody>
       </p:sp>
       <p:sp>
         <p:nvSpPr>
           <p:cNvPr id="72" name="Google Shape;72;p11"/>
-          <p:cNvSpPr txBox="1"/>
+          <p:cNvSpPr txBox="1">
+            <a:spLocks noGrp="1"/>
+          </p:cNvSpPr>
           <p:nvPr>
-            <p:ph idx="11" type="ftr"/>
+            <p:ph type="ftr" idx="11"/>
           </p:nvPr>
         </p:nvSpPr>
         <p:spPr>
@@ -2659,7 +2717,7 @@
           </a:ln>
         </p:spPr>
         <p:txBody>
-          <a:bodyPr anchorCtr="0" anchor="ctr" bIns="45700" lIns="91425" spcFirstLastPara="1" rIns="91425" wrap="square" tIns="45700">
+          <a:bodyPr spcFirstLastPara="1" wrap="square" lIns="91425" tIns="45700" rIns="91425" bIns="45700" anchor="ctr" anchorCtr="0">
             <a:noAutofit/>
           </a:bodyPr>
           <a:lstStyle>
@@ -2790,15 +2848,19 @@
               <a:defRPr/>
             </a:lvl9pPr>
           </a:lstStyle>
-          <a:p/>
+          <a:p>
+            <a:endParaRPr/>
+          </a:p>
         </p:txBody>
       </p:sp>
       <p:sp>
         <p:nvSpPr>
           <p:cNvPr id="73" name="Google Shape;73;p11"/>
-          <p:cNvSpPr txBox="1"/>
+          <p:cNvSpPr txBox="1">
+            <a:spLocks noGrp="1"/>
+          </p:cNvSpPr>
           <p:nvPr>
-            <p:ph idx="12" type="sldNum"/>
+            <p:ph type="sldNum" idx="12"/>
           </p:nvPr>
         </p:nvSpPr>
         <p:spPr>
@@ -2815,11 +2877,11 @@
           </a:ln>
         </p:spPr>
         <p:txBody>
-          <a:bodyPr anchorCtr="0" anchor="ctr" bIns="45700" lIns="91425" spcFirstLastPara="1" rIns="91425" wrap="square" tIns="45700">
+          <a:bodyPr spcFirstLastPara="1" wrap="square" lIns="91425" tIns="45700" rIns="91425" bIns="45700" anchor="ctr" anchorCtr="0">
             <a:noAutofit/>
           </a:bodyPr>
           <a:lstStyle>
-            <a:lvl1pPr indent="0" lvl="0" marL="0" marR="0" algn="r">
+            <a:lvl1pPr marL="0" marR="0" lvl="0" indent="0" algn="r">
               <a:lnSpc>
                 <a:spcPct val="100000"/>
               </a:lnSpc>
@@ -2835,7 +2897,7 @@
               <a:buSzPts val="1200"/>
               <a:buFont typeface="Arial"/>
               <a:buNone/>
-              <a:defRPr b="0" i="0" sz="1200" u="none" cap="none" strike="noStrike">
+              <a:defRPr sz="1200" b="0" i="0" u="none" strike="noStrike" cap="none">
                 <a:solidFill>
                   <a:srgbClr val="888888"/>
                 </a:solidFill>
@@ -2845,7 +2907,7 @@
                 <a:sym typeface="Calibri"/>
               </a:defRPr>
             </a:lvl1pPr>
-            <a:lvl2pPr indent="0" lvl="1" marL="0" marR="0" algn="r">
+            <a:lvl2pPr marL="0" marR="0" lvl="1" indent="0" algn="r">
               <a:lnSpc>
                 <a:spcPct val="100000"/>
               </a:lnSpc>
@@ -2861,7 +2923,7 @@
               <a:buSzPts val="1200"/>
               <a:buFont typeface="Arial"/>
               <a:buNone/>
-              <a:defRPr b="0" i="0" sz="1200" u="none" cap="none" strike="noStrike">
+              <a:defRPr sz="1200" b="0" i="0" u="none" strike="noStrike" cap="none">
                 <a:solidFill>
                   <a:srgbClr val="888888"/>
                 </a:solidFill>
@@ -2871,7 +2933,7 @@
                 <a:sym typeface="Calibri"/>
               </a:defRPr>
             </a:lvl2pPr>
-            <a:lvl3pPr indent="0" lvl="2" marL="0" marR="0" algn="r">
+            <a:lvl3pPr marL="0" marR="0" lvl="2" indent="0" algn="r">
               <a:lnSpc>
                 <a:spcPct val="100000"/>
               </a:lnSpc>
@@ -2887,7 +2949,7 @@
               <a:buSzPts val="1200"/>
               <a:buFont typeface="Arial"/>
               <a:buNone/>
-              <a:defRPr b="0" i="0" sz="1200" u="none" cap="none" strike="noStrike">
+              <a:defRPr sz="1200" b="0" i="0" u="none" strike="noStrike" cap="none">
                 <a:solidFill>
                   <a:srgbClr val="888888"/>
                 </a:solidFill>
@@ -2897,7 +2959,7 @@
                 <a:sym typeface="Calibri"/>
               </a:defRPr>
             </a:lvl3pPr>
-            <a:lvl4pPr indent="0" lvl="3" marL="0" marR="0" algn="r">
+            <a:lvl4pPr marL="0" marR="0" lvl="3" indent="0" algn="r">
               <a:lnSpc>
                 <a:spcPct val="100000"/>
               </a:lnSpc>
@@ -2913,7 +2975,7 @@
               <a:buSzPts val="1200"/>
               <a:buFont typeface="Arial"/>
               <a:buNone/>
-              <a:defRPr b="0" i="0" sz="1200" u="none" cap="none" strike="noStrike">
+              <a:defRPr sz="1200" b="0" i="0" u="none" strike="noStrike" cap="none">
                 <a:solidFill>
                   <a:srgbClr val="888888"/>
                 </a:solidFill>
@@ -2923,7 +2985,7 @@
                 <a:sym typeface="Calibri"/>
               </a:defRPr>
             </a:lvl4pPr>
-            <a:lvl5pPr indent="0" lvl="4" marL="0" marR="0" algn="r">
+            <a:lvl5pPr marL="0" marR="0" lvl="4" indent="0" algn="r">
               <a:lnSpc>
                 <a:spcPct val="100000"/>
               </a:lnSpc>
@@ -2939,7 +3001,7 @@
               <a:buSzPts val="1200"/>
               <a:buFont typeface="Arial"/>
               <a:buNone/>
-              <a:defRPr b="0" i="0" sz="1200" u="none" cap="none" strike="noStrike">
+              <a:defRPr sz="1200" b="0" i="0" u="none" strike="noStrike" cap="none">
                 <a:solidFill>
                   <a:srgbClr val="888888"/>
                 </a:solidFill>
@@ -2949,7 +3011,7 @@
                 <a:sym typeface="Calibri"/>
               </a:defRPr>
             </a:lvl5pPr>
-            <a:lvl6pPr indent="0" lvl="5" marL="0" marR="0" algn="r">
+            <a:lvl6pPr marL="0" marR="0" lvl="5" indent="0" algn="r">
               <a:lnSpc>
                 <a:spcPct val="100000"/>
               </a:lnSpc>
@@ -2965,7 +3027,7 @@
               <a:buSzPts val="1200"/>
               <a:buFont typeface="Arial"/>
               <a:buNone/>
-              <a:defRPr b="0" i="0" sz="1200" u="none" cap="none" strike="noStrike">
+              <a:defRPr sz="1200" b="0" i="0" u="none" strike="noStrike" cap="none">
                 <a:solidFill>
                   <a:srgbClr val="888888"/>
                 </a:solidFill>
@@ -2975,7 +3037,7 @@
                 <a:sym typeface="Calibri"/>
               </a:defRPr>
             </a:lvl6pPr>
-            <a:lvl7pPr indent="0" lvl="6" marL="0" marR="0" algn="r">
+            <a:lvl7pPr marL="0" marR="0" lvl="6" indent="0" algn="r">
               <a:lnSpc>
                 <a:spcPct val="100000"/>
               </a:lnSpc>
@@ -2991,7 +3053,7 @@
               <a:buSzPts val="1200"/>
               <a:buFont typeface="Arial"/>
               <a:buNone/>
-              <a:defRPr b="0" i="0" sz="1200" u="none" cap="none" strike="noStrike">
+              <a:defRPr sz="1200" b="0" i="0" u="none" strike="noStrike" cap="none">
                 <a:solidFill>
                   <a:srgbClr val="888888"/>
                 </a:solidFill>
@@ -3001,7 +3063,7 @@
                 <a:sym typeface="Calibri"/>
               </a:defRPr>
             </a:lvl7pPr>
-            <a:lvl8pPr indent="0" lvl="7" marL="0" marR="0" algn="r">
+            <a:lvl8pPr marL="0" marR="0" lvl="7" indent="0" algn="r">
               <a:lnSpc>
                 <a:spcPct val="100000"/>
               </a:lnSpc>
@@ -3017,7 +3079,7 @@
               <a:buSzPts val="1200"/>
               <a:buFont typeface="Arial"/>
               <a:buNone/>
-              <a:defRPr b="0" i="0" sz="1200" u="none" cap="none" strike="noStrike">
+              <a:defRPr sz="1200" b="0" i="0" u="none" strike="noStrike" cap="none">
                 <a:solidFill>
                   <a:srgbClr val="888888"/>
                 </a:solidFill>
@@ -3027,7 +3089,7 @@
                 <a:sym typeface="Calibri"/>
               </a:defRPr>
             </a:lvl8pPr>
-            <a:lvl9pPr indent="0" lvl="8" marL="0" marR="0" algn="r">
+            <a:lvl9pPr marL="0" marR="0" lvl="8" indent="0" algn="r">
               <a:lnSpc>
                 <a:spcPct val="100000"/>
               </a:lnSpc>
@@ -3043,7 +3105,7 @@
               <a:buSzPts val="1200"/>
               <a:buFont typeface="Arial"/>
               <a:buNone/>
-              <a:defRPr b="0" i="0" sz="1200" u="none" cap="none" strike="noStrike">
+              <a:defRPr sz="1200" b="0" i="0" u="none" strike="noStrike" cap="none">
                 <a:solidFill>
                   <a:srgbClr val="888888"/>
                 </a:solidFill>
@@ -3055,7 +3117,7 @@
             </a:lvl9pPr>
           </a:lstStyle>
           <a:p>
-            <a:pPr indent="0" lvl="0" marL="0" rtl="0" algn="r">
+            <a:pPr marL="0" lvl="0" indent="0" algn="r" rtl="0">
               <a:spcBef>
                 <a:spcPts val="0"/>
               </a:spcBef>
@@ -3081,11 +3143,11 @@
 </file>
 
 <file path=ppt/slideLayouts/slideLayout11.xml><?xml version="1.0" encoding="utf-8"?>
-<p:sldLayout xmlns:a="http://schemas.openxmlformats.org/drawingml/2006/main" xmlns:r="http://schemas.openxmlformats.org/officeDocument/2006/relationships" xmlns:mc="http://schemas.openxmlformats.org/markup-compatibility/2006" xmlns:mv="urn:schemas-microsoft-com:mac:vml" xmlns:p="http://schemas.openxmlformats.org/presentationml/2006/main" xmlns:c="http://schemas.openxmlformats.org/drawingml/2006/chart" xmlns:dgm="http://schemas.openxmlformats.org/drawingml/2006/diagram" xmlns:o="urn:schemas-microsoft-com:office:office" xmlns:v="urn:schemas-microsoft-com:vml" xmlns:pvml="urn:schemas-microsoft-com:office:powerpoint" xmlns:com="http://schemas.openxmlformats.org/drawingml/2006/compatibility" xmlns:p14="http://schemas.microsoft.com/office/powerpoint/2010/main" xmlns:p15="http://schemas.microsoft.com/office/powerpoint/2012/main" xmlns:ahyp="http://schemas.microsoft.com/office/drawing/2018/hyperlinkcolor" matchingName="Vertical Title and Text" type="vertTitleAndTx">
+<p:sldLayout xmlns:a="http://schemas.openxmlformats.org/drawingml/2006/main" xmlns:r="http://schemas.openxmlformats.org/officeDocument/2006/relationships" xmlns:p="http://schemas.openxmlformats.org/presentationml/2006/main" matchingName="Vertical Title and Text" type="vertTitleAndTx">
   <p:cSld name="VERTICAL_TITLE_AND_VERTICAL_TEXT">
     <p:spTree>
       <p:nvGrpSpPr>
-        <p:cNvPr id="74" name="Shape 74"/>
+        <p:cNvPr id="1" name="Shape 74"/>
         <p:cNvGrpSpPr/>
         <p:nvPr/>
       </p:nvGrpSpPr>
@@ -3100,7 +3162,9 @@
       <p:sp>
         <p:nvSpPr>
           <p:cNvPr id="75" name="Google Shape;75;p12"/>
-          <p:cNvSpPr txBox="1"/>
+          <p:cNvSpPr txBox="1">
+            <a:spLocks noGrp="1"/>
+          </p:cNvSpPr>
           <p:nvPr>
             <p:ph type="title"/>
           </p:nvPr>
@@ -3119,7 +3183,7 @@
           </a:ln>
         </p:spPr>
         <p:txBody>
-          <a:bodyPr anchorCtr="0" anchor="ctr" bIns="45700" lIns="91425" spcFirstLastPara="1" rIns="91425" wrap="square" tIns="45700">
+          <a:bodyPr spcFirstLastPara="1" wrap="square" lIns="91425" tIns="45700" rIns="91425" bIns="45700" anchor="ctr" anchorCtr="0">
             <a:noAutofit/>
           </a:bodyPr>
           <a:lstStyle>
@@ -3253,15 +3317,19 @@
               <a:defRPr/>
             </a:lvl9pPr>
           </a:lstStyle>
-          <a:p/>
+          <a:p>
+            <a:endParaRPr/>
+          </a:p>
         </p:txBody>
       </p:sp>
       <p:sp>
         <p:nvSpPr>
           <p:cNvPr id="76" name="Google Shape;76;p12"/>
-          <p:cNvSpPr txBox="1"/>
+          <p:cNvSpPr txBox="1">
+            <a:spLocks noGrp="1"/>
+          </p:cNvSpPr>
           <p:nvPr>
-            <p:ph idx="1" type="body"/>
+            <p:ph type="body" idx="1"/>
           </p:nvPr>
         </p:nvSpPr>
         <p:spPr>
@@ -3278,11 +3346,11 @@
           </a:ln>
         </p:spPr>
         <p:txBody>
-          <a:bodyPr anchorCtr="0" anchor="t" bIns="45700" lIns="91425" spcFirstLastPara="1" rIns="91425" wrap="square" tIns="45700">
+          <a:bodyPr spcFirstLastPara="1" wrap="square" lIns="91425" tIns="45700" rIns="91425" bIns="45700" anchor="t" anchorCtr="0">
             <a:noAutofit/>
           </a:bodyPr>
           <a:lstStyle>
-            <a:lvl1pPr indent="-342900" lvl="0" marL="457200" algn="l">
+            <a:lvl1pPr marL="457200" lvl="0" indent="-342900" algn="l">
               <a:lnSpc>
                 <a:spcPct val="90000"/>
               </a:lnSpc>
@@ -3299,7 +3367,7 @@
               <a:buChar char="•"/>
               <a:defRPr/>
             </a:lvl1pPr>
-            <a:lvl2pPr indent="-342900" lvl="1" marL="914400" algn="l">
+            <a:lvl2pPr marL="914400" lvl="1" indent="-342900" algn="l">
               <a:lnSpc>
                 <a:spcPct val="90000"/>
               </a:lnSpc>
@@ -3316,7 +3384,7 @@
               <a:buChar char="•"/>
               <a:defRPr/>
             </a:lvl2pPr>
-            <a:lvl3pPr indent="-342900" lvl="2" marL="1371600" algn="l">
+            <a:lvl3pPr marL="1371600" lvl="2" indent="-342900" algn="l">
               <a:lnSpc>
                 <a:spcPct val="90000"/>
               </a:lnSpc>
@@ -3333,7 +3401,7 @@
               <a:buChar char="•"/>
               <a:defRPr/>
             </a:lvl3pPr>
-            <a:lvl4pPr indent="-342900" lvl="3" marL="1828800" algn="l">
+            <a:lvl4pPr marL="1828800" lvl="3" indent="-342900" algn="l">
               <a:lnSpc>
                 <a:spcPct val="90000"/>
               </a:lnSpc>
@@ -3350,7 +3418,7 @@
               <a:buChar char="•"/>
               <a:defRPr/>
             </a:lvl4pPr>
-            <a:lvl5pPr indent="-342900" lvl="4" marL="2286000" algn="l">
+            <a:lvl5pPr marL="2286000" lvl="4" indent="-342900" algn="l">
               <a:lnSpc>
                 <a:spcPct val="90000"/>
               </a:lnSpc>
@@ -3367,7 +3435,7 @@
               <a:buChar char="•"/>
               <a:defRPr/>
             </a:lvl5pPr>
-            <a:lvl6pPr indent="-342900" lvl="5" marL="2743200" algn="l">
+            <a:lvl6pPr marL="2743200" lvl="5" indent="-342900" algn="l">
               <a:lnSpc>
                 <a:spcPct val="90000"/>
               </a:lnSpc>
@@ -3384,7 +3452,7 @@
               <a:buChar char="•"/>
               <a:defRPr/>
             </a:lvl6pPr>
-            <a:lvl7pPr indent="-342900" lvl="6" marL="3200400" algn="l">
+            <a:lvl7pPr marL="3200400" lvl="6" indent="-342900" algn="l">
               <a:lnSpc>
                 <a:spcPct val="90000"/>
               </a:lnSpc>
@@ -3401,7 +3469,7 @@
               <a:buChar char="•"/>
               <a:defRPr/>
             </a:lvl7pPr>
-            <a:lvl8pPr indent="-342900" lvl="7" marL="3657600" algn="l">
+            <a:lvl8pPr marL="3657600" lvl="7" indent="-342900" algn="l">
               <a:lnSpc>
                 <a:spcPct val="90000"/>
               </a:lnSpc>
@@ -3418,7 +3486,7 @@
               <a:buChar char="•"/>
               <a:defRPr/>
             </a:lvl8pPr>
-            <a:lvl9pPr indent="-342900" lvl="8" marL="4114800" algn="l">
+            <a:lvl9pPr marL="4114800" lvl="8" indent="-342900" algn="l">
               <a:lnSpc>
                 <a:spcPct val="90000"/>
               </a:lnSpc>
@@ -3436,15 +3504,19 @@
               <a:defRPr/>
             </a:lvl9pPr>
           </a:lstStyle>
-          <a:p/>
+          <a:p>
+            <a:endParaRPr/>
+          </a:p>
         </p:txBody>
       </p:sp>
       <p:sp>
         <p:nvSpPr>
           <p:cNvPr id="77" name="Google Shape;77;p12"/>
-          <p:cNvSpPr txBox="1"/>
+          <p:cNvSpPr txBox="1">
+            <a:spLocks noGrp="1"/>
+          </p:cNvSpPr>
           <p:nvPr>
-            <p:ph idx="10" type="dt"/>
+            <p:ph type="dt" idx="10"/>
           </p:nvPr>
         </p:nvSpPr>
         <p:spPr>
@@ -3461,7 +3533,7 @@
           </a:ln>
         </p:spPr>
         <p:txBody>
-          <a:bodyPr anchorCtr="0" anchor="ctr" bIns="45700" lIns="91425" spcFirstLastPara="1" rIns="91425" wrap="square" tIns="45700">
+          <a:bodyPr spcFirstLastPara="1" wrap="square" lIns="91425" tIns="45700" rIns="91425" bIns="45700" anchor="ctr" anchorCtr="0">
             <a:noAutofit/>
           </a:bodyPr>
           <a:lstStyle>
@@ -3592,15 +3664,19 @@
               <a:defRPr/>
             </a:lvl9pPr>
           </a:lstStyle>
-          <a:p/>
+          <a:p>
+            <a:endParaRPr/>
+          </a:p>
         </p:txBody>
       </p:sp>
       <p:sp>
         <p:nvSpPr>
           <p:cNvPr id="78" name="Google Shape;78;p12"/>
-          <p:cNvSpPr txBox="1"/>
+          <p:cNvSpPr txBox="1">
+            <a:spLocks noGrp="1"/>
+          </p:cNvSpPr>
           <p:nvPr>
-            <p:ph idx="11" type="ftr"/>
+            <p:ph type="ftr" idx="11"/>
           </p:nvPr>
         </p:nvSpPr>
         <p:spPr>
@@ -3617,7 +3693,7 @@
           </a:ln>
         </p:spPr>
         <p:txBody>
-          <a:bodyPr anchorCtr="0" anchor="ctr" bIns="45700" lIns="91425" spcFirstLastPara="1" rIns="91425" wrap="square" tIns="45700">
+          <a:bodyPr spcFirstLastPara="1" wrap="square" lIns="91425" tIns="45700" rIns="91425" bIns="45700" anchor="ctr" anchorCtr="0">
             <a:noAutofit/>
           </a:bodyPr>
           <a:lstStyle>
@@ -3748,15 +3824,19 @@
               <a:defRPr/>
             </a:lvl9pPr>
           </a:lstStyle>
-          <a:p/>
+          <a:p>
+            <a:endParaRPr/>
+          </a:p>
         </p:txBody>
       </p:sp>
       <p:sp>
         <p:nvSpPr>
           <p:cNvPr id="79" name="Google Shape;79;p12"/>
-          <p:cNvSpPr txBox="1"/>
+          <p:cNvSpPr txBox="1">
+            <a:spLocks noGrp="1"/>
+          </p:cNvSpPr>
           <p:nvPr>
-            <p:ph idx="12" type="sldNum"/>
+            <p:ph type="sldNum" idx="12"/>
           </p:nvPr>
         </p:nvSpPr>
         <p:spPr>
@@ -3773,11 +3853,11 @@
           </a:ln>
         </p:spPr>
         <p:txBody>
-          <a:bodyPr anchorCtr="0" anchor="ctr" bIns="45700" lIns="91425" spcFirstLastPara="1" rIns="91425" wrap="square" tIns="45700">
+          <a:bodyPr spcFirstLastPara="1" wrap="square" lIns="91425" tIns="45700" rIns="91425" bIns="45700" anchor="ctr" anchorCtr="0">
             <a:noAutofit/>
           </a:bodyPr>
           <a:lstStyle>
-            <a:lvl1pPr indent="0" lvl="0" marL="0" marR="0" algn="r">
+            <a:lvl1pPr marL="0" marR="0" lvl="0" indent="0" algn="r">
               <a:lnSpc>
                 <a:spcPct val="100000"/>
               </a:lnSpc>
@@ -3793,7 +3873,7 @@
               <a:buSzPts val="1200"/>
               <a:buFont typeface="Arial"/>
               <a:buNone/>
-              <a:defRPr b="0" i="0" sz="1200" u="none" cap="none" strike="noStrike">
+              <a:defRPr sz="1200" b="0" i="0" u="none" strike="noStrike" cap="none">
                 <a:solidFill>
                   <a:srgbClr val="888888"/>
                 </a:solidFill>
@@ -3803,7 +3883,7 @@
                 <a:sym typeface="Calibri"/>
               </a:defRPr>
             </a:lvl1pPr>
-            <a:lvl2pPr indent="0" lvl="1" marL="0" marR="0" algn="r">
+            <a:lvl2pPr marL="0" marR="0" lvl="1" indent="0" algn="r">
               <a:lnSpc>
                 <a:spcPct val="100000"/>
               </a:lnSpc>
@@ -3819,7 +3899,7 @@
               <a:buSzPts val="1200"/>
               <a:buFont typeface="Arial"/>
               <a:buNone/>
-              <a:defRPr b="0" i="0" sz="1200" u="none" cap="none" strike="noStrike">
+              <a:defRPr sz="1200" b="0" i="0" u="none" strike="noStrike" cap="none">
                 <a:solidFill>
                   <a:srgbClr val="888888"/>
                 </a:solidFill>
@@ -3829,7 +3909,7 @@
                 <a:sym typeface="Calibri"/>
               </a:defRPr>
             </a:lvl2pPr>
-            <a:lvl3pPr indent="0" lvl="2" marL="0" marR="0" algn="r">
+            <a:lvl3pPr marL="0" marR="0" lvl="2" indent="0" algn="r">
               <a:lnSpc>
                 <a:spcPct val="100000"/>
               </a:lnSpc>
@@ -3845,7 +3925,7 @@
               <a:buSzPts val="1200"/>
               <a:buFont typeface="Arial"/>
               <a:buNone/>
-              <a:defRPr b="0" i="0" sz="1200" u="none" cap="none" strike="noStrike">
+              <a:defRPr sz="1200" b="0" i="0" u="none" strike="noStrike" cap="none">
                 <a:solidFill>
                   <a:srgbClr val="888888"/>
                 </a:solidFill>
@@ -3855,7 +3935,7 @@
                 <a:sym typeface="Calibri"/>
               </a:defRPr>
             </a:lvl3pPr>
-            <a:lvl4pPr indent="0" lvl="3" marL="0" marR="0" algn="r">
+            <a:lvl4pPr marL="0" marR="0" lvl="3" indent="0" algn="r">
               <a:lnSpc>
                 <a:spcPct val="100000"/>
               </a:lnSpc>
@@ -3871,7 +3951,7 @@
               <a:buSzPts val="1200"/>
               <a:buFont typeface="Arial"/>
               <a:buNone/>
-              <a:defRPr b="0" i="0" sz="1200" u="none" cap="none" strike="noStrike">
+              <a:defRPr sz="1200" b="0" i="0" u="none" strike="noStrike" cap="none">
                 <a:solidFill>
                   <a:srgbClr val="888888"/>
                 </a:solidFill>
@@ -3881,7 +3961,7 @@
                 <a:sym typeface="Calibri"/>
               </a:defRPr>
             </a:lvl4pPr>
-            <a:lvl5pPr indent="0" lvl="4" marL="0" marR="0" algn="r">
+            <a:lvl5pPr marL="0" marR="0" lvl="4" indent="0" algn="r">
               <a:lnSpc>
                 <a:spcPct val="100000"/>
               </a:lnSpc>
@@ -3897,7 +3977,7 @@
               <a:buSzPts val="1200"/>
               <a:buFont typeface="Arial"/>
               <a:buNone/>
-              <a:defRPr b="0" i="0" sz="1200" u="none" cap="none" strike="noStrike">
+              <a:defRPr sz="1200" b="0" i="0" u="none" strike="noStrike" cap="none">
                 <a:solidFill>
                   <a:srgbClr val="888888"/>
                 </a:solidFill>
@@ -3907,7 +3987,7 @@
                 <a:sym typeface="Calibri"/>
               </a:defRPr>
             </a:lvl5pPr>
-            <a:lvl6pPr indent="0" lvl="5" marL="0" marR="0" algn="r">
+            <a:lvl6pPr marL="0" marR="0" lvl="5" indent="0" algn="r">
               <a:lnSpc>
                 <a:spcPct val="100000"/>
               </a:lnSpc>
@@ -3923,7 +4003,7 @@
               <a:buSzPts val="1200"/>
               <a:buFont typeface="Arial"/>
               <a:buNone/>
-              <a:defRPr b="0" i="0" sz="1200" u="none" cap="none" strike="noStrike">
+              <a:defRPr sz="1200" b="0" i="0" u="none" strike="noStrike" cap="none">
                 <a:solidFill>
                   <a:srgbClr val="888888"/>
                 </a:solidFill>
@@ -3933,7 +4013,7 @@
                 <a:sym typeface="Calibri"/>
               </a:defRPr>
             </a:lvl6pPr>
-            <a:lvl7pPr indent="0" lvl="6" marL="0" marR="0" algn="r">
+            <a:lvl7pPr marL="0" marR="0" lvl="6" indent="0" algn="r">
               <a:lnSpc>
                 <a:spcPct val="100000"/>
               </a:lnSpc>
@@ -3949,7 +4029,7 @@
               <a:buSzPts val="1200"/>
               <a:buFont typeface="Arial"/>
               <a:buNone/>
-              <a:defRPr b="0" i="0" sz="1200" u="none" cap="none" strike="noStrike">
+              <a:defRPr sz="1200" b="0" i="0" u="none" strike="noStrike" cap="none">
                 <a:solidFill>
                   <a:srgbClr val="888888"/>
                 </a:solidFill>
@@ -3959,7 +4039,7 @@
                 <a:sym typeface="Calibri"/>
               </a:defRPr>
             </a:lvl7pPr>
-            <a:lvl8pPr indent="0" lvl="7" marL="0" marR="0" algn="r">
+            <a:lvl8pPr marL="0" marR="0" lvl="7" indent="0" algn="r">
               <a:lnSpc>
                 <a:spcPct val="100000"/>
               </a:lnSpc>
@@ -3975,7 +4055,7 @@
               <a:buSzPts val="1200"/>
               <a:buFont typeface="Arial"/>
               <a:buNone/>
-              <a:defRPr b="0" i="0" sz="1200" u="none" cap="none" strike="noStrike">
+              <a:defRPr sz="1200" b="0" i="0" u="none" strike="noStrike" cap="none">
                 <a:solidFill>
                   <a:srgbClr val="888888"/>
                 </a:solidFill>
@@ -3985,7 +4065,7 @@
                 <a:sym typeface="Calibri"/>
               </a:defRPr>
             </a:lvl8pPr>
-            <a:lvl9pPr indent="0" lvl="8" marL="0" marR="0" algn="r">
+            <a:lvl9pPr marL="0" marR="0" lvl="8" indent="0" algn="r">
               <a:lnSpc>
                 <a:spcPct val="100000"/>
               </a:lnSpc>
@@ -4001,7 +4081,7 @@
               <a:buSzPts val="1200"/>
               <a:buFont typeface="Arial"/>
               <a:buNone/>
-              <a:defRPr b="0" i="0" sz="1200" u="none" cap="none" strike="noStrike">
+              <a:defRPr sz="1200" b="0" i="0" u="none" strike="noStrike" cap="none">
                 <a:solidFill>
                   <a:srgbClr val="888888"/>
                 </a:solidFill>
@@ -4013,7 +4093,7 @@
             </a:lvl9pPr>
           </a:lstStyle>
           <a:p>
-            <a:pPr indent="0" lvl="0" marL="0" rtl="0" algn="r">
+            <a:pPr marL="0" lvl="0" indent="0" algn="r" rtl="0">
               <a:spcBef>
                 <a:spcPts val="0"/>
               </a:spcBef>
@@ -4039,11 +4119,11 @@
 </file>
 
 <file path=ppt/slideLayouts/slideLayout2.xml><?xml version="1.0" encoding="utf-8"?>
-<p:sldLayout xmlns:a="http://schemas.openxmlformats.org/drawingml/2006/main" xmlns:r="http://schemas.openxmlformats.org/officeDocument/2006/relationships" xmlns:mc="http://schemas.openxmlformats.org/markup-compatibility/2006" xmlns:mv="urn:schemas-microsoft-com:mac:vml" xmlns:p="http://schemas.openxmlformats.org/presentationml/2006/main" xmlns:c="http://schemas.openxmlformats.org/drawingml/2006/chart" xmlns:dgm="http://schemas.openxmlformats.org/drawingml/2006/diagram" xmlns:o="urn:schemas-microsoft-com:office:office" xmlns:v="urn:schemas-microsoft-com:vml" xmlns:pvml="urn:schemas-microsoft-com:office:powerpoint" xmlns:com="http://schemas.openxmlformats.org/drawingml/2006/compatibility" xmlns:p14="http://schemas.microsoft.com/office/powerpoint/2010/main" xmlns:p15="http://schemas.microsoft.com/office/powerpoint/2012/main" xmlns:ahyp="http://schemas.microsoft.com/office/drawing/2018/hyperlinkcolor" matchingName="Title and Content" type="obj">
+<p:sldLayout xmlns:a="http://schemas.openxmlformats.org/drawingml/2006/main" xmlns:r="http://schemas.openxmlformats.org/officeDocument/2006/relationships" xmlns:p="http://schemas.openxmlformats.org/presentationml/2006/main" matchingName="Title and Content" type="obj">
   <p:cSld name="OBJECT">
     <p:spTree>
       <p:nvGrpSpPr>
-        <p:cNvPr id="17" name="Shape 17"/>
+        <p:cNvPr id="1" name="Shape 17"/>
         <p:cNvGrpSpPr/>
         <p:nvPr/>
       </p:nvGrpSpPr>
@@ -4058,7 +4138,9 @@
       <p:sp>
         <p:nvSpPr>
           <p:cNvPr id="18" name="Google Shape;18;p3"/>
-          <p:cNvSpPr txBox="1"/>
+          <p:cNvSpPr txBox="1">
+            <a:spLocks noGrp="1"/>
+          </p:cNvSpPr>
           <p:nvPr>
             <p:ph type="title"/>
           </p:nvPr>
@@ -4077,7 +4159,7 @@
           </a:ln>
         </p:spPr>
         <p:txBody>
-          <a:bodyPr anchorCtr="0" anchor="ctr" bIns="45700" lIns="91425" spcFirstLastPara="1" rIns="91425" wrap="square" tIns="45700">
+          <a:bodyPr spcFirstLastPara="1" wrap="square" lIns="91425" tIns="45700" rIns="91425" bIns="45700" anchor="ctr" anchorCtr="0">
             <a:noAutofit/>
           </a:bodyPr>
           <a:lstStyle>
@@ -4211,15 +4293,19 @@
               <a:defRPr/>
             </a:lvl9pPr>
           </a:lstStyle>
-          <a:p/>
+          <a:p>
+            <a:endParaRPr/>
+          </a:p>
         </p:txBody>
       </p:sp>
       <p:sp>
         <p:nvSpPr>
           <p:cNvPr id="19" name="Google Shape;19;p3"/>
-          <p:cNvSpPr txBox="1"/>
+          <p:cNvSpPr txBox="1">
+            <a:spLocks noGrp="1"/>
+          </p:cNvSpPr>
           <p:nvPr>
-            <p:ph idx="1" type="body"/>
+            <p:ph type="body" idx="1"/>
           </p:nvPr>
         </p:nvSpPr>
         <p:spPr>
@@ -4236,11 +4322,11 @@
           </a:ln>
         </p:spPr>
         <p:txBody>
-          <a:bodyPr anchorCtr="0" anchor="t" bIns="45700" lIns="91425" spcFirstLastPara="1" rIns="91425" wrap="square" tIns="45700">
+          <a:bodyPr spcFirstLastPara="1" wrap="square" lIns="91425" tIns="45700" rIns="91425" bIns="45700" anchor="t" anchorCtr="0">
             <a:noAutofit/>
           </a:bodyPr>
           <a:lstStyle>
-            <a:lvl1pPr indent="-342900" lvl="0" marL="457200" algn="l">
+            <a:lvl1pPr marL="457200" lvl="0" indent="-342900" algn="l">
               <a:lnSpc>
                 <a:spcPct val="90000"/>
               </a:lnSpc>
@@ -4257,7 +4343,7 @@
               <a:buChar char="•"/>
               <a:defRPr/>
             </a:lvl1pPr>
-            <a:lvl2pPr indent="-342900" lvl="1" marL="914400" algn="l">
+            <a:lvl2pPr marL="914400" lvl="1" indent="-342900" algn="l">
               <a:lnSpc>
                 <a:spcPct val="90000"/>
               </a:lnSpc>
@@ -4274,7 +4360,7 @@
               <a:buChar char="•"/>
               <a:defRPr/>
             </a:lvl2pPr>
-            <a:lvl3pPr indent="-342900" lvl="2" marL="1371600" algn="l">
+            <a:lvl3pPr marL="1371600" lvl="2" indent="-342900" algn="l">
               <a:lnSpc>
                 <a:spcPct val="90000"/>
               </a:lnSpc>
@@ -4291,7 +4377,7 @@
               <a:buChar char="•"/>
               <a:defRPr/>
             </a:lvl3pPr>
-            <a:lvl4pPr indent="-342900" lvl="3" marL="1828800" algn="l">
+            <a:lvl4pPr marL="1828800" lvl="3" indent="-342900" algn="l">
               <a:lnSpc>
                 <a:spcPct val="90000"/>
               </a:lnSpc>
@@ -4308,7 +4394,7 @@
               <a:buChar char="•"/>
               <a:defRPr/>
             </a:lvl4pPr>
-            <a:lvl5pPr indent="-342900" lvl="4" marL="2286000" algn="l">
+            <a:lvl5pPr marL="2286000" lvl="4" indent="-342900" algn="l">
               <a:lnSpc>
                 <a:spcPct val="90000"/>
               </a:lnSpc>
@@ -4325,7 +4411,7 @@
               <a:buChar char="•"/>
               <a:defRPr/>
             </a:lvl5pPr>
-            <a:lvl6pPr indent="-342900" lvl="5" marL="2743200" algn="l">
+            <a:lvl6pPr marL="2743200" lvl="5" indent="-342900" algn="l">
               <a:lnSpc>
                 <a:spcPct val="90000"/>
               </a:lnSpc>
@@ -4342,7 +4428,7 @@
               <a:buChar char="•"/>
               <a:defRPr/>
             </a:lvl6pPr>
-            <a:lvl7pPr indent="-342900" lvl="6" marL="3200400" algn="l">
+            <a:lvl7pPr marL="3200400" lvl="6" indent="-342900" algn="l">
               <a:lnSpc>
                 <a:spcPct val="90000"/>
               </a:lnSpc>
@@ -4359,7 +4445,7 @@
               <a:buChar char="•"/>
               <a:defRPr/>
             </a:lvl7pPr>
-            <a:lvl8pPr indent="-342900" lvl="7" marL="3657600" algn="l">
+            <a:lvl8pPr marL="3657600" lvl="7" indent="-342900" algn="l">
               <a:lnSpc>
                 <a:spcPct val="90000"/>
               </a:lnSpc>
@@ -4376,7 +4462,7 @@
               <a:buChar char="•"/>
               <a:defRPr/>
             </a:lvl8pPr>
-            <a:lvl9pPr indent="-342900" lvl="8" marL="4114800" algn="l">
+            <a:lvl9pPr marL="4114800" lvl="8" indent="-342900" algn="l">
               <a:lnSpc>
                 <a:spcPct val="90000"/>
               </a:lnSpc>
@@ -4394,15 +4480,19 @@
               <a:defRPr/>
             </a:lvl9pPr>
           </a:lstStyle>
-          <a:p/>
+          <a:p>
+            <a:endParaRPr/>
+          </a:p>
         </p:txBody>
       </p:sp>
       <p:sp>
         <p:nvSpPr>
           <p:cNvPr id="20" name="Google Shape;20;p3"/>
-          <p:cNvSpPr txBox="1"/>
+          <p:cNvSpPr txBox="1">
+            <a:spLocks noGrp="1"/>
+          </p:cNvSpPr>
           <p:nvPr>
-            <p:ph idx="10" type="dt"/>
+            <p:ph type="dt" idx="10"/>
           </p:nvPr>
         </p:nvSpPr>
         <p:spPr>
@@ -4419,7 +4509,7 @@
           </a:ln>
         </p:spPr>
         <p:txBody>
-          <a:bodyPr anchorCtr="0" anchor="ctr" bIns="45700" lIns="91425" spcFirstLastPara="1" rIns="91425" wrap="square" tIns="45700">
+          <a:bodyPr spcFirstLastPara="1" wrap="square" lIns="91425" tIns="45700" rIns="91425" bIns="45700" anchor="ctr" anchorCtr="0">
             <a:noAutofit/>
           </a:bodyPr>
           <a:lstStyle>
@@ -4550,15 +4640,19 @@
               <a:defRPr/>
             </a:lvl9pPr>
           </a:lstStyle>
-          <a:p/>
+          <a:p>
+            <a:endParaRPr/>
+          </a:p>
         </p:txBody>
       </p:sp>
       <p:sp>
         <p:nvSpPr>
           <p:cNvPr id="21" name="Google Shape;21;p3"/>
-          <p:cNvSpPr txBox="1"/>
+          <p:cNvSpPr txBox="1">
+            <a:spLocks noGrp="1"/>
+          </p:cNvSpPr>
           <p:nvPr>
-            <p:ph idx="11" type="ftr"/>
+            <p:ph type="ftr" idx="11"/>
           </p:nvPr>
         </p:nvSpPr>
         <p:spPr>
@@ -4575,7 +4669,7 @@
           </a:ln>
         </p:spPr>
         <p:txBody>
-          <a:bodyPr anchorCtr="0" anchor="ctr" bIns="45700" lIns="91425" spcFirstLastPara="1" rIns="91425" wrap="square" tIns="45700">
+          <a:bodyPr spcFirstLastPara="1" wrap="square" lIns="91425" tIns="45700" rIns="91425" bIns="45700" anchor="ctr" anchorCtr="0">
             <a:noAutofit/>
           </a:bodyPr>
           <a:lstStyle>
@@ -4706,15 +4800,19 @@
               <a:defRPr/>
             </a:lvl9pPr>
           </a:lstStyle>
-          <a:p/>
+          <a:p>
+            <a:endParaRPr/>
+          </a:p>
         </p:txBody>
       </p:sp>
       <p:sp>
         <p:nvSpPr>
           <p:cNvPr id="22" name="Google Shape;22;p3"/>
-          <p:cNvSpPr txBox="1"/>
+          <p:cNvSpPr txBox="1">
+            <a:spLocks noGrp="1"/>
+          </p:cNvSpPr>
           <p:nvPr>
-            <p:ph idx="12" type="sldNum"/>
+            <p:ph type="sldNum" idx="12"/>
           </p:nvPr>
         </p:nvSpPr>
         <p:spPr>
@@ -4731,11 +4829,11 @@
           </a:ln>
         </p:spPr>
         <p:txBody>
-          <a:bodyPr anchorCtr="0" anchor="ctr" bIns="45700" lIns="91425" spcFirstLastPara="1" rIns="91425" wrap="square" tIns="45700">
+          <a:bodyPr spcFirstLastPara="1" wrap="square" lIns="91425" tIns="45700" rIns="91425" bIns="45700" anchor="ctr" anchorCtr="0">
             <a:noAutofit/>
           </a:bodyPr>
           <a:lstStyle>
-            <a:lvl1pPr indent="0" lvl="0" marL="0" marR="0" algn="r">
+            <a:lvl1pPr marL="0" marR="0" lvl="0" indent="0" algn="r">
               <a:lnSpc>
                 <a:spcPct val="100000"/>
               </a:lnSpc>
@@ -4751,7 +4849,7 @@
               <a:buSzPts val="1200"/>
               <a:buFont typeface="Arial"/>
               <a:buNone/>
-              <a:defRPr b="0" i="0" sz="1200" u="none" cap="none" strike="noStrike">
+              <a:defRPr sz="1200" b="0" i="0" u="none" strike="noStrike" cap="none">
                 <a:solidFill>
                   <a:srgbClr val="888888"/>
                 </a:solidFill>
@@ -4761,7 +4859,7 @@
                 <a:sym typeface="Calibri"/>
               </a:defRPr>
             </a:lvl1pPr>
-            <a:lvl2pPr indent="0" lvl="1" marL="0" marR="0" algn="r">
+            <a:lvl2pPr marL="0" marR="0" lvl="1" indent="0" algn="r">
               <a:lnSpc>
                 <a:spcPct val="100000"/>
               </a:lnSpc>
@@ -4777,7 +4875,7 @@
               <a:buSzPts val="1200"/>
               <a:buFont typeface="Arial"/>
               <a:buNone/>
-              <a:defRPr b="0" i="0" sz="1200" u="none" cap="none" strike="noStrike">
+              <a:defRPr sz="1200" b="0" i="0" u="none" strike="noStrike" cap="none">
                 <a:solidFill>
                   <a:srgbClr val="888888"/>
                 </a:solidFill>
@@ -4787,7 +4885,7 @@
                 <a:sym typeface="Calibri"/>
               </a:defRPr>
             </a:lvl2pPr>
-            <a:lvl3pPr indent="0" lvl="2" marL="0" marR="0" algn="r">
+            <a:lvl3pPr marL="0" marR="0" lvl="2" indent="0" algn="r">
               <a:lnSpc>
                 <a:spcPct val="100000"/>
               </a:lnSpc>
@@ -4803,7 +4901,7 @@
               <a:buSzPts val="1200"/>
               <a:buFont typeface="Arial"/>
               <a:buNone/>
-              <a:defRPr b="0" i="0" sz="1200" u="none" cap="none" strike="noStrike">
+              <a:defRPr sz="1200" b="0" i="0" u="none" strike="noStrike" cap="none">
                 <a:solidFill>
                   <a:srgbClr val="888888"/>
                 </a:solidFill>
@@ -4813,7 +4911,7 @@
                 <a:sym typeface="Calibri"/>
               </a:defRPr>
             </a:lvl3pPr>
-            <a:lvl4pPr indent="0" lvl="3" marL="0" marR="0" algn="r">
+            <a:lvl4pPr marL="0" marR="0" lvl="3" indent="0" algn="r">
               <a:lnSpc>
                 <a:spcPct val="100000"/>
               </a:lnSpc>
@@ -4829,7 +4927,7 @@
               <a:buSzPts val="1200"/>
               <a:buFont typeface="Arial"/>
               <a:buNone/>
-              <a:defRPr b="0" i="0" sz="1200" u="none" cap="none" strike="noStrike">
+              <a:defRPr sz="1200" b="0" i="0" u="none" strike="noStrike" cap="none">
                 <a:solidFill>
                   <a:srgbClr val="888888"/>
                 </a:solidFill>
@@ -4839,7 +4937,7 @@
                 <a:sym typeface="Calibri"/>
               </a:defRPr>
             </a:lvl4pPr>
-            <a:lvl5pPr indent="0" lvl="4" marL="0" marR="0" algn="r">
+            <a:lvl5pPr marL="0" marR="0" lvl="4" indent="0" algn="r">
               <a:lnSpc>
                 <a:spcPct val="100000"/>
               </a:lnSpc>
@@ -4855,7 +4953,7 @@
               <a:buSzPts val="1200"/>
               <a:buFont typeface="Arial"/>
               <a:buNone/>
-              <a:defRPr b="0" i="0" sz="1200" u="none" cap="none" strike="noStrike">
+              <a:defRPr sz="1200" b="0" i="0" u="none" strike="noStrike" cap="none">
                 <a:solidFill>
                   <a:srgbClr val="888888"/>
                 </a:solidFill>
@@ -4865,7 +4963,7 @@
                 <a:sym typeface="Calibri"/>
               </a:defRPr>
             </a:lvl5pPr>
-            <a:lvl6pPr indent="0" lvl="5" marL="0" marR="0" algn="r">
+            <a:lvl6pPr marL="0" marR="0" lvl="5" indent="0" algn="r">
               <a:lnSpc>
                 <a:spcPct val="100000"/>
               </a:lnSpc>
@@ -4881,7 +4979,7 @@
               <a:buSzPts val="1200"/>
               <a:buFont typeface="Arial"/>
               <a:buNone/>
-              <a:defRPr b="0" i="0" sz="1200" u="none" cap="none" strike="noStrike">
+              <a:defRPr sz="1200" b="0" i="0" u="none" strike="noStrike" cap="none">
                 <a:solidFill>
                   <a:srgbClr val="888888"/>
                 </a:solidFill>
@@ -4891,7 +4989,7 @@
                 <a:sym typeface="Calibri"/>
               </a:defRPr>
             </a:lvl6pPr>
-            <a:lvl7pPr indent="0" lvl="6" marL="0" marR="0" algn="r">
+            <a:lvl7pPr marL="0" marR="0" lvl="6" indent="0" algn="r">
               <a:lnSpc>
                 <a:spcPct val="100000"/>
               </a:lnSpc>
@@ -4907,7 +5005,7 @@
               <a:buSzPts val="1200"/>
               <a:buFont typeface="Arial"/>
               <a:buNone/>
-              <a:defRPr b="0" i="0" sz="1200" u="none" cap="none" strike="noStrike">
+              <a:defRPr sz="1200" b="0" i="0" u="none" strike="noStrike" cap="none">
                 <a:solidFill>
                   <a:srgbClr val="888888"/>
                 </a:solidFill>
@@ -4917,7 +5015,7 @@
                 <a:sym typeface="Calibri"/>
               </a:defRPr>
             </a:lvl7pPr>
-            <a:lvl8pPr indent="0" lvl="7" marL="0" marR="0" algn="r">
+            <a:lvl8pPr marL="0" marR="0" lvl="7" indent="0" algn="r">
               <a:lnSpc>
                 <a:spcPct val="100000"/>
               </a:lnSpc>
@@ -4933,7 +5031,7 @@
               <a:buSzPts val="1200"/>
               <a:buFont typeface="Arial"/>
               <a:buNone/>
-              <a:defRPr b="0" i="0" sz="1200" u="none" cap="none" strike="noStrike">
+              <a:defRPr sz="1200" b="0" i="0" u="none" strike="noStrike" cap="none">
                 <a:solidFill>
                   <a:srgbClr val="888888"/>
                 </a:solidFill>
@@ -4943,7 +5041,7 @@
                 <a:sym typeface="Calibri"/>
               </a:defRPr>
             </a:lvl8pPr>
-            <a:lvl9pPr indent="0" lvl="8" marL="0" marR="0" algn="r">
+            <a:lvl9pPr marL="0" marR="0" lvl="8" indent="0" algn="r">
               <a:lnSpc>
                 <a:spcPct val="100000"/>
               </a:lnSpc>
@@ -4959,7 +5057,7 @@
               <a:buSzPts val="1200"/>
               <a:buFont typeface="Arial"/>
               <a:buNone/>
-              <a:defRPr b="0" i="0" sz="1200" u="none" cap="none" strike="noStrike">
+              <a:defRPr sz="1200" b="0" i="0" u="none" strike="noStrike" cap="none">
                 <a:solidFill>
                   <a:srgbClr val="888888"/>
                 </a:solidFill>
@@ -4971,7 +5069,7 @@
             </a:lvl9pPr>
           </a:lstStyle>
           <a:p>
-            <a:pPr indent="0" lvl="0" marL="0" rtl="0" algn="r">
+            <a:pPr marL="0" lvl="0" indent="0" algn="r" rtl="0">
               <a:spcBef>
                 <a:spcPts val="0"/>
               </a:spcBef>
@@ -4997,11 +5095,11 @@
 </file>
 
 <file path=ppt/slideLayouts/slideLayout3.xml><?xml version="1.0" encoding="utf-8"?>
-<p:sldLayout xmlns:a="http://schemas.openxmlformats.org/drawingml/2006/main" xmlns:r="http://schemas.openxmlformats.org/officeDocument/2006/relationships" xmlns:mc="http://schemas.openxmlformats.org/markup-compatibility/2006" xmlns:mv="urn:schemas-microsoft-com:mac:vml" xmlns:p="http://schemas.openxmlformats.org/presentationml/2006/main" xmlns:c="http://schemas.openxmlformats.org/drawingml/2006/chart" xmlns:dgm="http://schemas.openxmlformats.org/drawingml/2006/diagram" xmlns:o="urn:schemas-microsoft-com:office:office" xmlns:v="urn:schemas-microsoft-com:vml" xmlns:pvml="urn:schemas-microsoft-com:office:powerpoint" xmlns:com="http://schemas.openxmlformats.org/drawingml/2006/compatibility" xmlns:p14="http://schemas.microsoft.com/office/powerpoint/2010/main" xmlns:p15="http://schemas.microsoft.com/office/powerpoint/2012/main" xmlns:ahyp="http://schemas.microsoft.com/office/drawing/2018/hyperlinkcolor" matchingName="Section Header" type="secHead">
+<p:sldLayout xmlns:a="http://schemas.openxmlformats.org/drawingml/2006/main" xmlns:r="http://schemas.openxmlformats.org/officeDocument/2006/relationships" xmlns:p="http://schemas.openxmlformats.org/presentationml/2006/main" matchingName="Section Header" type="secHead">
   <p:cSld name="SECTION_HEADER">
     <p:spTree>
       <p:nvGrpSpPr>
-        <p:cNvPr id="23" name="Shape 23"/>
+        <p:cNvPr id="1" name="Shape 23"/>
         <p:cNvGrpSpPr/>
         <p:nvPr/>
       </p:nvGrpSpPr>
@@ -5016,7 +5114,9 @@
       <p:sp>
         <p:nvSpPr>
           <p:cNvPr id="24" name="Google Shape;24;p4"/>
-          <p:cNvSpPr txBox="1"/>
+          <p:cNvSpPr txBox="1">
+            <a:spLocks noGrp="1"/>
+          </p:cNvSpPr>
           <p:nvPr>
             <p:ph type="title"/>
           </p:nvPr>
@@ -5035,7 +5135,7 @@
           </a:ln>
         </p:spPr>
         <p:txBody>
-          <a:bodyPr anchorCtr="0" anchor="b" bIns="45700" lIns="91425" spcFirstLastPara="1" rIns="91425" wrap="square" tIns="45700">
+          <a:bodyPr spcFirstLastPara="1" wrap="square" lIns="91425" tIns="45700" rIns="91425" bIns="45700" anchor="b" anchorCtr="0">
             <a:noAutofit/>
           </a:bodyPr>
           <a:lstStyle>
@@ -5170,15 +5270,19 @@
               <a:defRPr/>
             </a:lvl9pPr>
           </a:lstStyle>
-          <a:p/>
+          <a:p>
+            <a:endParaRPr/>
+          </a:p>
         </p:txBody>
       </p:sp>
       <p:sp>
         <p:nvSpPr>
           <p:cNvPr id="25" name="Google Shape;25;p4"/>
-          <p:cNvSpPr txBox="1"/>
+          <p:cNvSpPr txBox="1">
+            <a:spLocks noGrp="1"/>
+          </p:cNvSpPr>
           <p:nvPr>
-            <p:ph idx="1" type="body"/>
+            <p:ph type="body" idx="1"/>
           </p:nvPr>
         </p:nvSpPr>
         <p:spPr>
@@ -5195,11 +5299,11 @@
           </a:ln>
         </p:spPr>
         <p:txBody>
-          <a:bodyPr anchorCtr="0" anchor="t" bIns="45700" lIns="91425" spcFirstLastPara="1" rIns="91425" wrap="square" tIns="45700">
+          <a:bodyPr spcFirstLastPara="1" wrap="square" lIns="91425" tIns="45700" rIns="91425" bIns="45700" anchor="t" anchorCtr="0">
             <a:noAutofit/>
           </a:bodyPr>
           <a:lstStyle>
-            <a:lvl1pPr indent="-228600" lvl="0" marL="457200" algn="l">
+            <a:lvl1pPr marL="457200" lvl="0" indent="-228600" algn="l">
               <a:lnSpc>
                 <a:spcPct val="90000"/>
               </a:lnSpc>
@@ -5220,7 +5324,7 @@
                 </a:solidFill>
               </a:defRPr>
             </a:lvl1pPr>
-            <a:lvl2pPr indent="-228600" lvl="1" marL="914400" algn="l">
+            <a:lvl2pPr marL="914400" lvl="1" indent="-228600" algn="l">
               <a:lnSpc>
                 <a:spcPct val="90000"/>
               </a:lnSpc>
@@ -5241,7 +5345,7 @@
                 </a:solidFill>
               </a:defRPr>
             </a:lvl2pPr>
-            <a:lvl3pPr indent="-228600" lvl="2" marL="1371600" algn="l">
+            <a:lvl3pPr marL="1371600" lvl="2" indent="-228600" algn="l">
               <a:lnSpc>
                 <a:spcPct val="90000"/>
               </a:lnSpc>
@@ -5262,7 +5366,7 @@
                 </a:solidFill>
               </a:defRPr>
             </a:lvl3pPr>
-            <a:lvl4pPr indent="-228600" lvl="3" marL="1828800" algn="l">
+            <a:lvl4pPr marL="1828800" lvl="3" indent="-228600" algn="l">
               <a:lnSpc>
                 <a:spcPct val="90000"/>
               </a:lnSpc>
@@ -5283,7 +5387,7 @@
                 </a:solidFill>
               </a:defRPr>
             </a:lvl4pPr>
-            <a:lvl5pPr indent="-228600" lvl="4" marL="2286000" algn="l">
+            <a:lvl5pPr marL="2286000" lvl="4" indent="-228600" algn="l">
               <a:lnSpc>
                 <a:spcPct val="90000"/>
               </a:lnSpc>
@@ -5304,7 +5408,7 @@
                 </a:solidFill>
               </a:defRPr>
             </a:lvl5pPr>
-            <a:lvl6pPr indent="-228600" lvl="5" marL="2743200" algn="l">
+            <a:lvl6pPr marL="2743200" lvl="5" indent="-228600" algn="l">
               <a:lnSpc>
                 <a:spcPct val="90000"/>
               </a:lnSpc>
@@ -5325,7 +5429,7 @@
                 </a:solidFill>
               </a:defRPr>
             </a:lvl6pPr>
-            <a:lvl7pPr indent="-228600" lvl="6" marL="3200400" algn="l">
+            <a:lvl7pPr marL="3200400" lvl="6" indent="-228600" algn="l">
               <a:lnSpc>
                 <a:spcPct val="90000"/>
               </a:lnSpc>
@@ -5346,7 +5450,7 @@
                 </a:solidFill>
               </a:defRPr>
             </a:lvl7pPr>
-            <a:lvl8pPr indent="-228600" lvl="7" marL="3657600" algn="l">
+            <a:lvl8pPr marL="3657600" lvl="7" indent="-228600" algn="l">
               <a:lnSpc>
                 <a:spcPct val="90000"/>
               </a:lnSpc>
@@ -5367,7 +5471,7 @@
                 </a:solidFill>
               </a:defRPr>
             </a:lvl8pPr>
-            <a:lvl9pPr indent="-228600" lvl="8" marL="4114800" algn="l">
+            <a:lvl9pPr marL="4114800" lvl="8" indent="-228600" algn="l">
               <a:lnSpc>
                 <a:spcPct val="90000"/>
               </a:lnSpc>
@@ -5389,15 +5493,19 @@
               </a:defRPr>
             </a:lvl9pPr>
           </a:lstStyle>
-          <a:p/>
+          <a:p>
+            <a:endParaRPr/>
+          </a:p>
         </p:txBody>
       </p:sp>
       <p:sp>
         <p:nvSpPr>
           <p:cNvPr id="26" name="Google Shape;26;p4"/>
-          <p:cNvSpPr txBox="1"/>
+          <p:cNvSpPr txBox="1">
+            <a:spLocks noGrp="1"/>
+          </p:cNvSpPr>
           <p:nvPr>
-            <p:ph idx="10" type="dt"/>
+            <p:ph type="dt" idx="10"/>
           </p:nvPr>
         </p:nvSpPr>
         <p:spPr>
@@ -5414,7 +5522,7 @@
           </a:ln>
         </p:spPr>
         <p:txBody>
-          <a:bodyPr anchorCtr="0" anchor="ctr" bIns="45700" lIns="91425" spcFirstLastPara="1" rIns="91425" wrap="square" tIns="45700">
+          <a:bodyPr spcFirstLastPara="1" wrap="square" lIns="91425" tIns="45700" rIns="91425" bIns="45700" anchor="ctr" anchorCtr="0">
             <a:noAutofit/>
           </a:bodyPr>
           <a:lstStyle>
@@ -5545,15 +5653,19 @@
               <a:defRPr/>
             </a:lvl9pPr>
           </a:lstStyle>
-          <a:p/>
+          <a:p>
+            <a:endParaRPr/>
+          </a:p>
         </p:txBody>
       </p:sp>
       <p:sp>
         <p:nvSpPr>
           <p:cNvPr id="27" name="Google Shape;27;p4"/>
-          <p:cNvSpPr txBox="1"/>
+          <p:cNvSpPr txBox="1">
+            <a:spLocks noGrp="1"/>
+          </p:cNvSpPr>
           <p:nvPr>
-            <p:ph idx="11" type="ftr"/>
+            <p:ph type="ftr" idx="11"/>
           </p:nvPr>
         </p:nvSpPr>
         <p:spPr>
@@ -5570,7 +5682,7 @@
           </a:ln>
         </p:spPr>
         <p:txBody>
-          <a:bodyPr anchorCtr="0" anchor="ctr" bIns="45700" lIns="91425" spcFirstLastPara="1" rIns="91425" wrap="square" tIns="45700">
+          <a:bodyPr spcFirstLastPara="1" wrap="square" lIns="91425" tIns="45700" rIns="91425" bIns="45700" anchor="ctr" anchorCtr="0">
             <a:noAutofit/>
           </a:bodyPr>
           <a:lstStyle>
@@ -5701,15 +5813,19 @@
               <a:defRPr/>
             </a:lvl9pPr>
           </a:lstStyle>
-          <a:p/>
+          <a:p>
+            <a:endParaRPr/>
+          </a:p>
         </p:txBody>
       </p:sp>
       <p:sp>
         <p:nvSpPr>
           <p:cNvPr id="28" name="Google Shape;28;p4"/>
-          <p:cNvSpPr txBox="1"/>
+          <p:cNvSpPr txBox="1">
+            <a:spLocks noGrp="1"/>
+          </p:cNvSpPr>
           <p:nvPr>
-            <p:ph idx="12" type="sldNum"/>
+            <p:ph type="sldNum" idx="12"/>
           </p:nvPr>
         </p:nvSpPr>
         <p:spPr>
@@ -5726,11 +5842,11 @@
           </a:ln>
         </p:spPr>
         <p:txBody>
-          <a:bodyPr anchorCtr="0" anchor="ctr" bIns="45700" lIns="91425" spcFirstLastPara="1" rIns="91425" wrap="square" tIns="45700">
+          <a:bodyPr spcFirstLastPara="1" wrap="square" lIns="91425" tIns="45700" rIns="91425" bIns="45700" anchor="ctr" anchorCtr="0">
             <a:noAutofit/>
           </a:bodyPr>
           <a:lstStyle>
-            <a:lvl1pPr indent="0" lvl="0" marL="0" marR="0" algn="r">
+            <a:lvl1pPr marL="0" marR="0" lvl="0" indent="0" algn="r">
               <a:lnSpc>
                 <a:spcPct val="100000"/>
               </a:lnSpc>
@@ -5746,7 +5862,7 @@
               <a:buSzPts val="1200"/>
               <a:buFont typeface="Arial"/>
               <a:buNone/>
-              <a:defRPr b="0" i="0" sz="1200" u="none" cap="none" strike="noStrike">
+              <a:defRPr sz="1200" b="0" i="0" u="none" strike="noStrike" cap="none">
                 <a:solidFill>
                   <a:srgbClr val="888888"/>
                 </a:solidFill>
@@ -5756,7 +5872,7 @@
                 <a:sym typeface="Calibri"/>
               </a:defRPr>
             </a:lvl1pPr>
-            <a:lvl2pPr indent="0" lvl="1" marL="0" marR="0" algn="r">
+            <a:lvl2pPr marL="0" marR="0" lvl="1" indent="0" algn="r">
               <a:lnSpc>
                 <a:spcPct val="100000"/>
               </a:lnSpc>
@@ -5772,7 +5888,7 @@
               <a:buSzPts val="1200"/>
               <a:buFont typeface="Arial"/>
               <a:buNone/>
-              <a:defRPr b="0" i="0" sz="1200" u="none" cap="none" strike="noStrike">
+              <a:defRPr sz="1200" b="0" i="0" u="none" strike="noStrike" cap="none">
                 <a:solidFill>
                   <a:srgbClr val="888888"/>
                 </a:solidFill>
@@ -5782,7 +5898,7 @@
                 <a:sym typeface="Calibri"/>
               </a:defRPr>
             </a:lvl2pPr>
-            <a:lvl3pPr indent="0" lvl="2" marL="0" marR="0" algn="r">
+            <a:lvl3pPr marL="0" marR="0" lvl="2" indent="0" algn="r">
               <a:lnSpc>
                 <a:spcPct val="100000"/>
               </a:lnSpc>
@@ -5798,7 +5914,7 @@
               <a:buSzPts val="1200"/>
               <a:buFont typeface="Arial"/>
               <a:buNone/>
-              <a:defRPr b="0" i="0" sz="1200" u="none" cap="none" strike="noStrike">
+              <a:defRPr sz="1200" b="0" i="0" u="none" strike="noStrike" cap="none">
                 <a:solidFill>
                   <a:srgbClr val="888888"/>
                 </a:solidFill>
@@ -5808,7 +5924,7 @@
                 <a:sym typeface="Calibri"/>
               </a:defRPr>
             </a:lvl3pPr>
-            <a:lvl4pPr indent="0" lvl="3" marL="0" marR="0" algn="r">
+            <a:lvl4pPr marL="0" marR="0" lvl="3" indent="0" algn="r">
               <a:lnSpc>
                 <a:spcPct val="100000"/>
               </a:lnSpc>
@@ -5824,7 +5940,7 @@
               <a:buSzPts val="1200"/>
               <a:buFont typeface="Arial"/>
               <a:buNone/>
-              <a:defRPr b="0" i="0" sz="1200" u="none" cap="none" strike="noStrike">
+              <a:defRPr sz="1200" b="0" i="0" u="none" strike="noStrike" cap="none">
                 <a:solidFill>
                   <a:srgbClr val="888888"/>
                 </a:solidFill>
@@ -5834,7 +5950,7 @@
                 <a:sym typeface="Calibri"/>
               </a:defRPr>
             </a:lvl4pPr>
-            <a:lvl5pPr indent="0" lvl="4" marL="0" marR="0" algn="r">
+            <a:lvl5pPr marL="0" marR="0" lvl="4" indent="0" algn="r">
               <a:lnSpc>
                 <a:spcPct val="100000"/>
               </a:lnSpc>
@@ -5850,7 +5966,7 @@
               <a:buSzPts val="1200"/>
               <a:buFont typeface="Arial"/>
               <a:buNone/>
-              <a:defRPr b="0" i="0" sz="1200" u="none" cap="none" strike="noStrike">
+              <a:defRPr sz="1200" b="0" i="0" u="none" strike="noStrike" cap="none">
                 <a:solidFill>
                   <a:srgbClr val="888888"/>
                 </a:solidFill>
@@ -5860,7 +5976,7 @@
                 <a:sym typeface="Calibri"/>
               </a:defRPr>
             </a:lvl5pPr>
-            <a:lvl6pPr indent="0" lvl="5" marL="0" marR="0" algn="r">
+            <a:lvl6pPr marL="0" marR="0" lvl="5" indent="0" algn="r">
               <a:lnSpc>
                 <a:spcPct val="100000"/>
               </a:lnSpc>
@@ -5876,7 +5992,7 @@
               <a:buSzPts val="1200"/>
               <a:buFont typeface="Arial"/>
               <a:buNone/>
-              <a:defRPr b="0" i="0" sz="1200" u="none" cap="none" strike="noStrike">
+              <a:defRPr sz="1200" b="0" i="0" u="none" strike="noStrike" cap="none">
                 <a:solidFill>
                   <a:srgbClr val="888888"/>
                 </a:solidFill>
@@ -5886,7 +6002,7 @@
                 <a:sym typeface="Calibri"/>
               </a:defRPr>
             </a:lvl6pPr>
-            <a:lvl7pPr indent="0" lvl="6" marL="0" marR="0" algn="r">
+            <a:lvl7pPr marL="0" marR="0" lvl="6" indent="0" algn="r">
               <a:lnSpc>
                 <a:spcPct val="100000"/>
               </a:lnSpc>
@@ -5902,7 +6018,7 @@
               <a:buSzPts val="1200"/>
               <a:buFont typeface="Arial"/>
               <a:buNone/>
-              <a:defRPr b="0" i="0" sz="1200" u="none" cap="none" strike="noStrike">
+              <a:defRPr sz="1200" b="0" i="0" u="none" strike="noStrike" cap="none">
                 <a:solidFill>
                   <a:srgbClr val="888888"/>
                 </a:solidFill>
@@ -5912,7 +6028,7 @@
                 <a:sym typeface="Calibri"/>
               </a:defRPr>
             </a:lvl7pPr>
-            <a:lvl8pPr indent="0" lvl="7" marL="0" marR="0" algn="r">
+            <a:lvl8pPr marL="0" marR="0" lvl="7" indent="0" algn="r">
               <a:lnSpc>
                 <a:spcPct val="100000"/>
               </a:lnSpc>
@@ -5928,7 +6044,7 @@
               <a:buSzPts val="1200"/>
               <a:buFont typeface="Arial"/>
               <a:buNone/>
-              <a:defRPr b="0" i="0" sz="1200" u="none" cap="none" strike="noStrike">
+              <a:defRPr sz="1200" b="0" i="0" u="none" strike="noStrike" cap="none">
                 <a:solidFill>
                   <a:srgbClr val="888888"/>
                 </a:solidFill>
@@ -5938,7 +6054,7 @@
                 <a:sym typeface="Calibri"/>
               </a:defRPr>
             </a:lvl8pPr>
-            <a:lvl9pPr indent="0" lvl="8" marL="0" marR="0" algn="r">
+            <a:lvl9pPr marL="0" marR="0" lvl="8" indent="0" algn="r">
               <a:lnSpc>
                 <a:spcPct val="100000"/>
               </a:lnSpc>
@@ -5954,7 +6070,7 @@
               <a:buSzPts val="1200"/>
               <a:buFont typeface="Arial"/>
               <a:buNone/>
-              <a:defRPr b="0" i="0" sz="1200" u="none" cap="none" strike="noStrike">
+              <a:defRPr sz="1200" b="0" i="0" u="none" strike="noStrike" cap="none">
                 <a:solidFill>
                   <a:srgbClr val="888888"/>
                 </a:solidFill>
@@ -5966,7 +6082,7 @@
             </a:lvl9pPr>
           </a:lstStyle>
           <a:p>
-            <a:pPr indent="0" lvl="0" marL="0" rtl="0" algn="r">
+            <a:pPr marL="0" lvl="0" indent="0" algn="r" rtl="0">
               <a:spcBef>
                 <a:spcPts val="0"/>
               </a:spcBef>
@@ -5992,11 +6108,11 @@
 </file>
 
 <file path=ppt/slideLayouts/slideLayout4.xml><?xml version="1.0" encoding="utf-8"?>
-<p:sldLayout xmlns:a="http://schemas.openxmlformats.org/drawingml/2006/main" xmlns:r="http://schemas.openxmlformats.org/officeDocument/2006/relationships" xmlns:mc="http://schemas.openxmlformats.org/markup-compatibility/2006" xmlns:mv="urn:schemas-microsoft-com:mac:vml" xmlns:p="http://schemas.openxmlformats.org/presentationml/2006/main" xmlns:c="http://schemas.openxmlformats.org/drawingml/2006/chart" xmlns:dgm="http://schemas.openxmlformats.org/drawingml/2006/diagram" xmlns:o="urn:schemas-microsoft-com:office:office" xmlns:v="urn:schemas-microsoft-com:vml" xmlns:pvml="urn:schemas-microsoft-com:office:powerpoint" xmlns:com="http://schemas.openxmlformats.org/drawingml/2006/compatibility" xmlns:p14="http://schemas.microsoft.com/office/powerpoint/2010/main" xmlns:p15="http://schemas.microsoft.com/office/powerpoint/2012/main" xmlns:ahyp="http://schemas.microsoft.com/office/drawing/2018/hyperlinkcolor" matchingName="Two Content" type="twoObj">
+<p:sldLayout xmlns:a="http://schemas.openxmlformats.org/drawingml/2006/main" xmlns:r="http://schemas.openxmlformats.org/officeDocument/2006/relationships" xmlns:p="http://schemas.openxmlformats.org/presentationml/2006/main" matchingName="Two Content" type="twoObj">
   <p:cSld name="TWO_OBJECTS">
     <p:spTree>
       <p:nvGrpSpPr>
-        <p:cNvPr id="29" name="Shape 29"/>
+        <p:cNvPr id="1" name="Shape 29"/>
         <p:cNvGrpSpPr/>
         <p:nvPr/>
       </p:nvGrpSpPr>
@@ -6011,7 +6127,9 @@
       <p:sp>
         <p:nvSpPr>
           <p:cNvPr id="30" name="Google Shape;30;p5"/>
-          <p:cNvSpPr txBox="1"/>
+          <p:cNvSpPr txBox="1">
+            <a:spLocks noGrp="1"/>
+          </p:cNvSpPr>
           <p:nvPr>
             <p:ph type="title"/>
           </p:nvPr>
@@ -6030,7 +6148,7 @@
           </a:ln>
         </p:spPr>
         <p:txBody>
-          <a:bodyPr anchorCtr="0" anchor="ctr" bIns="45700" lIns="91425" spcFirstLastPara="1" rIns="91425" wrap="square" tIns="45700">
+          <a:bodyPr spcFirstLastPara="1" wrap="square" lIns="91425" tIns="45700" rIns="91425" bIns="45700" anchor="ctr" anchorCtr="0">
             <a:noAutofit/>
           </a:bodyPr>
           <a:lstStyle>
@@ -6164,15 +6282,19 @@
               <a:defRPr/>
             </a:lvl9pPr>
           </a:lstStyle>
-          <a:p/>
+          <a:p>
+            <a:endParaRPr/>
+          </a:p>
         </p:txBody>
       </p:sp>
       <p:sp>
         <p:nvSpPr>
           <p:cNvPr id="31" name="Google Shape;31;p5"/>
-          <p:cNvSpPr txBox="1"/>
+          <p:cNvSpPr txBox="1">
+            <a:spLocks noGrp="1"/>
+          </p:cNvSpPr>
           <p:nvPr>
-            <p:ph idx="1" type="body"/>
+            <p:ph type="body" idx="1"/>
           </p:nvPr>
         </p:nvSpPr>
         <p:spPr>
@@ -6189,11 +6311,11 @@
           </a:ln>
         </p:spPr>
         <p:txBody>
-          <a:bodyPr anchorCtr="0" anchor="t" bIns="45700" lIns="91425" spcFirstLastPara="1" rIns="91425" wrap="square" tIns="45700">
+          <a:bodyPr spcFirstLastPara="1" wrap="square" lIns="91425" tIns="45700" rIns="91425" bIns="45700" anchor="t" anchorCtr="0">
             <a:noAutofit/>
           </a:bodyPr>
           <a:lstStyle>
-            <a:lvl1pPr indent="-342900" lvl="0" marL="457200" algn="l">
+            <a:lvl1pPr marL="457200" lvl="0" indent="-342900" algn="l">
               <a:lnSpc>
                 <a:spcPct val="90000"/>
               </a:lnSpc>
@@ -6210,7 +6332,7 @@
               <a:buChar char="•"/>
               <a:defRPr/>
             </a:lvl1pPr>
-            <a:lvl2pPr indent="-342900" lvl="1" marL="914400" algn="l">
+            <a:lvl2pPr marL="914400" lvl="1" indent="-342900" algn="l">
               <a:lnSpc>
                 <a:spcPct val="90000"/>
               </a:lnSpc>
@@ -6227,7 +6349,7 @@
               <a:buChar char="•"/>
               <a:defRPr/>
             </a:lvl2pPr>
-            <a:lvl3pPr indent="-342900" lvl="2" marL="1371600" algn="l">
+            <a:lvl3pPr marL="1371600" lvl="2" indent="-342900" algn="l">
               <a:lnSpc>
                 <a:spcPct val="90000"/>
               </a:lnSpc>
@@ -6244,7 +6366,7 @@
               <a:buChar char="•"/>
               <a:defRPr/>
             </a:lvl3pPr>
-            <a:lvl4pPr indent="-342900" lvl="3" marL="1828800" algn="l">
+            <a:lvl4pPr marL="1828800" lvl="3" indent="-342900" algn="l">
               <a:lnSpc>
                 <a:spcPct val="90000"/>
               </a:lnSpc>
@@ -6261,7 +6383,7 @@
               <a:buChar char="•"/>
               <a:defRPr/>
             </a:lvl4pPr>
-            <a:lvl5pPr indent="-342900" lvl="4" marL="2286000" algn="l">
+            <a:lvl5pPr marL="2286000" lvl="4" indent="-342900" algn="l">
               <a:lnSpc>
                 <a:spcPct val="90000"/>
               </a:lnSpc>
@@ -6278,7 +6400,7 @@
               <a:buChar char="•"/>
               <a:defRPr/>
             </a:lvl5pPr>
-            <a:lvl6pPr indent="-342900" lvl="5" marL="2743200" algn="l">
+            <a:lvl6pPr marL="2743200" lvl="5" indent="-342900" algn="l">
               <a:lnSpc>
                 <a:spcPct val="90000"/>
               </a:lnSpc>
@@ -6295,7 +6417,7 @@
               <a:buChar char="•"/>
               <a:defRPr/>
             </a:lvl6pPr>
-            <a:lvl7pPr indent="-342900" lvl="6" marL="3200400" algn="l">
+            <a:lvl7pPr marL="3200400" lvl="6" indent="-342900" algn="l">
               <a:lnSpc>
                 <a:spcPct val="90000"/>
               </a:lnSpc>
@@ -6312,7 +6434,7 @@
               <a:buChar char="•"/>
               <a:defRPr/>
             </a:lvl7pPr>
-            <a:lvl8pPr indent="-342900" lvl="7" marL="3657600" algn="l">
+            <a:lvl8pPr marL="3657600" lvl="7" indent="-342900" algn="l">
               <a:lnSpc>
                 <a:spcPct val="90000"/>
               </a:lnSpc>
@@ -6329,7 +6451,7 @@
               <a:buChar char="•"/>
               <a:defRPr/>
             </a:lvl8pPr>
-            <a:lvl9pPr indent="-342900" lvl="8" marL="4114800" algn="l">
+            <a:lvl9pPr marL="4114800" lvl="8" indent="-342900" algn="l">
               <a:lnSpc>
                 <a:spcPct val="90000"/>
               </a:lnSpc>
@@ -6347,15 +6469,19 @@
               <a:defRPr/>
             </a:lvl9pPr>
           </a:lstStyle>
-          <a:p/>
+          <a:p>
+            <a:endParaRPr/>
+          </a:p>
         </p:txBody>
       </p:sp>
       <p:sp>
         <p:nvSpPr>
           <p:cNvPr id="32" name="Google Shape;32;p5"/>
-          <p:cNvSpPr txBox="1"/>
+          <p:cNvSpPr txBox="1">
+            <a:spLocks noGrp="1"/>
+          </p:cNvSpPr>
           <p:nvPr>
-            <p:ph idx="2" type="body"/>
+            <p:ph type="body" idx="2"/>
           </p:nvPr>
         </p:nvSpPr>
         <p:spPr>
@@ -6372,11 +6498,11 @@
           </a:ln>
         </p:spPr>
         <p:txBody>
-          <a:bodyPr anchorCtr="0" anchor="t" bIns="45700" lIns="91425" spcFirstLastPara="1" rIns="91425" wrap="square" tIns="45700">
+          <a:bodyPr spcFirstLastPara="1" wrap="square" lIns="91425" tIns="45700" rIns="91425" bIns="45700" anchor="t" anchorCtr="0">
             <a:noAutofit/>
           </a:bodyPr>
           <a:lstStyle>
-            <a:lvl1pPr indent="-342900" lvl="0" marL="457200" algn="l">
+            <a:lvl1pPr marL="457200" lvl="0" indent="-342900" algn="l">
               <a:lnSpc>
                 <a:spcPct val="90000"/>
               </a:lnSpc>
@@ -6393,7 +6519,7 @@
               <a:buChar char="•"/>
               <a:defRPr/>
             </a:lvl1pPr>
-            <a:lvl2pPr indent="-342900" lvl="1" marL="914400" algn="l">
+            <a:lvl2pPr marL="914400" lvl="1" indent="-342900" algn="l">
               <a:lnSpc>
                 <a:spcPct val="90000"/>
               </a:lnSpc>
@@ -6410,7 +6536,7 @@
               <a:buChar char="•"/>
               <a:defRPr/>
             </a:lvl2pPr>
-            <a:lvl3pPr indent="-342900" lvl="2" marL="1371600" algn="l">
+            <a:lvl3pPr marL="1371600" lvl="2" indent="-342900" algn="l">
               <a:lnSpc>
                 <a:spcPct val="90000"/>
               </a:lnSpc>
@@ -6427,7 +6553,7 @@
               <a:buChar char="•"/>
               <a:defRPr/>
             </a:lvl3pPr>
-            <a:lvl4pPr indent="-342900" lvl="3" marL="1828800" algn="l">
+            <a:lvl4pPr marL="1828800" lvl="3" indent="-342900" algn="l">
               <a:lnSpc>
                 <a:spcPct val="90000"/>
               </a:lnSpc>
@@ -6444,7 +6570,7 @@
               <a:buChar char="•"/>
               <a:defRPr/>
             </a:lvl4pPr>
-            <a:lvl5pPr indent="-342900" lvl="4" marL="2286000" algn="l">
+            <a:lvl5pPr marL="2286000" lvl="4" indent="-342900" algn="l">
               <a:lnSpc>
                 <a:spcPct val="90000"/>
               </a:lnSpc>
@@ -6461,7 +6587,7 @@
               <a:buChar char="•"/>
               <a:defRPr/>
             </a:lvl5pPr>
-            <a:lvl6pPr indent="-342900" lvl="5" marL="2743200" algn="l">
+            <a:lvl6pPr marL="2743200" lvl="5" indent="-342900" algn="l">
               <a:lnSpc>
                 <a:spcPct val="90000"/>
               </a:lnSpc>
@@ -6478,7 +6604,7 @@
               <a:buChar char="•"/>
               <a:defRPr/>
             </a:lvl6pPr>
-            <a:lvl7pPr indent="-342900" lvl="6" marL="3200400" algn="l">
+            <a:lvl7pPr marL="3200400" lvl="6" indent="-342900" algn="l">
               <a:lnSpc>
                 <a:spcPct val="90000"/>
               </a:lnSpc>
@@ -6495,7 +6621,7 @@
               <a:buChar char="•"/>
               <a:defRPr/>
             </a:lvl7pPr>
-            <a:lvl8pPr indent="-342900" lvl="7" marL="3657600" algn="l">
+            <a:lvl8pPr marL="3657600" lvl="7" indent="-342900" algn="l">
               <a:lnSpc>
                 <a:spcPct val="90000"/>
               </a:lnSpc>
@@ -6512,7 +6638,7 @@
               <a:buChar char="•"/>
               <a:defRPr/>
             </a:lvl8pPr>
-            <a:lvl9pPr indent="-342900" lvl="8" marL="4114800" algn="l">
+            <a:lvl9pPr marL="4114800" lvl="8" indent="-342900" algn="l">
               <a:lnSpc>
                 <a:spcPct val="90000"/>
               </a:lnSpc>
@@ -6530,15 +6656,19 @@
               <a:defRPr/>
             </a:lvl9pPr>
           </a:lstStyle>
-          <a:p/>
+          <a:p>
+            <a:endParaRPr/>
+          </a:p>
         </p:txBody>
       </p:sp>
       <p:sp>
         <p:nvSpPr>
           <p:cNvPr id="33" name="Google Shape;33;p5"/>
-          <p:cNvSpPr txBox="1"/>
+          <p:cNvSpPr txBox="1">
+            <a:spLocks noGrp="1"/>
+          </p:cNvSpPr>
           <p:nvPr>
-            <p:ph idx="10" type="dt"/>
+            <p:ph type="dt" idx="10"/>
           </p:nvPr>
         </p:nvSpPr>
         <p:spPr>
@@ -6555,7 +6685,7 @@
           </a:ln>
         </p:spPr>
         <p:txBody>
-          <a:bodyPr anchorCtr="0" anchor="ctr" bIns="45700" lIns="91425" spcFirstLastPara="1" rIns="91425" wrap="square" tIns="45700">
+          <a:bodyPr spcFirstLastPara="1" wrap="square" lIns="91425" tIns="45700" rIns="91425" bIns="45700" anchor="ctr" anchorCtr="0">
             <a:noAutofit/>
           </a:bodyPr>
           <a:lstStyle>
@@ -6686,15 +6816,19 @@
               <a:defRPr/>
             </a:lvl9pPr>
           </a:lstStyle>
-          <a:p/>
+          <a:p>
+            <a:endParaRPr/>
+          </a:p>
         </p:txBody>
       </p:sp>
       <p:sp>
         <p:nvSpPr>
           <p:cNvPr id="34" name="Google Shape;34;p5"/>
-          <p:cNvSpPr txBox="1"/>
+          <p:cNvSpPr txBox="1">
+            <a:spLocks noGrp="1"/>
+          </p:cNvSpPr>
           <p:nvPr>
-            <p:ph idx="11" type="ftr"/>
+            <p:ph type="ftr" idx="11"/>
           </p:nvPr>
         </p:nvSpPr>
         <p:spPr>
@@ -6711,7 +6845,7 @@
           </a:ln>
         </p:spPr>
         <p:txBody>
-          <a:bodyPr anchorCtr="0" anchor="ctr" bIns="45700" lIns="91425" spcFirstLastPara="1" rIns="91425" wrap="square" tIns="45700">
+          <a:bodyPr spcFirstLastPara="1" wrap="square" lIns="91425" tIns="45700" rIns="91425" bIns="45700" anchor="ctr" anchorCtr="0">
             <a:noAutofit/>
           </a:bodyPr>
           <a:lstStyle>
@@ -6842,15 +6976,19 @@
               <a:defRPr/>
             </a:lvl9pPr>
           </a:lstStyle>
-          <a:p/>
+          <a:p>
+            <a:endParaRPr/>
+          </a:p>
         </p:txBody>
       </p:sp>
       <p:sp>
         <p:nvSpPr>
           <p:cNvPr id="35" name="Google Shape;35;p5"/>
-          <p:cNvSpPr txBox="1"/>
+          <p:cNvSpPr txBox="1">
+            <a:spLocks noGrp="1"/>
+          </p:cNvSpPr>
           <p:nvPr>
-            <p:ph idx="12" type="sldNum"/>
+            <p:ph type="sldNum" idx="12"/>
           </p:nvPr>
         </p:nvSpPr>
         <p:spPr>
@@ -6867,11 +7005,11 @@
           </a:ln>
         </p:spPr>
         <p:txBody>
-          <a:bodyPr anchorCtr="0" anchor="ctr" bIns="45700" lIns="91425" spcFirstLastPara="1" rIns="91425" wrap="square" tIns="45700">
+          <a:bodyPr spcFirstLastPara="1" wrap="square" lIns="91425" tIns="45700" rIns="91425" bIns="45700" anchor="ctr" anchorCtr="0">
             <a:noAutofit/>
           </a:bodyPr>
           <a:lstStyle>
-            <a:lvl1pPr indent="0" lvl="0" marL="0" marR="0" algn="r">
+            <a:lvl1pPr marL="0" marR="0" lvl="0" indent="0" algn="r">
               <a:lnSpc>
                 <a:spcPct val="100000"/>
               </a:lnSpc>
@@ -6887,7 +7025,7 @@
               <a:buSzPts val="1200"/>
               <a:buFont typeface="Arial"/>
               <a:buNone/>
-              <a:defRPr b="0" i="0" sz="1200" u="none" cap="none" strike="noStrike">
+              <a:defRPr sz="1200" b="0" i="0" u="none" strike="noStrike" cap="none">
                 <a:solidFill>
                   <a:srgbClr val="888888"/>
                 </a:solidFill>
@@ -6897,7 +7035,7 @@
                 <a:sym typeface="Calibri"/>
               </a:defRPr>
             </a:lvl1pPr>
-            <a:lvl2pPr indent="0" lvl="1" marL="0" marR="0" algn="r">
+            <a:lvl2pPr marL="0" marR="0" lvl="1" indent="0" algn="r">
               <a:lnSpc>
                 <a:spcPct val="100000"/>
               </a:lnSpc>
@@ -6913,7 +7051,7 @@
               <a:buSzPts val="1200"/>
               <a:buFont typeface="Arial"/>
               <a:buNone/>
-              <a:defRPr b="0" i="0" sz="1200" u="none" cap="none" strike="noStrike">
+              <a:defRPr sz="1200" b="0" i="0" u="none" strike="noStrike" cap="none">
                 <a:solidFill>
                   <a:srgbClr val="888888"/>
                 </a:solidFill>
@@ -6923,7 +7061,7 @@
                 <a:sym typeface="Calibri"/>
               </a:defRPr>
             </a:lvl2pPr>
-            <a:lvl3pPr indent="0" lvl="2" marL="0" marR="0" algn="r">
+            <a:lvl3pPr marL="0" marR="0" lvl="2" indent="0" algn="r">
               <a:lnSpc>
                 <a:spcPct val="100000"/>
               </a:lnSpc>
@@ -6939,7 +7077,7 @@
               <a:buSzPts val="1200"/>
               <a:buFont typeface="Arial"/>
               <a:buNone/>
-              <a:defRPr b="0" i="0" sz="1200" u="none" cap="none" strike="noStrike">
+              <a:defRPr sz="1200" b="0" i="0" u="none" strike="noStrike" cap="none">
                 <a:solidFill>
                   <a:srgbClr val="888888"/>
                 </a:solidFill>
@@ -6949,7 +7087,7 @@
                 <a:sym typeface="Calibri"/>
               </a:defRPr>
             </a:lvl3pPr>
-            <a:lvl4pPr indent="0" lvl="3" marL="0" marR="0" algn="r">
+            <a:lvl4pPr marL="0" marR="0" lvl="3" indent="0" algn="r">
               <a:lnSpc>
                 <a:spcPct val="100000"/>
               </a:lnSpc>
@@ -6965,7 +7103,7 @@
               <a:buSzPts val="1200"/>
               <a:buFont typeface="Arial"/>
               <a:buNone/>
-              <a:defRPr b="0" i="0" sz="1200" u="none" cap="none" strike="noStrike">
+              <a:defRPr sz="1200" b="0" i="0" u="none" strike="noStrike" cap="none">
                 <a:solidFill>
                   <a:srgbClr val="888888"/>
                 </a:solidFill>
@@ -6975,7 +7113,7 @@
                 <a:sym typeface="Calibri"/>
               </a:defRPr>
             </a:lvl4pPr>
-            <a:lvl5pPr indent="0" lvl="4" marL="0" marR="0" algn="r">
+            <a:lvl5pPr marL="0" marR="0" lvl="4" indent="0" algn="r">
               <a:lnSpc>
                 <a:spcPct val="100000"/>
               </a:lnSpc>
@@ -6991,7 +7129,7 @@
               <a:buSzPts val="1200"/>
               <a:buFont typeface="Arial"/>
               <a:buNone/>
-              <a:defRPr b="0" i="0" sz="1200" u="none" cap="none" strike="noStrike">
+              <a:defRPr sz="1200" b="0" i="0" u="none" strike="noStrike" cap="none">
                 <a:solidFill>
                   <a:srgbClr val="888888"/>
                 </a:solidFill>
@@ -7001,7 +7139,7 @@
                 <a:sym typeface="Calibri"/>
               </a:defRPr>
             </a:lvl5pPr>
-            <a:lvl6pPr indent="0" lvl="5" marL="0" marR="0" algn="r">
+            <a:lvl6pPr marL="0" marR="0" lvl="5" indent="0" algn="r">
               <a:lnSpc>
                 <a:spcPct val="100000"/>
               </a:lnSpc>
@@ -7017,7 +7155,7 @@
               <a:buSzPts val="1200"/>
               <a:buFont typeface="Arial"/>
               <a:buNone/>
-              <a:defRPr b="0" i="0" sz="1200" u="none" cap="none" strike="noStrike">
+              <a:defRPr sz="1200" b="0" i="0" u="none" strike="noStrike" cap="none">
                 <a:solidFill>
                   <a:srgbClr val="888888"/>
                 </a:solidFill>
@@ -7027,7 +7165,7 @@
                 <a:sym typeface="Calibri"/>
               </a:defRPr>
             </a:lvl6pPr>
-            <a:lvl7pPr indent="0" lvl="6" marL="0" marR="0" algn="r">
+            <a:lvl7pPr marL="0" marR="0" lvl="6" indent="0" algn="r">
               <a:lnSpc>
                 <a:spcPct val="100000"/>
               </a:lnSpc>
@@ -7043,7 +7181,7 @@
               <a:buSzPts val="1200"/>
               <a:buFont typeface="Arial"/>
               <a:buNone/>
-              <a:defRPr b="0" i="0" sz="1200" u="none" cap="none" strike="noStrike">
+              <a:defRPr sz="1200" b="0" i="0" u="none" strike="noStrike" cap="none">
                 <a:solidFill>
                   <a:srgbClr val="888888"/>
                 </a:solidFill>
@@ -7053,7 +7191,7 @@
                 <a:sym typeface="Calibri"/>
               </a:defRPr>
             </a:lvl7pPr>
-            <a:lvl8pPr indent="0" lvl="7" marL="0" marR="0" algn="r">
+            <a:lvl8pPr marL="0" marR="0" lvl="7" indent="0" algn="r">
               <a:lnSpc>
                 <a:spcPct val="100000"/>
               </a:lnSpc>
@@ -7069,7 +7207,7 @@
               <a:buSzPts val="1200"/>
               <a:buFont typeface="Arial"/>
               <a:buNone/>
-              <a:defRPr b="0" i="0" sz="1200" u="none" cap="none" strike="noStrike">
+              <a:defRPr sz="1200" b="0" i="0" u="none" strike="noStrike" cap="none">
                 <a:solidFill>
                   <a:srgbClr val="888888"/>
                 </a:solidFill>
@@ -7079,7 +7217,7 @@
                 <a:sym typeface="Calibri"/>
               </a:defRPr>
             </a:lvl8pPr>
-            <a:lvl9pPr indent="0" lvl="8" marL="0" marR="0" algn="r">
+            <a:lvl9pPr marL="0" marR="0" lvl="8" indent="0" algn="r">
               <a:lnSpc>
                 <a:spcPct val="100000"/>
               </a:lnSpc>
@@ -7095,7 +7233,7 @@
               <a:buSzPts val="1200"/>
               <a:buFont typeface="Arial"/>
               <a:buNone/>
-              <a:defRPr b="0" i="0" sz="1200" u="none" cap="none" strike="noStrike">
+              <a:defRPr sz="1200" b="0" i="0" u="none" strike="noStrike" cap="none">
                 <a:solidFill>
                   <a:srgbClr val="888888"/>
                 </a:solidFill>
@@ -7107,7 +7245,7 @@
             </a:lvl9pPr>
           </a:lstStyle>
           <a:p>
-            <a:pPr indent="0" lvl="0" marL="0" rtl="0" algn="r">
+            <a:pPr marL="0" lvl="0" indent="0" algn="r" rtl="0">
               <a:spcBef>
                 <a:spcPts val="0"/>
               </a:spcBef>
@@ -7133,11 +7271,11 @@
 </file>
 
 <file path=ppt/slideLayouts/slideLayout5.xml><?xml version="1.0" encoding="utf-8"?>
-<p:sldLayout xmlns:a="http://schemas.openxmlformats.org/drawingml/2006/main" xmlns:r="http://schemas.openxmlformats.org/officeDocument/2006/relationships" xmlns:mc="http://schemas.openxmlformats.org/markup-compatibility/2006" xmlns:mv="urn:schemas-microsoft-com:mac:vml" xmlns:p="http://schemas.openxmlformats.org/presentationml/2006/main" xmlns:c="http://schemas.openxmlformats.org/drawingml/2006/chart" xmlns:dgm="http://schemas.openxmlformats.org/drawingml/2006/diagram" xmlns:o="urn:schemas-microsoft-com:office:office" xmlns:v="urn:schemas-microsoft-com:vml" xmlns:pvml="urn:schemas-microsoft-com:office:powerpoint" xmlns:com="http://schemas.openxmlformats.org/drawingml/2006/compatibility" xmlns:p14="http://schemas.microsoft.com/office/powerpoint/2010/main" xmlns:p15="http://schemas.microsoft.com/office/powerpoint/2012/main" xmlns:ahyp="http://schemas.microsoft.com/office/drawing/2018/hyperlinkcolor" matchingName="Comparison" type="twoTxTwoObj">
+<p:sldLayout xmlns:a="http://schemas.openxmlformats.org/drawingml/2006/main" xmlns:r="http://schemas.openxmlformats.org/officeDocument/2006/relationships" xmlns:p="http://schemas.openxmlformats.org/presentationml/2006/main" matchingName="Comparison" type="twoTxTwoObj">
   <p:cSld name="TWO_OBJECTS_WITH_TEXT">
     <p:spTree>
       <p:nvGrpSpPr>
-        <p:cNvPr id="36" name="Shape 36"/>
+        <p:cNvPr id="1" name="Shape 36"/>
         <p:cNvGrpSpPr/>
         <p:nvPr/>
       </p:nvGrpSpPr>
@@ -7152,7 +7290,9 @@
       <p:sp>
         <p:nvSpPr>
           <p:cNvPr id="37" name="Google Shape;37;p6"/>
-          <p:cNvSpPr txBox="1"/>
+          <p:cNvSpPr txBox="1">
+            <a:spLocks noGrp="1"/>
+          </p:cNvSpPr>
           <p:nvPr>
             <p:ph type="title"/>
           </p:nvPr>
@@ -7171,7 +7311,7 @@
           </a:ln>
         </p:spPr>
         <p:txBody>
-          <a:bodyPr anchorCtr="0" anchor="ctr" bIns="45700" lIns="91425" spcFirstLastPara="1" rIns="91425" wrap="square" tIns="45700">
+          <a:bodyPr spcFirstLastPara="1" wrap="square" lIns="91425" tIns="45700" rIns="91425" bIns="45700" anchor="ctr" anchorCtr="0">
             <a:noAutofit/>
           </a:bodyPr>
           <a:lstStyle>
@@ -7305,15 +7445,19 @@
               <a:defRPr/>
             </a:lvl9pPr>
           </a:lstStyle>
-          <a:p/>
+          <a:p>
+            <a:endParaRPr/>
+          </a:p>
         </p:txBody>
       </p:sp>
       <p:sp>
         <p:nvSpPr>
           <p:cNvPr id="38" name="Google Shape;38;p6"/>
-          <p:cNvSpPr txBox="1"/>
+          <p:cNvSpPr txBox="1">
+            <a:spLocks noGrp="1"/>
+          </p:cNvSpPr>
           <p:nvPr>
-            <p:ph idx="1" type="body"/>
+            <p:ph type="body" idx="1"/>
           </p:nvPr>
         </p:nvSpPr>
         <p:spPr>
@@ -7330,11 +7474,11 @@
           </a:ln>
         </p:spPr>
         <p:txBody>
-          <a:bodyPr anchorCtr="0" anchor="b" bIns="45700" lIns="91425" spcFirstLastPara="1" rIns="91425" wrap="square" tIns="45700">
+          <a:bodyPr spcFirstLastPara="1" wrap="square" lIns="91425" tIns="45700" rIns="91425" bIns="45700" anchor="b" anchorCtr="0">
             <a:noAutofit/>
           </a:bodyPr>
           <a:lstStyle>
-            <a:lvl1pPr indent="-228600" lvl="0" marL="457200" algn="l">
+            <a:lvl1pPr marL="457200" lvl="0" indent="-228600" algn="l">
               <a:lnSpc>
                 <a:spcPct val="90000"/>
               </a:lnSpc>
@@ -7349,9 +7493,9 @@
               </a:buClr>
               <a:buSzPts val="2400"/>
               <a:buNone/>
-              <a:defRPr b="1" sz="2400"/>
+              <a:defRPr sz="2400" b="1"/>
             </a:lvl1pPr>
-            <a:lvl2pPr indent="-228600" lvl="1" marL="914400" algn="l">
+            <a:lvl2pPr marL="914400" lvl="1" indent="-228600" algn="l">
               <a:lnSpc>
                 <a:spcPct val="90000"/>
               </a:lnSpc>
@@ -7366,9 +7510,9 @@
               </a:buClr>
               <a:buSzPts val="2000"/>
               <a:buNone/>
-              <a:defRPr b="1" sz="2000"/>
+              <a:defRPr sz="2000" b="1"/>
             </a:lvl2pPr>
-            <a:lvl3pPr indent="-228600" lvl="2" marL="1371600" algn="l">
+            <a:lvl3pPr marL="1371600" lvl="2" indent="-228600" algn="l">
               <a:lnSpc>
                 <a:spcPct val="90000"/>
               </a:lnSpc>
@@ -7383,9 +7527,9 @@
               </a:buClr>
               <a:buSzPts val="1800"/>
               <a:buNone/>
-              <a:defRPr b="1" sz="1800"/>
+              <a:defRPr sz="1800" b="1"/>
             </a:lvl3pPr>
-            <a:lvl4pPr indent="-228600" lvl="3" marL="1828800" algn="l">
+            <a:lvl4pPr marL="1828800" lvl="3" indent="-228600" algn="l">
               <a:lnSpc>
                 <a:spcPct val="90000"/>
               </a:lnSpc>
@@ -7400,9 +7544,9 @@
               </a:buClr>
               <a:buSzPts val="1600"/>
               <a:buNone/>
-              <a:defRPr b="1" sz="1600"/>
+              <a:defRPr sz="1600" b="1"/>
             </a:lvl4pPr>
-            <a:lvl5pPr indent="-228600" lvl="4" marL="2286000" algn="l">
+            <a:lvl5pPr marL="2286000" lvl="4" indent="-228600" algn="l">
               <a:lnSpc>
                 <a:spcPct val="90000"/>
               </a:lnSpc>
@@ -7417,9 +7561,9 @@
               </a:buClr>
               <a:buSzPts val="1600"/>
               <a:buNone/>
-              <a:defRPr b="1" sz="1600"/>
+              <a:defRPr sz="1600" b="1"/>
             </a:lvl5pPr>
-            <a:lvl6pPr indent="-228600" lvl="5" marL="2743200" algn="l">
+            <a:lvl6pPr marL="2743200" lvl="5" indent="-228600" algn="l">
               <a:lnSpc>
                 <a:spcPct val="90000"/>
               </a:lnSpc>
@@ -7434,9 +7578,9 @@
               </a:buClr>
               <a:buSzPts val="1600"/>
               <a:buNone/>
-              <a:defRPr b="1" sz="1600"/>
+              <a:defRPr sz="1600" b="1"/>
             </a:lvl6pPr>
-            <a:lvl7pPr indent="-228600" lvl="6" marL="3200400" algn="l">
+            <a:lvl7pPr marL="3200400" lvl="6" indent="-228600" algn="l">
               <a:lnSpc>
                 <a:spcPct val="90000"/>
               </a:lnSpc>
@@ -7451,9 +7595,9 @@
               </a:buClr>
               <a:buSzPts val="1600"/>
               <a:buNone/>
-              <a:defRPr b="1" sz="1600"/>
+              <a:defRPr sz="1600" b="1"/>
             </a:lvl7pPr>
-            <a:lvl8pPr indent="-228600" lvl="7" marL="3657600" algn="l">
+            <a:lvl8pPr marL="3657600" lvl="7" indent="-228600" algn="l">
               <a:lnSpc>
                 <a:spcPct val="90000"/>
               </a:lnSpc>
@@ -7468,9 +7612,9 @@
               </a:buClr>
               <a:buSzPts val="1600"/>
               <a:buNone/>
-              <a:defRPr b="1" sz="1600"/>
+              <a:defRPr sz="1600" b="1"/>
             </a:lvl8pPr>
-            <a:lvl9pPr indent="-228600" lvl="8" marL="4114800" algn="l">
+            <a:lvl9pPr marL="4114800" lvl="8" indent="-228600" algn="l">
               <a:lnSpc>
                 <a:spcPct val="90000"/>
               </a:lnSpc>
@@ -7485,18 +7629,22 @@
               </a:buClr>
               <a:buSzPts val="1600"/>
               <a:buNone/>
-              <a:defRPr b="1" sz="1600"/>
+              <a:defRPr sz="1600" b="1"/>
             </a:lvl9pPr>
           </a:lstStyle>
-          <a:p/>
+          <a:p>
+            <a:endParaRPr/>
+          </a:p>
         </p:txBody>
       </p:sp>
       <p:sp>
         <p:nvSpPr>
           <p:cNvPr id="39" name="Google Shape;39;p6"/>
-          <p:cNvSpPr txBox="1"/>
+          <p:cNvSpPr txBox="1">
+            <a:spLocks noGrp="1"/>
+          </p:cNvSpPr>
           <p:nvPr>
-            <p:ph idx="2" type="body"/>
+            <p:ph type="body" idx="2"/>
           </p:nvPr>
         </p:nvSpPr>
         <p:spPr>
@@ -7513,11 +7661,11 @@
           </a:ln>
         </p:spPr>
         <p:txBody>
-          <a:bodyPr anchorCtr="0" anchor="t" bIns="45700" lIns="91425" spcFirstLastPara="1" rIns="91425" wrap="square" tIns="45700">
+          <a:bodyPr spcFirstLastPara="1" wrap="square" lIns="91425" tIns="45700" rIns="91425" bIns="45700" anchor="t" anchorCtr="0">
             <a:noAutofit/>
           </a:bodyPr>
           <a:lstStyle>
-            <a:lvl1pPr indent="-342900" lvl="0" marL="457200" algn="l">
+            <a:lvl1pPr marL="457200" lvl="0" indent="-342900" algn="l">
               <a:lnSpc>
                 <a:spcPct val="90000"/>
               </a:lnSpc>
@@ -7534,7 +7682,7 @@
               <a:buChar char="•"/>
               <a:defRPr/>
             </a:lvl1pPr>
-            <a:lvl2pPr indent="-342900" lvl="1" marL="914400" algn="l">
+            <a:lvl2pPr marL="914400" lvl="1" indent="-342900" algn="l">
               <a:lnSpc>
                 <a:spcPct val="90000"/>
               </a:lnSpc>
@@ -7551,7 +7699,7 @@
               <a:buChar char="•"/>
               <a:defRPr/>
             </a:lvl2pPr>
-            <a:lvl3pPr indent="-342900" lvl="2" marL="1371600" algn="l">
+            <a:lvl3pPr marL="1371600" lvl="2" indent="-342900" algn="l">
               <a:lnSpc>
                 <a:spcPct val="90000"/>
               </a:lnSpc>
@@ -7568,7 +7716,7 @@
               <a:buChar char="•"/>
               <a:defRPr/>
             </a:lvl3pPr>
-            <a:lvl4pPr indent="-342900" lvl="3" marL="1828800" algn="l">
+            <a:lvl4pPr marL="1828800" lvl="3" indent="-342900" algn="l">
               <a:lnSpc>
                 <a:spcPct val="90000"/>
               </a:lnSpc>
@@ -7585,7 +7733,7 @@
               <a:buChar char="•"/>
               <a:defRPr/>
             </a:lvl4pPr>
-            <a:lvl5pPr indent="-342900" lvl="4" marL="2286000" algn="l">
+            <a:lvl5pPr marL="2286000" lvl="4" indent="-342900" algn="l">
               <a:lnSpc>
                 <a:spcPct val="90000"/>
               </a:lnSpc>
@@ -7602,7 +7750,7 @@
               <a:buChar char="•"/>
               <a:defRPr/>
             </a:lvl5pPr>
-            <a:lvl6pPr indent="-342900" lvl="5" marL="2743200" algn="l">
+            <a:lvl6pPr marL="2743200" lvl="5" indent="-342900" algn="l">
               <a:lnSpc>
                 <a:spcPct val="90000"/>
               </a:lnSpc>
@@ -7619,7 +7767,7 @@
               <a:buChar char="•"/>
               <a:defRPr/>
             </a:lvl6pPr>
-            <a:lvl7pPr indent="-342900" lvl="6" marL="3200400" algn="l">
+            <a:lvl7pPr marL="3200400" lvl="6" indent="-342900" algn="l">
               <a:lnSpc>
                 <a:spcPct val="90000"/>
               </a:lnSpc>
@@ -7636,7 +7784,7 @@
               <a:buChar char="•"/>
               <a:defRPr/>
             </a:lvl7pPr>
-            <a:lvl8pPr indent="-342900" lvl="7" marL="3657600" algn="l">
+            <a:lvl8pPr marL="3657600" lvl="7" indent="-342900" algn="l">
               <a:lnSpc>
                 <a:spcPct val="90000"/>
               </a:lnSpc>
@@ -7653,7 +7801,7 @@
               <a:buChar char="•"/>
               <a:defRPr/>
             </a:lvl8pPr>
-            <a:lvl9pPr indent="-342900" lvl="8" marL="4114800" algn="l">
+            <a:lvl9pPr marL="4114800" lvl="8" indent="-342900" algn="l">
               <a:lnSpc>
                 <a:spcPct val="90000"/>
               </a:lnSpc>
@@ -7671,15 +7819,19 @@
               <a:defRPr/>
             </a:lvl9pPr>
           </a:lstStyle>
-          <a:p/>
+          <a:p>
+            <a:endParaRPr/>
+          </a:p>
         </p:txBody>
       </p:sp>
       <p:sp>
         <p:nvSpPr>
           <p:cNvPr id="40" name="Google Shape;40;p6"/>
-          <p:cNvSpPr txBox="1"/>
+          <p:cNvSpPr txBox="1">
+            <a:spLocks noGrp="1"/>
+          </p:cNvSpPr>
           <p:nvPr>
-            <p:ph idx="3" type="body"/>
+            <p:ph type="body" idx="3"/>
           </p:nvPr>
         </p:nvSpPr>
         <p:spPr>
@@ -7696,11 +7848,11 @@
           </a:ln>
         </p:spPr>
         <p:txBody>
-          <a:bodyPr anchorCtr="0" anchor="b" bIns="45700" lIns="91425" spcFirstLastPara="1" rIns="91425" wrap="square" tIns="45700">
+          <a:bodyPr spcFirstLastPara="1" wrap="square" lIns="91425" tIns="45700" rIns="91425" bIns="45700" anchor="b" anchorCtr="0">
             <a:noAutofit/>
           </a:bodyPr>
           <a:lstStyle>
-            <a:lvl1pPr indent="-228600" lvl="0" marL="457200" algn="l">
+            <a:lvl1pPr marL="457200" lvl="0" indent="-228600" algn="l">
               <a:lnSpc>
                 <a:spcPct val="90000"/>
               </a:lnSpc>
@@ -7715,9 +7867,9 @@
               </a:buClr>
               <a:buSzPts val="2400"/>
               <a:buNone/>
-              <a:defRPr b="1" sz="2400"/>
+              <a:defRPr sz="2400" b="1"/>
             </a:lvl1pPr>
-            <a:lvl2pPr indent="-228600" lvl="1" marL="914400" algn="l">
+            <a:lvl2pPr marL="914400" lvl="1" indent="-228600" algn="l">
               <a:lnSpc>
                 <a:spcPct val="90000"/>
               </a:lnSpc>
@@ -7732,9 +7884,9 @@
               </a:buClr>
               <a:buSzPts val="2000"/>
               <a:buNone/>
-              <a:defRPr b="1" sz="2000"/>
+              <a:defRPr sz="2000" b="1"/>
             </a:lvl2pPr>
-            <a:lvl3pPr indent="-228600" lvl="2" marL="1371600" algn="l">
+            <a:lvl3pPr marL="1371600" lvl="2" indent="-228600" algn="l">
               <a:lnSpc>
                 <a:spcPct val="90000"/>
               </a:lnSpc>
@@ -7749,9 +7901,9 @@
               </a:buClr>
               <a:buSzPts val="1800"/>
               <a:buNone/>
-              <a:defRPr b="1" sz="1800"/>
+              <a:defRPr sz="1800" b="1"/>
             </a:lvl3pPr>
-            <a:lvl4pPr indent="-228600" lvl="3" marL="1828800" algn="l">
+            <a:lvl4pPr marL="1828800" lvl="3" indent="-228600" algn="l">
               <a:lnSpc>
                 <a:spcPct val="90000"/>
               </a:lnSpc>
@@ -7766,9 +7918,9 @@
               </a:buClr>
               <a:buSzPts val="1600"/>
               <a:buNone/>
-              <a:defRPr b="1" sz="1600"/>
+              <a:defRPr sz="1600" b="1"/>
             </a:lvl4pPr>
-            <a:lvl5pPr indent="-228600" lvl="4" marL="2286000" algn="l">
+            <a:lvl5pPr marL="2286000" lvl="4" indent="-228600" algn="l">
               <a:lnSpc>
                 <a:spcPct val="90000"/>
               </a:lnSpc>
@@ -7783,9 +7935,9 @@
               </a:buClr>
               <a:buSzPts val="1600"/>
               <a:buNone/>
-              <a:defRPr b="1" sz="1600"/>
+              <a:defRPr sz="1600" b="1"/>
             </a:lvl5pPr>
-            <a:lvl6pPr indent="-228600" lvl="5" marL="2743200" algn="l">
+            <a:lvl6pPr marL="2743200" lvl="5" indent="-228600" algn="l">
               <a:lnSpc>
                 <a:spcPct val="90000"/>
               </a:lnSpc>
@@ -7800,9 +7952,9 @@
               </a:buClr>
               <a:buSzPts val="1600"/>
               <a:buNone/>
-              <a:defRPr b="1" sz="1600"/>
+              <a:defRPr sz="1600" b="1"/>
             </a:lvl6pPr>
-            <a:lvl7pPr indent="-228600" lvl="6" marL="3200400" algn="l">
+            <a:lvl7pPr marL="3200400" lvl="6" indent="-228600" algn="l">
               <a:lnSpc>
                 <a:spcPct val="90000"/>
               </a:lnSpc>
@@ -7817,9 +7969,9 @@
               </a:buClr>
               <a:buSzPts val="1600"/>
               <a:buNone/>
-              <a:defRPr b="1" sz="1600"/>
+              <a:defRPr sz="1600" b="1"/>
             </a:lvl7pPr>
-            <a:lvl8pPr indent="-228600" lvl="7" marL="3657600" algn="l">
+            <a:lvl8pPr marL="3657600" lvl="7" indent="-228600" algn="l">
               <a:lnSpc>
                 <a:spcPct val="90000"/>
               </a:lnSpc>
@@ -7834,9 +7986,9 @@
               </a:buClr>
               <a:buSzPts val="1600"/>
               <a:buNone/>
-              <a:defRPr b="1" sz="1600"/>
+              <a:defRPr sz="1600" b="1"/>
             </a:lvl8pPr>
-            <a:lvl9pPr indent="-228600" lvl="8" marL="4114800" algn="l">
+            <a:lvl9pPr marL="4114800" lvl="8" indent="-228600" algn="l">
               <a:lnSpc>
                 <a:spcPct val="90000"/>
               </a:lnSpc>
@@ -7851,18 +8003,22 @@
               </a:buClr>
               <a:buSzPts val="1600"/>
               <a:buNone/>
-              <a:defRPr b="1" sz="1600"/>
+              <a:defRPr sz="1600" b="1"/>
             </a:lvl9pPr>
           </a:lstStyle>
-          <a:p/>
+          <a:p>
+            <a:endParaRPr/>
+          </a:p>
         </p:txBody>
       </p:sp>
       <p:sp>
         <p:nvSpPr>
           <p:cNvPr id="41" name="Google Shape;41;p6"/>
-          <p:cNvSpPr txBox="1"/>
+          <p:cNvSpPr txBox="1">
+            <a:spLocks noGrp="1"/>
+          </p:cNvSpPr>
           <p:nvPr>
-            <p:ph idx="4" type="body"/>
+            <p:ph type="body" idx="4"/>
           </p:nvPr>
         </p:nvSpPr>
         <p:spPr>
@@ -7879,11 +8035,11 @@
           </a:ln>
         </p:spPr>
         <p:txBody>
-          <a:bodyPr anchorCtr="0" anchor="t" bIns="45700" lIns="91425" spcFirstLastPara="1" rIns="91425" wrap="square" tIns="45700">
+          <a:bodyPr spcFirstLastPara="1" wrap="square" lIns="91425" tIns="45700" rIns="91425" bIns="45700" anchor="t" anchorCtr="0">
             <a:noAutofit/>
           </a:bodyPr>
           <a:lstStyle>
-            <a:lvl1pPr indent="-342900" lvl="0" marL="457200" algn="l">
+            <a:lvl1pPr marL="457200" lvl="0" indent="-342900" algn="l">
               <a:lnSpc>
                 <a:spcPct val="90000"/>
               </a:lnSpc>
@@ -7900,7 +8056,7 @@
               <a:buChar char="•"/>
               <a:defRPr/>
             </a:lvl1pPr>
-            <a:lvl2pPr indent="-342900" lvl="1" marL="914400" algn="l">
+            <a:lvl2pPr marL="914400" lvl="1" indent="-342900" algn="l">
               <a:lnSpc>
                 <a:spcPct val="90000"/>
               </a:lnSpc>
@@ -7917,7 +8073,7 @@
               <a:buChar char="•"/>
               <a:defRPr/>
             </a:lvl2pPr>
-            <a:lvl3pPr indent="-342900" lvl="2" marL="1371600" algn="l">
+            <a:lvl3pPr marL="1371600" lvl="2" indent="-342900" algn="l">
               <a:lnSpc>
                 <a:spcPct val="90000"/>
               </a:lnSpc>
@@ -7934,7 +8090,7 @@
               <a:buChar char="•"/>
               <a:defRPr/>
             </a:lvl3pPr>
-            <a:lvl4pPr indent="-342900" lvl="3" marL="1828800" algn="l">
+            <a:lvl4pPr marL="1828800" lvl="3" indent="-342900" algn="l">
               <a:lnSpc>
                 <a:spcPct val="90000"/>
               </a:lnSpc>
@@ -7951,7 +8107,7 @@
               <a:buChar char="•"/>
               <a:defRPr/>
             </a:lvl4pPr>
-            <a:lvl5pPr indent="-342900" lvl="4" marL="2286000" algn="l">
+            <a:lvl5pPr marL="2286000" lvl="4" indent="-342900" algn="l">
               <a:lnSpc>
                 <a:spcPct val="90000"/>
               </a:lnSpc>
@@ -7968,7 +8124,7 @@
               <a:buChar char="•"/>
               <a:defRPr/>
             </a:lvl5pPr>
-            <a:lvl6pPr indent="-342900" lvl="5" marL="2743200" algn="l">
+            <a:lvl6pPr marL="2743200" lvl="5" indent="-342900" algn="l">
               <a:lnSpc>
                 <a:spcPct val="90000"/>
               </a:lnSpc>
@@ -7985,7 +8141,7 @@
               <a:buChar char="•"/>
               <a:defRPr/>
             </a:lvl6pPr>
-            <a:lvl7pPr indent="-342900" lvl="6" marL="3200400" algn="l">
+            <a:lvl7pPr marL="3200400" lvl="6" indent="-342900" algn="l">
               <a:lnSpc>
                 <a:spcPct val="90000"/>
               </a:lnSpc>
@@ -8002,7 +8158,7 @@
               <a:buChar char="•"/>
               <a:defRPr/>
             </a:lvl7pPr>
-            <a:lvl8pPr indent="-342900" lvl="7" marL="3657600" algn="l">
+            <a:lvl8pPr marL="3657600" lvl="7" indent="-342900" algn="l">
               <a:lnSpc>
                 <a:spcPct val="90000"/>
               </a:lnSpc>
@@ -8019,7 +8175,7 @@
               <a:buChar char="•"/>
               <a:defRPr/>
             </a:lvl8pPr>
-            <a:lvl9pPr indent="-342900" lvl="8" marL="4114800" algn="l">
+            <a:lvl9pPr marL="4114800" lvl="8" indent="-342900" algn="l">
               <a:lnSpc>
                 <a:spcPct val="90000"/>
               </a:lnSpc>
@@ -8037,15 +8193,19 @@
               <a:defRPr/>
             </a:lvl9pPr>
           </a:lstStyle>
-          <a:p/>
+          <a:p>
+            <a:endParaRPr/>
+          </a:p>
         </p:txBody>
       </p:sp>
       <p:sp>
         <p:nvSpPr>
           <p:cNvPr id="42" name="Google Shape;42;p6"/>
-          <p:cNvSpPr txBox="1"/>
+          <p:cNvSpPr txBox="1">
+            <a:spLocks noGrp="1"/>
+          </p:cNvSpPr>
           <p:nvPr>
-            <p:ph idx="10" type="dt"/>
+            <p:ph type="dt" idx="10"/>
           </p:nvPr>
         </p:nvSpPr>
         <p:spPr>
@@ -8062,7 +8222,7 @@
           </a:ln>
         </p:spPr>
         <p:txBody>
-          <a:bodyPr anchorCtr="0" anchor="ctr" bIns="45700" lIns="91425" spcFirstLastPara="1" rIns="91425" wrap="square" tIns="45700">
+          <a:bodyPr spcFirstLastPara="1" wrap="square" lIns="91425" tIns="45700" rIns="91425" bIns="45700" anchor="ctr" anchorCtr="0">
             <a:noAutofit/>
           </a:bodyPr>
           <a:lstStyle>
@@ -8193,15 +8353,19 @@
               <a:defRPr/>
             </a:lvl9pPr>
           </a:lstStyle>
-          <a:p/>
+          <a:p>
+            <a:endParaRPr/>
+          </a:p>
         </p:txBody>
       </p:sp>
       <p:sp>
         <p:nvSpPr>
           <p:cNvPr id="43" name="Google Shape;43;p6"/>
-          <p:cNvSpPr txBox="1"/>
+          <p:cNvSpPr txBox="1">
+            <a:spLocks noGrp="1"/>
+          </p:cNvSpPr>
           <p:nvPr>
-            <p:ph idx="11" type="ftr"/>
+            <p:ph type="ftr" idx="11"/>
           </p:nvPr>
         </p:nvSpPr>
         <p:spPr>
@@ -8218,7 +8382,7 @@
           </a:ln>
         </p:spPr>
         <p:txBody>
-          <a:bodyPr anchorCtr="0" anchor="ctr" bIns="45700" lIns="91425" spcFirstLastPara="1" rIns="91425" wrap="square" tIns="45700">
+          <a:bodyPr spcFirstLastPara="1" wrap="square" lIns="91425" tIns="45700" rIns="91425" bIns="45700" anchor="ctr" anchorCtr="0">
             <a:noAutofit/>
           </a:bodyPr>
           <a:lstStyle>
@@ -8349,15 +8513,19 @@
               <a:defRPr/>
             </a:lvl9pPr>
           </a:lstStyle>
-          <a:p/>
+          <a:p>
+            <a:endParaRPr/>
+          </a:p>
         </p:txBody>
       </p:sp>
       <p:sp>
         <p:nvSpPr>
           <p:cNvPr id="44" name="Google Shape;44;p6"/>
-          <p:cNvSpPr txBox="1"/>
+          <p:cNvSpPr txBox="1">
+            <a:spLocks noGrp="1"/>
+          </p:cNvSpPr>
           <p:nvPr>
-            <p:ph idx="12" type="sldNum"/>
+            <p:ph type="sldNum" idx="12"/>
           </p:nvPr>
         </p:nvSpPr>
         <p:spPr>
@@ -8374,11 +8542,11 @@
           </a:ln>
         </p:spPr>
         <p:txBody>
-          <a:bodyPr anchorCtr="0" anchor="ctr" bIns="45700" lIns="91425" spcFirstLastPara="1" rIns="91425" wrap="square" tIns="45700">
+          <a:bodyPr spcFirstLastPara="1" wrap="square" lIns="91425" tIns="45700" rIns="91425" bIns="45700" anchor="ctr" anchorCtr="0">
             <a:noAutofit/>
           </a:bodyPr>
           <a:lstStyle>
-            <a:lvl1pPr indent="0" lvl="0" marL="0" marR="0" algn="r">
+            <a:lvl1pPr marL="0" marR="0" lvl="0" indent="0" algn="r">
               <a:lnSpc>
                 <a:spcPct val="100000"/>
               </a:lnSpc>
@@ -8394,7 +8562,7 @@
               <a:buSzPts val="1200"/>
               <a:buFont typeface="Arial"/>
               <a:buNone/>
-              <a:defRPr b="0" i="0" sz="1200" u="none" cap="none" strike="noStrike">
+              <a:defRPr sz="1200" b="0" i="0" u="none" strike="noStrike" cap="none">
                 <a:solidFill>
                   <a:srgbClr val="888888"/>
                 </a:solidFill>
@@ -8404,7 +8572,7 @@
                 <a:sym typeface="Calibri"/>
               </a:defRPr>
             </a:lvl1pPr>
-            <a:lvl2pPr indent="0" lvl="1" marL="0" marR="0" algn="r">
+            <a:lvl2pPr marL="0" marR="0" lvl="1" indent="0" algn="r">
               <a:lnSpc>
                 <a:spcPct val="100000"/>
               </a:lnSpc>
@@ -8420,7 +8588,7 @@
               <a:buSzPts val="1200"/>
               <a:buFont typeface="Arial"/>
               <a:buNone/>
-              <a:defRPr b="0" i="0" sz="1200" u="none" cap="none" strike="noStrike">
+              <a:defRPr sz="1200" b="0" i="0" u="none" strike="noStrike" cap="none">
                 <a:solidFill>
                   <a:srgbClr val="888888"/>
                 </a:solidFill>
@@ -8430,7 +8598,7 @@
                 <a:sym typeface="Calibri"/>
               </a:defRPr>
             </a:lvl2pPr>
-            <a:lvl3pPr indent="0" lvl="2" marL="0" marR="0" algn="r">
+            <a:lvl3pPr marL="0" marR="0" lvl="2" indent="0" algn="r">
               <a:lnSpc>
                 <a:spcPct val="100000"/>
               </a:lnSpc>
@@ -8446,7 +8614,7 @@
               <a:buSzPts val="1200"/>
               <a:buFont typeface="Arial"/>
               <a:buNone/>
-              <a:defRPr b="0" i="0" sz="1200" u="none" cap="none" strike="noStrike">
+              <a:defRPr sz="1200" b="0" i="0" u="none" strike="noStrike" cap="none">
                 <a:solidFill>
                   <a:srgbClr val="888888"/>
                 </a:solidFill>
@@ -8456,7 +8624,7 @@
                 <a:sym typeface="Calibri"/>
               </a:defRPr>
             </a:lvl3pPr>
-            <a:lvl4pPr indent="0" lvl="3" marL="0" marR="0" algn="r">
+            <a:lvl4pPr marL="0" marR="0" lvl="3" indent="0" algn="r">
               <a:lnSpc>
                 <a:spcPct val="100000"/>
               </a:lnSpc>
@@ -8472,7 +8640,7 @@
               <a:buSzPts val="1200"/>
               <a:buFont typeface="Arial"/>
               <a:buNone/>
-              <a:defRPr b="0" i="0" sz="1200" u="none" cap="none" strike="noStrike">
+              <a:defRPr sz="1200" b="0" i="0" u="none" strike="noStrike" cap="none">
                 <a:solidFill>
                   <a:srgbClr val="888888"/>
                 </a:solidFill>
@@ -8482,7 +8650,7 @@
                 <a:sym typeface="Calibri"/>
               </a:defRPr>
             </a:lvl4pPr>
-            <a:lvl5pPr indent="0" lvl="4" marL="0" marR="0" algn="r">
+            <a:lvl5pPr marL="0" marR="0" lvl="4" indent="0" algn="r">
               <a:lnSpc>
                 <a:spcPct val="100000"/>
               </a:lnSpc>
@@ -8498,7 +8666,7 @@
               <a:buSzPts val="1200"/>
               <a:buFont typeface="Arial"/>
               <a:buNone/>
-              <a:defRPr b="0" i="0" sz="1200" u="none" cap="none" strike="noStrike">
+              <a:defRPr sz="1200" b="0" i="0" u="none" strike="noStrike" cap="none">
                 <a:solidFill>
                   <a:srgbClr val="888888"/>
                 </a:solidFill>
@@ -8508,7 +8676,7 @@
                 <a:sym typeface="Calibri"/>
               </a:defRPr>
             </a:lvl5pPr>
-            <a:lvl6pPr indent="0" lvl="5" marL="0" marR="0" algn="r">
+            <a:lvl6pPr marL="0" marR="0" lvl="5" indent="0" algn="r">
               <a:lnSpc>
                 <a:spcPct val="100000"/>
               </a:lnSpc>
@@ -8524,7 +8692,7 @@
               <a:buSzPts val="1200"/>
               <a:buFont typeface="Arial"/>
               <a:buNone/>
-              <a:defRPr b="0" i="0" sz="1200" u="none" cap="none" strike="noStrike">
+              <a:defRPr sz="1200" b="0" i="0" u="none" strike="noStrike" cap="none">
                 <a:solidFill>
                   <a:srgbClr val="888888"/>
                 </a:solidFill>
@@ -8534,7 +8702,7 @@
                 <a:sym typeface="Calibri"/>
               </a:defRPr>
             </a:lvl6pPr>
-            <a:lvl7pPr indent="0" lvl="6" marL="0" marR="0" algn="r">
+            <a:lvl7pPr marL="0" marR="0" lvl="6" indent="0" algn="r">
               <a:lnSpc>
                 <a:spcPct val="100000"/>
               </a:lnSpc>
@@ -8550,7 +8718,7 @@
               <a:buSzPts val="1200"/>
               <a:buFont typeface="Arial"/>
               <a:buNone/>
-              <a:defRPr b="0" i="0" sz="1200" u="none" cap="none" strike="noStrike">
+              <a:defRPr sz="1200" b="0" i="0" u="none" strike="noStrike" cap="none">
                 <a:solidFill>
                   <a:srgbClr val="888888"/>
                 </a:solidFill>
@@ -8560,7 +8728,7 @@
                 <a:sym typeface="Calibri"/>
               </a:defRPr>
             </a:lvl7pPr>
-            <a:lvl8pPr indent="0" lvl="7" marL="0" marR="0" algn="r">
+            <a:lvl8pPr marL="0" marR="0" lvl="7" indent="0" algn="r">
               <a:lnSpc>
                 <a:spcPct val="100000"/>
               </a:lnSpc>
@@ -8576,7 +8744,7 @@
               <a:buSzPts val="1200"/>
               <a:buFont typeface="Arial"/>
               <a:buNone/>
-              <a:defRPr b="0" i="0" sz="1200" u="none" cap="none" strike="noStrike">
+              <a:defRPr sz="1200" b="0" i="0" u="none" strike="noStrike" cap="none">
                 <a:solidFill>
                   <a:srgbClr val="888888"/>
                 </a:solidFill>
@@ -8586,7 +8754,7 @@
                 <a:sym typeface="Calibri"/>
               </a:defRPr>
             </a:lvl8pPr>
-            <a:lvl9pPr indent="0" lvl="8" marL="0" marR="0" algn="r">
+            <a:lvl9pPr marL="0" marR="0" lvl="8" indent="0" algn="r">
               <a:lnSpc>
                 <a:spcPct val="100000"/>
               </a:lnSpc>
@@ -8602,7 +8770,7 @@
               <a:buSzPts val="1200"/>
               <a:buFont typeface="Arial"/>
               <a:buNone/>
-              <a:defRPr b="0" i="0" sz="1200" u="none" cap="none" strike="noStrike">
+              <a:defRPr sz="1200" b="0" i="0" u="none" strike="noStrike" cap="none">
                 <a:solidFill>
                   <a:srgbClr val="888888"/>
                 </a:solidFill>
@@ -8614,7 +8782,7 @@
             </a:lvl9pPr>
           </a:lstStyle>
           <a:p>
-            <a:pPr indent="0" lvl="0" marL="0" rtl="0" algn="r">
+            <a:pPr marL="0" lvl="0" indent="0" algn="r" rtl="0">
               <a:spcBef>
                 <a:spcPts val="0"/>
               </a:spcBef>
@@ -8640,11 +8808,11 @@
 </file>
 
 <file path=ppt/slideLayouts/slideLayout6.xml><?xml version="1.0" encoding="utf-8"?>
-<p:sldLayout xmlns:a="http://schemas.openxmlformats.org/drawingml/2006/main" xmlns:r="http://schemas.openxmlformats.org/officeDocument/2006/relationships" xmlns:mc="http://schemas.openxmlformats.org/markup-compatibility/2006" xmlns:mv="urn:schemas-microsoft-com:mac:vml" xmlns:p="http://schemas.openxmlformats.org/presentationml/2006/main" xmlns:c="http://schemas.openxmlformats.org/drawingml/2006/chart" xmlns:dgm="http://schemas.openxmlformats.org/drawingml/2006/diagram" xmlns:o="urn:schemas-microsoft-com:office:office" xmlns:v="urn:schemas-microsoft-com:vml" xmlns:pvml="urn:schemas-microsoft-com:office:powerpoint" xmlns:com="http://schemas.openxmlformats.org/drawingml/2006/compatibility" xmlns:p14="http://schemas.microsoft.com/office/powerpoint/2010/main" xmlns:p15="http://schemas.microsoft.com/office/powerpoint/2012/main" xmlns:ahyp="http://schemas.microsoft.com/office/drawing/2018/hyperlinkcolor" matchingName="Title Only" type="titleOnly">
+<p:sldLayout xmlns:a="http://schemas.openxmlformats.org/drawingml/2006/main" xmlns:r="http://schemas.openxmlformats.org/officeDocument/2006/relationships" xmlns:p="http://schemas.openxmlformats.org/presentationml/2006/main" matchingName="Title Only" type="titleOnly">
   <p:cSld name="TITLE_ONLY">
     <p:spTree>
       <p:nvGrpSpPr>
-        <p:cNvPr id="45" name="Shape 45"/>
+        <p:cNvPr id="1" name="Shape 45"/>
         <p:cNvGrpSpPr/>
         <p:nvPr/>
       </p:nvGrpSpPr>
@@ -8659,7 +8827,9 @@
       <p:sp>
         <p:nvSpPr>
           <p:cNvPr id="46" name="Google Shape;46;p7"/>
-          <p:cNvSpPr txBox="1"/>
+          <p:cNvSpPr txBox="1">
+            <a:spLocks noGrp="1"/>
+          </p:cNvSpPr>
           <p:nvPr>
             <p:ph type="title"/>
           </p:nvPr>
@@ -8678,7 +8848,7 @@
           </a:ln>
         </p:spPr>
         <p:txBody>
-          <a:bodyPr anchorCtr="0" anchor="ctr" bIns="45700" lIns="91425" spcFirstLastPara="1" rIns="91425" wrap="square" tIns="45700">
+          <a:bodyPr spcFirstLastPara="1" wrap="square" lIns="91425" tIns="45700" rIns="91425" bIns="45700" anchor="ctr" anchorCtr="0">
             <a:noAutofit/>
           </a:bodyPr>
           <a:lstStyle>
@@ -8812,15 +8982,19 @@
               <a:defRPr/>
             </a:lvl9pPr>
           </a:lstStyle>
-          <a:p/>
+          <a:p>
+            <a:endParaRPr/>
+          </a:p>
         </p:txBody>
       </p:sp>
       <p:sp>
         <p:nvSpPr>
           <p:cNvPr id="47" name="Google Shape;47;p7"/>
-          <p:cNvSpPr txBox="1"/>
+          <p:cNvSpPr txBox="1">
+            <a:spLocks noGrp="1"/>
+          </p:cNvSpPr>
           <p:nvPr>
-            <p:ph idx="10" type="dt"/>
+            <p:ph type="dt" idx="10"/>
           </p:nvPr>
         </p:nvSpPr>
         <p:spPr>
@@ -8837,7 +9011,7 @@
           </a:ln>
         </p:spPr>
         <p:txBody>
-          <a:bodyPr anchorCtr="0" anchor="ctr" bIns="45700" lIns="91425" spcFirstLastPara="1" rIns="91425" wrap="square" tIns="45700">
+          <a:bodyPr spcFirstLastPara="1" wrap="square" lIns="91425" tIns="45700" rIns="91425" bIns="45700" anchor="ctr" anchorCtr="0">
             <a:noAutofit/>
           </a:bodyPr>
           <a:lstStyle>
@@ -8968,15 +9142,19 @@
               <a:defRPr/>
             </a:lvl9pPr>
           </a:lstStyle>
-          <a:p/>
+          <a:p>
+            <a:endParaRPr/>
+          </a:p>
         </p:txBody>
       </p:sp>
       <p:sp>
         <p:nvSpPr>
           <p:cNvPr id="48" name="Google Shape;48;p7"/>
-          <p:cNvSpPr txBox="1"/>
+          <p:cNvSpPr txBox="1">
+            <a:spLocks noGrp="1"/>
+          </p:cNvSpPr>
           <p:nvPr>
-            <p:ph idx="11" type="ftr"/>
+            <p:ph type="ftr" idx="11"/>
           </p:nvPr>
         </p:nvSpPr>
         <p:spPr>
@@ -8993,7 +9171,7 @@
           </a:ln>
         </p:spPr>
         <p:txBody>
-          <a:bodyPr anchorCtr="0" anchor="ctr" bIns="45700" lIns="91425" spcFirstLastPara="1" rIns="91425" wrap="square" tIns="45700">
+          <a:bodyPr spcFirstLastPara="1" wrap="square" lIns="91425" tIns="45700" rIns="91425" bIns="45700" anchor="ctr" anchorCtr="0">
             <a:noAutofit/>
           </a:bodyPr>
           <a:lstStyle>
@@ -9124,15 +9302,19 @@
               <a:defRPr/>
             </a:lvl9pPr>
           </a:lstStyle>
-          <a:p/>
+          <a:p>
+            <a:endParaRPr/>
+          </a:p>
         </p:txBody>
       </p:sp>
       <p:sp>
         <p:nvSpPr>
           <p:cNvPr id="49" name="Google Shape;49;p7"/>
-          <p:cNvSpPr txBox="1"/>
+          <p:cNvSpPr txBox="1">
+            <a:spLocks noGrp="1"/>
+          </p:cNvSpPr>
           <p:nvPr>
-            <p:ph idx="12" type="sldNum"/>
+            <p:ph type="sldNum" idx="12"/>
           </p:nvPr>
         </p:nvSpPr>
         <p:spPr>
@@ -9149,11 +9331,11 @@
           </a:ln>
         </p:spPr>
         <p:txBody>
-          <a:bodyPr anchorCtr="0" anchor="ctr" bIns="45700" lIns="91425" spcFirstLastPara="1" rIns="91425" wrap="square" tIns="45700">
+          <a:bodyPr spcFirstLastPara="1" wrap="square" lIns="91425" tIns="45700" rIns="91425" bIns="45700" anchor="ctr" anchorCtr="0">
             <a:noAutofit/>
           </a:bodyPr>
           <a:lstStyle>
-            <a:lvl1pPr indent="0" lvl="0" marL="0" marR="0" algn="r">
+            <a:lvl1pPr marL="0" marR="0" lvl="0" indent="0" algn="r">
               <a:lnSpc>
                 <a:spcPct val="100000"/>
               </a:lnSpc>
@@ -9169,7 +9351,7 @@
               <a:buSzPts val="1200"/>
               <a:buFont typeface="Arial"/>
               <a:buNone/>
-              <a:defRPr b="0" i="0" sz="1200" u="none" cap="none" strike="noStrike">
+              <a:defRPr sz="1200" b="0" i="0" u="none" strike="noStrike" cap="none">
                 <a:solidFill>
                   <a:srgbClr val="888888"/>
                 </a:solidFill>
@@ -9179,7 +9361,7 @@
                 <a:sym typeface="Calibri"/>
               </a:defRPr>
             </a:lvl1pPr>
-            <a:lvl2pPr indent="0" lvl="1" marL="0" marR="0" algn="r">
+            <a:lvl2pPr marL="0" marR="0" lvl="1" indent="0" algn="r">
               <a:lnSpc>
                 <a:spcPct val="100000"/>
               </a:lnSpc>
@@ -9195,7 +9377,7 @@
               <a:buSzPts val="1200"/>
               <a:buFont typeface="Arial"/>
               <a:buNone/>
-              <a:defRPr b="0" i="0" sz="1200" u="none" cap="none" strike="noStrike">
+              <a:defRPr sz="1200" b="0" i="0" u="none" strike="noStrike" cap="none">
                 <a:solidFill>
                   <a:srgbClr val="888888"/>
                 </a:solidFill>
@@ -9205,7 +9387,7 @@
                 <a:sym typeface="Calibri"/>
               </a:defRPr>
             </a:lvl2pPr>
-            <a:lvl3pPr indent="0" lvl="2" marL="0" marR="0" algn="r">
+            <a:lvl3pPr marL="0" marR="0" lvl="2" indent="0" algn="r">
               <a:lnSpc>
                 <a:spcPct val="100000"/>
               </a:lnSpc>
@@ -9221,7 +9403,7 @@
               <a:buSzPts val="1200"/>
               <a:buFont typeface="Arial"/>
               <a:buNone/>
-              <a:defRPr b="0" i="0" sz="1200" u="none" cap="none" strike="noStrike">
+              <a:defRPr sz="1200" b="0" i="0" u="none" strike="noStrike" cap="none">
                 <a:solidFill>
                   <a:srgbClr val="888888"/>
                 </a:solidFill>
@@ -9231,7 +9413,7 @@
                 <a:sym typeface="Calibri"/>
               </a:defRPr>
             </a:lvl3pPr>
-            <a:lvl4pPr indent="0" lvl="3" marL="0" marR="0" algn="r">
+            <a:lvl4pPr marL="0" marR="0" lvl="3" indent="0" algn="r">
               <a:lnSpc>
                 <a:spcPct val="100000"/>
               </a:lnSpc>
@@ -9247,7 +9429,7 @@
               <a:buSzPts val="1200"/>
               <a:buFont typeface="Arial"/>
               <a:buNone/>
-              <a:defRPr b="0" i="0" sz="1200" u="none" cap="none" strike="noStrike">
+              <a:defRPr sz="1200" b="0" i="0" u="none" strike="noStrike" cap="none">
                 <a:solidFill>
                   <a:srgbClr val="888888"/>
                 </a:solidFill>
@@ -9257,7 +9439,7 @@
                 <a:sym typeface="Calibri"/>
               </a:defRPr>
             </a:lvl4pPr>
-            <a:lvl5pPr indent="0" lvl="4" marL="0" marR="0" algn="r">
+            <a:lvl5pPr marL="0" marR="0" lvl="4" indent="0" algn="r">
               <a:lnSpc>
                 <a:spcPct val="100000"/>
               </a:lnSpc>
@@ -9273,7 +9455,7 @@
               <a:buSzPts val="1200"/>
               <a:buFont typeface="Arial"/>
               <a:buNone/>
-              <a:defRPr b="0" i="0" sz="1200" u="none" cap="none" strike="noStrike">
+              <a:defRPr sz="1200" b="0" i="0" u="none" strike="noStrike" cap="none">
                 <a:solidFill>
                   <a:srgbClr val="888888"/>
                 </a:solidFill>
@@ -9283,7 +9465,7 @@
                 <a:sym typeface="Calibri"/>
               </a:defRPr>
             </a:lvl5pPr>
-            <a:lvl6pPr indent="0" lvl="5" marL="0" marR="0" algn="r">
+            <a:lvl6pPr marL="0" marR="0" lvl="5" indent="0" algn="r">
               <a:lnSpc>
                 <a:spcPct val="100000"/>
               </a:lnSpc>
@@ -9299,7 +9481,7 @@
               <a:buSzPts val="1200"/>
               <a:buFont typeface="Arial"/>
               <a:buNone/>
-              <a:defRPr b="0" i="0" sz="1200" u="none" cap="none" strike="noStrike">
+              <a:defRPr sz="1200" b="0" i="0" u="none" strike="noStrike" cap="none">
                 <a:solidFill>
                   <a:srgbClr val="888888"/>
                 </a:solidFill>
@@ -9309,7 +9491,7 @@
                 <a:sym typeface="Calibri"/>
               </a:defRPr>
             </a:lvl6pPr>
-            <a:lvl7pPr indent="0" lvl="6" marL="0" marR="0" algn="r">
+            <a:lvl7pPr marL="0" marR="0" lvl="6" indent="0" algn="r">
               <a:lnSpc>
                 <a:spcPct val="100000"/>
               </a:lnSpc>
@@ -9325,7 +9507,7 @@
               <a:buSzPts val="1200"/>
               <a:buFont typeface="Arial"/>
               <a:buNone/>
-              <a:defRPr b="0" i="0" sz="1200" u="none" cap="none" strike="noStrike">
+              <a:defRPr sz="1200" b="0" i="0" u="none" strike="noStrike" cap="none">
                 <a:solidFill>
                   <a:srgbClr val="888888"/>
                 </a:solidFill>
@@ -9335,7 +9517,7 @@
                 <a:sym typeface="Calibri"/>
               </a:defRPr>
             </a:lvl7pPr>
-            <a:lvl8pPr indent="0" lvl="7" marL="0" marR="0" algn="r">
+            <a:lvl8pPr marL="0" marR="0" lvl="7" indent="0" algn="r">
               <a:lnSpc>
                 <a:spcPct val="100000"/>
               </a:lnSpc>
@@ -9351,7 +9533,7 @@
               <a:buSzPts val="1200"/>
               <a:buFont typeface="Arial"/>
               <a:buNone/>
-              <a:defRPr b="0" i="0" sz="1200" u="none" cap="none" strike="noStrike">
+              <a:defRPr sz="1200" b="0" i="0" u="none" strike="noStrike" cap="none">
                 <a:solidFill>
                   <a:srgbClr val="888888"/>
                 </a:solidFill>
@@ -9361,7 +9543,7 @@
                 <a:sym typeface="Calibri"/>
               </a:defRPr>
             </a:lvl8pPr>
-            <a:lvl9pPr indent="0" lvl="8" marL="0" marR="0" algn="r">
+            <a:lvl9pPr marL="0" marR="0" lvl="8" indent="0" algn="r">
               <a:lnSpc>
                 <a:spcPct val="100000"/>
               </a:lnSpc>
@@ -9377,7 +9559,7 @@
               <a:buSzPts val="1200"/>
               <a:buFont typeface="Arial"/>
               <a:buNone/>
-              <a:defRPr b="0" i="0" sz="1200" u="none" cap="none" strike="noStrike">
+              <a:defRPr sz="1200" b="0" i="0" u="none" strike="noStrike" cap="none">
                 <a:solidFill>
                   <a:srgbClr val="888888"/>
                 </a:solidFill>
@@ -9389,7 +9571,7 @@
             </a:lvl9pPr>
           </a:lstStyle>
           <a:p>
-            <a:pPr indent="0" lvl="0" marL="0" rtl="0" algn="r">
+            <a:pPr marL="0" lvl="0" indent="0" algn="r" rtl="0">
               <a:spcBef>
                 <a:spcPts val="0"/>
               </a:spcBef>
@@ -9415,11 +9597,11 @@
 </file>
 
 <file path=ppt/slideLayouts/slideLayout7.xml><?xml version="1.0" encoding="utf-8"?>
-<p:sldLayout xmlns:a="http://schemas.openxmlformats.org/drawingml/2006/main" xmlns:r="http://schemas.openxmlformats.org/officeDocument/2006/relationships" xmlns:mc="http://schemas.openxmlformats.org/markup-compatibility/2006" xmlns:mv="urn:schemas-microsoft-com:mac:vml" xmlns:p="http://schemas.openxmlformats.org/presentationml/2006/main" xmlns:c="http://schemas.openxmlformats.org/drawingml/2006/chart" xmlns:dgm="http://schemas.openxmlformats.org/drawingml/2006/diagram" xmlns:o="urn:schemas-microsoft-com:office:office" xmlns:v="urn:schemas-microsoft-com:vml" xmlns:pvml="urn:schemas-microsoft-com:office:powerpoint" xmlns:com="http://schemas.openxmlformats.org/drawingml/2006/compatibility" xmlns:p14="http://schemas.microsoft.com/office/powerpoint/2010/main" xmlns:p15="http://schemas.microsoft.com/office/powerpoint/2012/main" xmlns:ahyp="http://schemas.microsoft.com/office/drawing/2018/hyperlinkcolor" matchingName="Blank" type="blank">
+<p:sldLayout xmlns:a="http://schemas.openxmlformats.org/drawingml/2006/main" xmlns:r="http://schemas.openxmlformats.org/officeDocument/2006/relationships" xmlns:p="http://schemas.openxmlformats.org/presentationml/2006/main" matchingName="Blank" type="blank">
   <p:cSld name="BLANK">
     <p:spTree>
       <p:nvGrpSpPr>
-        <p:cNvPr id="50" name="Shape 50"/>
+        <p:cNvPr id="1" name="Shape 50"/>
         <p:cNvGrpSpPr/>
         <p:nvPr/>
       </p:nvGrpSpPr>
@@ -9434,9 +9616,11 @@
       <p:sp>
         <p:nvSpPr>
           <p:cNvPr id="51" name="Google Shape;51;p8"/>
-          <p:cNvSpPr txBox="1"/>
+          <p:cNvSpPr txBox="1">
+            <a:spLocks noGrp="1"/>
+          </p:cNvSpPr>
           <p:nvPr>
-            <p:ph idx="10" type="dt"/>
+            <p:ph type="dt" idx="10"/>
           </p:nvPr>
         </p:nvSpPr>
         <p:spPr>
@@ -9453,7 +9637,7 @@
           </a:ln>
         </p:spPr>
         <p:txBody>
-          <a:bodyPr anchorCtr="0" anchor="ctr" bIns="45700" lIns="91425" spcFirstLastPara="1" rIns="91425" wrap="square" tIns="45700">
+          <a:bodyPr spcFirstLastPara="1" wrap="square" lIns="91425" tIns="45700" rIns="91425" bIns="45700" anchor="ctr" anchorCtr="0">
             <a:noAutofit/>
           </a:bodyPr>
           <a:lstStyle>
@@ -9584,15 +9768,19 @@
               <a:defRPr/>
             </a:lvl9pPr>
           </a:lstStyle>
-          <a:p/>
+          <a:p>
+            <a:endParaRPr/>
+          </a:p>
         </p:txBody>
       </p:sp>
       <p:sp>
         <p:nvSpPr>
           <p:cNvPr id="52" name="Google Shape;52;p8"/>
-          <p:cNvSpPr txBox="1"/>
+          <p:cNvSpPr txBox="1">
+            <a:spLocks noGrp="1"/>
+          </p:cNvSpPr>
           <p:nvPr>
-            <p:ph idx="11" type="ftr"/>
+            <p:ph type="ftr" idx="11"/>
           </p:nvPr>
         </p:nvSpPr>
         <p:spPr>
@@ -9609,7 +9797,7 @@
           </a:ln>
         </p:spPr>
         <p:txBody>
-          <a:bodyPr anchorCtr="0" anchor="ctr" bIns="45700" lIns="91425" spcFirstLastPara="1" rIns="91425" wrap="square" tIns="45700">
+          <a:bodyPr spcFirstLastPara="1" wrap="square" lIns="91425" tIns="45700" rIns="91425" bIns="45700" anchor="ctr" anchorCtr="0">
             <a:noAutofit/>
           </a:bodyPr>
           <a:lstStyle>
@@ -9740,15 +9928,19 @@
               <a:defRPr/>
             </a:lvl9pPr>
           </a:lstStyle>
-          <a:p/>
+          <a:p>
+            <a:endParaRPr/>
+          </a:p>
         </p:txBody>
       </p:sp>
       <p:sp>
         <p:nvSpPr>
           <p:cNvPr id="53" name="Google Shape;53;p8"/>
-          <p:cNvSpPr txBox="1"/>
+          <p:cNvSpPr txBox="1">
+            <a:spLocks noGrp="1"/>
+          </p:cNvSpPr>
           <p:nvPr>
-            <p:ph idx="12" type="sldNum"/>
+            <p:ph type="sldNum" idx="12"/>
           </p:nvPr>
         </p:nvSpPr>
         <p:spPr>
@@ -9765,11 +9957,11 @@
           </a:ln>
         </p:spPr>
         <p:txBody>
-          <a:bodyPr anchorCtr="0" anchor="ctr" bIns="45700" lIns="91425" spcFirstLastPara="1" rIns="91425" wrap="square" tIns="45700">
+          <a:bodyPr spcFirstLastPara="1" wrap="square" lIns="91425" tIns="45700" rIns="91425" bIns="45700" anchor="ctr" anchorCtr="0">
             <a:noAutofit/>
           </a:bodyPr>
           <a:lstStyle>
-            <a:lvl1pPr indent="0" lvl="0" marL="0" marR="0" algn="r">
+            <a:lvl1pPr marL="0" marR="0" lvl="0" indent="0" algn="r">
               <a:lnSpc>
                 <a:spcPct val="100000"/>
               </a:lnSpc>
@@ -9785,7 +9977,7 @@
               <a:buSzPts val="1200"/>
               <a:buFont typeface="Arial"/>
               <a:buNone/>
-              <a:defRPr b="0" i="0" sz="1200" u="none" cap="none" strike="noStrike">
+              <a:defRPr sz="1200" b="0" i="0" u="none" strike="noStrike" cap="none">
                 <a:solidFill>
                   <a:srgbClr val="888888"/>
                 </a:solidFill>
@@ -9795,7 +9987,7 @@
                 <a:sym typeface="Calibri"/>
               </a:defRPr>
             </a:lvl1pPr>
-            <a:lvl2pPr indent="0" lvl="1" marL="0" marR="0" algn="r">
+            <a:lvl2pPr marL="0" marR="0" lvl="1" indent="0" algn="r">
               <a:lnSpc>
                 <a:spcPct val="100000"/>
               </a:lnSpc>
@@ -9811,7 +10003,7 @@
               <a:buSzPts val="1200"/>
               <a:buFont typeface="Arial"/>
               <a:buNone/>
-              <a:defRPr b="0" i="0" sz="1200" u="none" cap="none" strike="noStrike">
+              <a:defRPr sz="1200" b="0" i="0" u="none" strike="noStrike" cap="none">
                 <a:solidFill>
                   <a:srgbClr val="888888"/>
                 </a:solidFill>
@@ -9821,7 +10013,7 @@
                 <a:sym typeface="Calibri"/>
               </a:defRPr>
             </a:lvl2pPr>
-            <a:lvl3pPr indent="0" lvl="2" marL="0" marR="0" algn="r">
+            <a:lvl3pPr marL="0" marR="0" lvl="2" indent="0" algn="r">
               <a:lnSpc>
                 <a:spcPct val="100000"/>
               </a:lnSpc>
@@ -9837,7 +10029,7 @@
               <a:buSzPts val="1200"/>
               <a:buFont typeface="Arial"/>
               <a:buNone/>
-              <a:defRPr b="0" i="0" sz="1200" u="none" cap="none" strike="noStrike">
+              <a:defRPr sz="1200" b="0" i="0" u="none" strike="noStrike" cap="none">
                 <a:solidFill>
                   <a:srgbClr val="888888"/>
                 </a:solidFill>
@@ -9847,7 +10039,7 @@
                 <a:sym typeface="Calibri"/>
               </a:defRPr>
             </a:lvl3pPr>
-            <a:lvl4pPr indent="0" lvl="3" marL="0" marR="0" algn="r">
+            <a:lvl4pPr marL="0" marR="0" lvl="3" indent="0" algn="r">
               <a:lnSpc>
                 <a:spcPct val="100000"/>
               </a:lnSpc>
@@ -9863,7 +10055,7 @@
               <a:buSzPts val="1200"/>
               <a:buFont typeface="Arial"/>
               <a:buNone/>
-              <a:defRPr b="0" i="0" sz="1200" u="none" cap="none" strike="noStrike">
+              <a:defRPr sz="1200" b="0" i="0" u="none" strike="noStrike" cap="none">
                 <a:solidFill>
                   <a:srgbClr val="888888"/>
                 </a:solidFill>
@@ -9873,7 +10065,7 @@
                 <a:sym typeface="Calibri"/>
               </a:defRPr>
             </a:lvl4pPr>
-            <a:lvl5pPr indent="0" lvl="4" marL="0" marR="0" algn="r">
+            <a:lvl5pPr marL="0" marR="0" lvl="4" indent="0" algn="r">
               <a:lnSpc>
                 <a:spcPct val="100000"/>
               </a:lnSpc>
@@ -9889,7 +10081,7 @@
               <a:buSzPts val="1200"/>
               <a:buFont typeface="Arial"/>
               <a:buNone/>
-              <a:defRPr b="0" i="0" sz="1200" u="none" cap="none" strike="noStrike">
+              <a:defRPr sz="1200" b="0" i="0" u="none" strike="noStrike" cap="none">
                 <a:solidFill>
                   <a:srgbClr val="888888"/>
                 </a:solidFill>
@@ -9899,7 +10091,7 @@
                 <a:sym typeface="Calibri"/>
               </a:defRPr>
             </a:lvl5pPr>
-            <a:lvl6pPr indent="0" lvl="5" marL="0" marR="0" algn="r">
+            <a:lvl6pPr marL="0" marR="0" lvl="5" indent="0" algn="r">
               <a:lnSpc>
                 <a:spcPct val="100000"/>
               </a:lnSpc>
@@ -9915,7 +10107,7 @@
               <a:buSzPts val="1200"/>
               <a:buFont typeface="Arial"/>
               <a:buNone/>
-              <a:defRPr b="0" i="0" sz="1200" u="none" cap="none" strike="noStrike">
+              <a:defRPr sz="1200" b="0" i="0" u="none" strike="noStrike" cap="none">
                 <a:solidFill>
                   <a:srgbClr val="888888"/>
                 </a:solidFill>
@@ -9925,7 +10117,7 @@
                 <a:sym typeface="Calibri"/>
               </a:defRPr>
             </a:lvl6pPr>
-            <a:lvl7pPr indent="0" lvl="6" marL="0" marR="0" algn="r">
+            <a:lvl7pPr marL="0" marR="0" lvl="6" indent="0" algn="r">
               <a:lnSpc>
                 <a:spcPct val="100000"/>
               </a:lnSpc>
@@ -9941,7 +10133,7 @@
               <a:buSzPts val="1200"/>
               <a:buFont typeface="Arial"/>
               <a:buNone/>
-              <a:defRPr b="0" i="0" sz="1200" u="none" cap="none" strike="noStrike">
+              <a:defRPr sz="1200" b="0" i="0" u="none" strike="noStrike" cap="none">
                 <a:solidFill>
                   <a:srgbClr val="888888"/>
                 </a:solidFill>
@@ -9951,7 +10143,7 @@
                 <a:sym typeface="Calibri"/>
               </a:defRPr>
             </a:lvl7pPr>
-            <a:lvl8pPr indent="0" lvl="7" marL="0" marR="0" algn="r">
+            <a:lvl8pPr marL="0" marR="0" lvl="7" indent="0" algn="r">
               <a:lnSpc>
                 <a:spcPct val="100000"/>
               </a:lnSpc>
@@ -9967,7 +10159,7 @@
               <a:buSzPts val="1200"/>
               <a:buFont typeface="Arial"/>
               <a:buNone/>
-              <a:defRPr b="0" i="0" sz="1200" u="none" cap="none" strike="noStrike">
+              <a:defRPr sz="1200" b="0" i="0" u="none" strike="noStrike" cap="none">
                 <a:solidFill>
                   <a:srgbClr val="888888"/>
                 </a:solidFill>
@@ -9977,7 +10169,7 @@
                 <a:sym typeface="Calibri"/>
               </a:defRPr>
             </a:lvl8pPr>
-            <a:lvl9pPr indent="0" lvl="8" marL="0" marR="0" algn="r">
+            <a:lvl9pPr marL="0" marR="0" lvl="8" indent="0" algn="r">
               <a:lnSpc>
                 <a:spcPct val="100000"/>
               </a:lnSpc>
@@ -9993,7 +10185,7 @@
               <a:buSzPts val="1200"/>
               <a:buFont typeface="Arial"/>
               <a:buNone/>
-              <a:defRPr b="0" i="0" sz="1200" u="none" cap="none" strike="noStrike">
+              <a:defRPr sz="1200" b="0" i="0" u="none" strike="noStrike" cap="none">
                 <a:solidFill>
                   <a:srgbClr val="888888"/>
                 </a:solidFill>
@@ -10005,7 +10197,7 @@
             </a:lvl9pPr>
           </a:lstStyle>
           <a:p>
-            <a:pPr indent="0" lvl="0" marL="0" rtl="0" algn="r">
+            <a:pPr marL="0" lvl="0" indent="0" algn="r" rtl="0">
               <a:spcBef>
                 <a:spcPts val="0"/>
               </a:spcBef>
@@ -10031,11 +10223,11 @@
 </file>
 
 <file path=ppt/slideLayouts/slideLayout8.xml><?xml version="1.0" encoding="utf-8"?>
-<p:sldLayout xmlns:a="http://schemas.openxmlformats.org/drawingml/2006/main" xmlns:r="http://schemas.openxmlformats.org/officeDocument/2006/relationships" xmlns:mc="http://schemas.openxmlformats.org/markup-compatibility/2006" xmlns:mv="urn:schemas-microsoft-com:mac:vml" xmlns:p="http://schemas.openxmlformats.org/presentationml/2006/main" xmlns:c="http://schemas.openxmlformats.org/drawingml/2006/chart" xmlns:dgm="http://schemas.openxmlformats.org/drawingml/2006/diagram" xmlns:o="urn:schemas-microsoft-com:office:office" xmlns:v="urn:schemas-microsoft-com:vml" xmlns:pvml="urn:schemas-microsoft-com:office:powerpoint" xmlns:com="http://schemas.openxmlformats.org/drawingml/2006/compatibility" xmlns:p14="http://schemas.microsoft.com/office/powerpoint/2010/main" xmlns:p15="http://schemas.microsoft.com/office/powerpoint/2012/main" xmlns:ahyp="http://schemas.microsoft.com/office/drawing/2018/hyperlinkcolor" matchingName="Content with Caption" type="objTx">
+<p:sldLayout xmlns:a="http://schemas.openxmlformats.org/drawingml/2006/main" xmlns:r="http://schemas.openxmlformats.org/officeDocument/2006/relationships" xmlns:p="http://schemas.openxmlformats.org/presentationml/2006/main" matchingName="Content with Caption" type="objTx">
   <p:cSld name="OBJECT_WITH_CAPTION_TEXT">
     <p:spTree>
       <p:nvGrpSpPr>
-        <p:cNvPr id="54" name="Shape 54"/>
+        <p:cNvPr id="1" name="Shape 54"/>
         <p:cNvGrpSpPr/>
         <p:nvPr/>
       </p:nvGrpSpPr>
@@ -10050,7 +10242,9 @@
       <p:sp>
         <p:nvSpPr>
           <p:cNvPr id="55" name="Google Shape;55;p9"/>
-          <p:cNvSpPr txBox="1"/>
+          <p:cNvSpPr txBox="1">
+            <a:spLocks noGrp="1"/>
+          </p:cNvSpPr>
           <p:nvPr>
             <p:ph type="title"/>
           </p:nvPr>
@@ -10069,7 +10263,7 @@
           </a:ln>
         </p:spPr>
         <p:txBody>
-          <a:bodyPr anchorCtr="0" anchor="b" bIns="45700" lIns="91425" spcFirstLastPara="1" rIns="91425" wrap="square" tIns="45700">
+          <a:bodyPr spcFirstLastPara="1" wrap="square" lIns="91425" tIns="45700" rIns="91425" bIns="45700" anchor="b" anchorCtr="0">
             <a:noAutofit/>
           </a:bodyPr>
           <a:lstStyle>
@@ -10204,15 +10398,19 @@
               <a:defRPr/>
             </a:lvl9pPr>
           </a:lstStyle>
-          <a:p/>
+          <a:p>
+            <a:endParaRPr/>
+          </a:p>
         </p:txBody>
       </p:sp>
       <p:sp>
         <p:nvSpPr>
           <p:cNvPr id="56" name="Google Shape;56;p9"/>
-          <p:cNvSpPr txBox="1"/>
+          <p:cNvSpPr txBox="1">
+            <a:spLocks noGrp="1"/>
+          </p:cNvSpPr>
           <p:nvPr>
-            <p:ph idx="1" type="body"/>
+            <p:ph type="body" idx="1"/>
           </p:nvPr>
         </p:nvSpPr>
         <p:spPr>
@@ -10229,11 +10427,11 @@
           </a:ln>
         </p:spPr>
         <p:txBody>
-          <a:bodyPr anchorCtr="0" anchor="t" bIns="45700" lIns="91425" spcFirstLastPara="1" rIns="91425" wrap="square" tIns="45700">
+          <a:bodyPr spcFirstLastPara="1" wrap="square" lIns="91425" tIns="45700" rIns="91425" bIns="45700" anchor="t" anchorCtr="0">
             <a:noAutofit/>
           </a:bodyPr>
           <a:lstStyle>
-            <a:lvl1pPr indent="-431800" lvl="0" marL="457200" algn="l">
+            <a:lvl1pPr marL="457200" lvl="0" indent="-431800" algn="l">
               <a:lnSpc>
                 <a:spcPct val="90000"/>
               </a:lnSpc>
@@ -10250,7 +10448,7 @@
               <a:buChar char="•"/>
               <a:defRPr sz="3200"/>
             </a:lvl1pPr>
-            <a:lvl2pPr indent="-406400" lvl="1" marL="914400" algn="l">
+            <a:lvl2pPr marL="914400" lvl="1" indent="-406400" algn="l">
               <a:lnSpc>
                 <a:spcPct val="90000"/>
               </a:lnSpc>
@@ -10267,7 +10465,7 @@
               <a:buChar char="•"/>
               <a:defRPr sz="2800"/>
             </a:lvl2pPr>
-            <a:lvl3pPr indent="-381000" lvl="2" marL="1371600" algn="l">
+            <a:lvl3pPr marL="1371600" lvl="2" indent="-381000" algn="l">
               <a:lnSpc>
                 <a:spcPct val="90000"/>
               </a:lnSpc>
@@ -10284,7 +10482,7 @@
               <a:buChar char="•"/>
               <a:defRPr sz="2400"/>
             </a:lvl3pPr>
-            <a:lvl4pPr indent="-355600" lvl="3" marL="1828800" algn="l">
+            <a:lvl4pPr marL="1828800" lvl="3" indent="-355600" algn="l">
               <a:lnSpc>
                 <a:spcPct val="90000"/>
               </a:lnSpc>
@@ -10301,7 +10499,7 @@
               <a:buChar char="•"/>
               <a:defRPr sz="2000"/>
             </a:lvl4pPr>
-            <a:lvl5pPr indent="-355600" lvl="4" marL="2286000" algn="l">
+            <a:lvl5pPr marL="2286000" lvl="4" indent="-355600" algn="l">
               <a:lnSpc>
                 <a:spcPct val="90000"/>
               </a:lnSpc>
@@ -10318,7 +10516,7 @@
               <a:buChar char="•"/>
               <a:defRPr sz="2000"/>
             </a:lvl5pPr>
-            <a:lvl6pPr indent="-355600" lvl="5" marL="2743200" algn="l">
+            <a:lvl6pPr marL="2743200" lvl="5" indent="-355600" algn="l">
               <a:lnSpc>
                 <a:spcPct val="90000"/>
               </a:lnSpc>
@@ -10335,7 +10533,7 @@
               <a:buChar char="•"/>
               <a:defRPr sz="2000"/>
             </a:lvl6pPr>
-            <a:lvl7pPr indent="-355600" lvl="6" marL="3200400" algn="l">
+            <a:lvl7pPr marL="3200400" lvl="6" indent="-355600" algn="l">
               <a:lnSpc>
                 <a:spcPct val="90000"/>
               </a:lnSpc>
@@ -10352,7 +10550,7 @@
               <a:buChar char="•"/>
               <a:defRPr sz="2000"/>
             </a:lvl7pPr>
-            <a:lvl8pPr indent="-355600" lvl="7" marL="3657600" algn="l">
+            <a:lvl8pPr marL="3657600" lvl="7" indent="-355600" algn="l">
               <a:lnSpc>
                 <a:spcPct val="90000"/>
               </a:lnSpc>
@@ -10369,7 +10567,7 @@
               <a:buChar char="•"/>
               <a:defRPr sz="2000"/>
             </a:lvl8pPr>
-            <a:lvl9pPr indent="-355600" lvl="8" marL="4114800" algn="l">
+            <a:lvl9pPr marL="4114800" lvl="8" indent="-355600" algn="l">
               <a:lnSpc>
                 <a:spcPct val="90000"/>
               </a:lnSpc>
@@ -10387,15 +10585,19 @@
               <a:defRPr sz="2000"/>
             </a:lvl9pPr>
           </a:lstStyle>
-          <a:p/>
+          <a:p>
+            <a:endParaRPr/>
+          </a:p>
         </p:txBody>
       </p:sp>
       <p:sp>
         <p:nvSpPr>
           <p:cNvPr id="57" name="Google Shape;57;p9"/>
-          <p:cNvSpPr txBox="1"/>
+          <p:cNvSpPr txBox="1">
+            <a:spLocks noGrp="1"/>
+          </p:cNvSpPr>
           <p:nvPr>
-            <p:ph idx="2" type="body"/>
+            <p:ph type="body" idx="2"/>
           </p:nvPr>
         </p:nvSpPr>
         <p:spPr>
@@ -10412,11 +10614,11 @@
           </a:ln>
         </p:spPr>
         <p:txBody>
-          <a:bodyPr anchorCtr="0" anchor="t" bIns="45700" lIns="91425" spcFirstLastPara="1" rIns="91425" wrap="square" tIns="45700">
+          <a:bodyPr spcFirstLastPara="1" wrap="square" lIns="91425" tIns="45700" rIns="91425" bIns="45700" anchor="t" anchorCtr="0">
             <a:noAutofit/>
           </a:bodyPr>
           <a:lstStyle>
-            <a:lvl1pPr indent="-228600" lvl="0" marL="457200" algn="l">
+            <a:lvl1pPr marL="457200" lvl="0" indent="-228600" algn="l">
               <a:lnSpc>
                 <a:spcPct val="90000"/>
               </a:lnSpc>
@@ -10433,7 +10635,7 @@
               <a:buNone/>
               <a:defRPr sz="1600"/>
             </a:lvl1pPr>
-            <a:lvl2pPr indent="-228600" lvl="1" marL="914400" algn="l">
+            <a:lvl2pPr marL="914400" lvl="1" indent="-228600" algn="l">
               <a:lnSpc>
                 <a:spcPct val="90000"/>
               </a:lnSpc>
@@ -10450,7 +10652,7 @@
               <a:buNone/>
               <a:defRPr sz="1400"/>
             </a:lvl2pPr>
-            <a:lvl3pPr indent="-228600" lvl="2" marL="1371600" algn="l">
+            <a:lvl3pPr marL="1371600" lvl="2" indent="-228600" algn="l">
               <a:lnSpc>
                 <a:spcPct val="90000"/>
               </a:lnSpc>
@@ -10467,7 +10669,7 @@
               <a:buNone/>
               <a:defRPr sz="1200"/>
             </a:lvl3pPr>
-            <a:lvl4pPr indent="-228600" lvl="3" marL="1828800" algn="l">
+            <a:lvl4pPr marL="1828800" lvl="3" indent="-228600" algn="l">
               <a:lnSpc>
                 <a:spcPct val="90000"/>
               </a:lnSpc>
@@ -10484,7 +10686,7 @@
               <a:buNone/>
               <a:defRPr sz="1000"/>
             </a:lvl4pPr>
-            <a:lvl5pPr indent="-228600" lvl="4" marL="2286000" algn="l">
+            <a:lvl5pPr marL="2286000" lvl="4" indent="-228600" algn="l">
               <a:lnSpc>
                 <a:spcPct val="90000"/>
               </a:lnSpc>
@@ -10501,7 +10703,7 @@
               <a:buNone/>
               <a:defRPr sz="1000"/>
             </a:lvl5pPr>
-            <a:lvl6pPr indent="-228600" lvl="5" marL="2743200" algn="l">
+            <a:lvl6pPr marL="2743200" lvl="5" indent="-228600" algn="l">
               <a:lnSpc>
                 <a:spcPct val="90000"/>
               </a:lnSpc>
@@ -10518,7 +10720,7 @@
               <a:buNone/>
               <a:defRPr sz="1000"/>
             </a:lvl6pPr>
-            <a:lvl7pPr indent="-228600" lvl="6" marL="3200400" algn="l">
+            <a:lvl7pPr marL="3200400" lvl="6" indent="-228600" algn="l">
               <a:lnSpc>
                 <a:spcPct val="90000"/>
               </a:lnSpc>
@@ -10535,7 +10737,7 @@
               <a:buNone/>
               <a:defRPr sz="1000"/>
             </a:lvl7pPr>
-            <a:lvl8pPr indent="-228600" lvl="7" marL="3657600" algn="l">
+            <a:lvl8pPr marL="3657600" lvl="7" indent="-228600" algn="l">
               <a:lnSpc>
                 <a:spcPct val="90000"/>
               </a:lnSpc>
@@ -10552,7 +10754,7 @@
               <a:buNone/>
               <a:defRPr sz="1000"/>
             </a:lvl8pPr>
-            <a:lvl9pPr indent="-228600" lvl="8" marL="4114800" algn="l">
+            <a:lvl9pPr marL="4114800" lvl="8" indent="-228600" algn="l">
               <a:lnSpc>
                 <a:spcPct val="90000"/>
               </a:lnSpc>
@@ -10570,15 +10772,19 @@
               <a:defRPr sz="1000"/>
             </a:lvl9pPr>
           </a:lstStyle>
-          <a:p/>
+          <a:p>
+            <a:endParaRPr/>
+          </a:p>
         </p:txBody>
       </p:sp>
       <p:sp>
         <p:nvSpPr>
           <p:cNvPr id="58" name="Google Shape;58;p9"/>
-          <p:cNvSpPr txBox="1"/>
+          <p:cNvSpPr txBox="1">
+            <a:spLocks noGrp="1"/>
+          </p:cNvSpPr>
           <p:nvPr>
-            <p:ph idx="10" type="dt"/>
+            <p:ph type="dt" idx="10"/>
           </p:nvPr>
         </p:nvSpPr>
         <p:spPr>
@@ -10595,7 +10801,7 @@
           </a:ln>
         </p:spPr>
         <p:txBody>
-          <a:bodyPr anchorCtr="0" anchor="ctr" bIns="45700" lIns="91425" spcFirstLastPara="1" rIns="91425" wrap="square" tIns="45700">
+          <a:bodyPr spcFirstLastPara="1" wrap="square" lIns="91425" tIns="45700" rIns="91425" bIns="45700" anchor="ctr" anchorCtr="0">
             <a:noAutofit/>
           </a:bodyPr>
           <a:lstStyle>
@@ -10726,15 +10932,19 @@
               <a:defRPr/>
             </a:lvl9pPr>
           </a:lstStyle>
-          <a:p/>
+          <a:p>
+            <a:endParaRPr/>
+          </a:p>
         </p:txBody>
       </p:sp>
       <p:sp>
         <p:nvSpPr>
           <p:cNvPr id="59" name="Google Shape;59;p9"/>
-          <p:cNvSpPr txBox="1"/>
+          <p:cNvSpPr txBox="1">
+            <a:spLocks noGrp="1"/>
+          </p:cNvSpPr>
           <p:nvPr>
-            <p:ph idx="11" type="ftr"/>
+            <p:ph type="ftr" idx="11"/>
           </p:nvPr>
         </p:nvSpPr>
         <p:spPr>
@@ -10751,7 +10961,7 @@
           </a:ln>
         </p:spPr>
         <p:txBody>
-          <a:bodyPr anchorCtr="0" anchor="ctr" bIns="45700" lIns="91425" spcFirstLastPara="1" rIns="91425" wrap="square" tIns="45700">
+          <a:bodyPr spcFirstLastPara="1" wrap="square" lIns="91425" tIns="45700" rIns="91425" bIns="45700" anchor="ctr" anchorCtr="0">
             <a:noAutofit/>
           </a:bodyPr>
           <a:lstStyle>
@@ -10882,15 +11092,19 @@
               <a:defRPr/>
             </a:lvl9pPr>
           </a:lstStyle>
-          <a:p/>
+          <a:p>
+            <a:endParaRPr/>
+          </a:p>
         </p:txBody>
       </p:sp>
       <p:sp>
         <p:nvSpPr>
           <p:cNvPr id="60" name="Google Shape;60;p9"/>
-          <p:cNvSpPr txBox="1"/>
+          <p:cNvSpPr txBox="1">
+            <a:spLocks noGrp="1"/>
+          </p:cNvSpPr>
           <p:nvPr>
-            <p:ph idx="12" type="sldNum"/>
+            <p:ph type="sldNum" idx="12"/>
           </p:nvPr>
         </p:nvSpPr>
         <p:spPr>
@@ -10907,11 +11121,11 @@
           </a:ln>
         </p:spPr>
         <p:txBody>
-          <a:bodyPr anchorCtr="0" anchor="ctr" bIns="45700" lIns="91425" spcFirstLastPara="1" rIns="91425" wrap="square" tIns="45700">
+          <a:bodyPr spcFirstLastPara="1" wrap="square" lIns="91425" tIns="45700" rIns="91425" bIns="45700" anchor="ctr" anchorCtr="0">
             <a:noAutofit/>
           </a:bodyPr>
           <a:lstStyle>
-            <a:lvl1pPr indent="0" lvl="0" marL="0" marR="0" algn="r">
+            <a:lvl1pPr marL="0" marR="0" lvl="0" indent="0" algn="r">
               <a:lnSpc>
                 <a:spcPct val="100000"/>
               </a:lnSpc>
@@ -10927,7 +11141,7 @@
               <a:buSzPts val="1200"/>
               <a:buFont typeface="Arial"/>
               <a:buNone/>
-              <a:defRPr b="0" i="0" sz="1200" u="none" cap="none" strike="noStrike">
+              <a:defRPr sz="1200" b="0" i="0" u="none" strike="noStrike" cap="none">
                 <a:solidFill>
                   <a:srgbClr val="888888"/>
                 </a:solidFill>
@@ -10937,7 +11151,7 @@
                 <a:sym typeface="Calibri"/>
               </a:defRPr>
             </a:lvl1pPr>
-            <a:lvl2pPr indent="0" lvl="1" marL="0" marR="0" algn="r">
+            <a:lvl2pPr marL="0" marR="0" lvl="1" indent="0" algn="r">
               <a:lnSpc>
                 <a:spcPct val="100000"/>
               </a:lnSpc>
@@ -10953,7 +11167,7 @@
               <a:buSzPts val="1200"/>
               <a:buFont typeface="Arial"/>
               <a:buNone/>
-              <a:defRPr b="0" i="0" sz="1200" u="none" cap="none" strike="noStrike">
+              <a:defRPr sz="1200" b="0" i="0" u="none" strike="noStrike" cap="none">
                 <a:solidFill>
                   <a:srgbClr val="888888"/>
                 </a:solidFill>
@@ -10963,7 +11177,7 @@
                 <a:sym typeface="Calibri"/>
               </a:defRPr>
             </a:lvl2pPr>
-            <a:lvl3pPr indent="0" lvl="2" marL="0" marR="0" algn="r">
+            <a:lvl3pPr marL="0" marR="0" lvl="2" indent="0" algn="r">
               <a:lnSpc>
                 <a:spcPct val="100000"/>
               </a:lnSpc>
@@ -10979,7 +11193,7 @@
               <a:buSzPts val="1200"/>
               <a:buFont typeface="Arial"/>
               <a:buNone/>
-              <a:defRPr b="0" i="0" sz="1200" u="none" cap="none" strike="noStrike">
+              <a:defRPr sz="1200" b="0" i="0" u="none" strike="noStrike" cap="none">
                 <a:solidFill>
                   <a:srgbClr val="888888"/>
                 </a:solidFill>
@@ -10989,7 +11203,7 @@
                 <a:sym typeface="Calibri"/>
               </a:defRPr>
             </a:lvl3pPr>
-            <a:lvl4pPr indent="0" lvl="3" marL="0" marR="0" algn="r">
+            <a:lvl4pPr marL="0" marR="0" lvl="3" indent="0" algn="r">
               <a:lnSpc>
                 <a:spcPct val="100000"/>
               </a:lnSpc>
@@ -11005,7 +11219,7 @@
               <a:buSzPts val="1200"/>
               <a:buFont typeface="Arial"/>
               <a:buNone/>
-              <a:defRPr b="0" i="0" sz="1200" u="none" cap="none" strike="noStrike">
+              <a:defRPr sz="1200" b="0" i="0" u="none" strike="noStrike" cap="none">
                 <a:solidFill>
                   <a:srgbClr val="888888"/>
                 </a:solidFill>
@@ -11015,7 +11229,7 @@
                 <a:sym typeface="Calibri"/>
               </a:defRPr>
             </a:lvl4pPr>
-            <a:lvl5pPr indent="0" lvl="4" marL="0" marR="0" algn="r">
+            <a:lvl5pPr marL="0" marR="0" lvl="4" indent="0" algn="r">
               <a:lnSpc>
                 <a:spcPct val="100000"/>
               </a:lnSpc>
@@ -11031,7 +11245,7 @@
               <a:buSzPts val="1200"/>
               <a:buFont typeface="Arial"/>
               <a:buNone/>
-              <a:defRPr b="0" i="0" sz="1200" u="none" cap="none" strike="noStrike">
+              <a:defRPr sz="1200" b="0" i="0" u="none" strike="noStrike" cap="none">
                 <a:solidFill>
                   <a:srgbClr val="888888"/>
                 </a:solidFill>
@@ -11041,7 +11255,7 @@
                 <a:sym typeface="Calibri"/>
               </a:defRPr>
             </a:lvl5pPr>
-            <a:lvl6pPr indent="0" lvl="5" marL="0" marR="0" algn="r">
+            <a:lvl6pPr marL="0" marR="0" lvl="5" indent="0" algn="r">
               <a:lnSpc>
                 <a:spcPct val="100000"/>
               </a:lnSpc>
@@ -11057,7 +11271,7 @@
               <a:buSzPts val="1200"/>
               <a:buFont typeface="Arial"/>
               <a:buNone/>
-              <a:defRPr b="0" i="0" sz="1200" u="none" cap="none" strike="noStrike">
+              <a:defRPr sz="1200" b="0" i="0" u="none" strike="noStrike" cap="none">
                 <a:solidFill>
                   <a:srgbClr val="888888"/>
                 </a:solidFill>
@@ -11067,7 +11281,7 @@
                 <a:sym typeface="Calibri"/>
               </a:defRPr>
             </a:lvl6pPr>
-            <a:lvl7pPr indent="0" lvl="6" marL="0" marR="0" algn="r">
+            <a:lvl7pPr marL="0" marR="0" lvl="6" indent="0" algn="r">
               <a:lnSpc>
                 <a:spcPct val="100000"/>
               </a:lnSpc>
@@ -11083,7 +11297,7 @@
               <a:buSzPts val="1200"/>
               <a:buFont typeface="Arial"/>
               <a:buNone/>
-              <a:defRPr b="0" i="0" sz="1200" u="none" cap="none" strike="noStrike">
+              <a:defRPr sz="1200" b="0" i="0" u="none" strike="noStrike" cap="none">
                 <a:solidFill>
                   <a:srgbClr val="888888"/>
                 </a:solidFill>
@@ -11093,7 +11307,7 @@
                 <a:sym typeface="Calibri"/>
               </a:defRPr>
             </a:lvl7pPr>
-            <a:lvl8pPr indent="0" lvl="7" marL="0" marR="0" algn="r">
+            <a:lvl8pPr marL="0" marR="0" lvl="7" indent="0" algn="r">
               <a:lnSpc>
                 <a:spcPct val="100000"/>
               </a:lnSpc>
@@ -11109,7 +11323,7 @@
               <a:buSzPts val="1200"/>
               <a:buFont typeface="Arial"/>
               <a:buNone/>
-              <a:defRPr b="0" i="0" sz="1200" u="none" cap="none" strike="noStrike">
+              <a:defRPr sz="1200" b="0" i="0" u="none" strike="noStrike" cap="none">
                 <a:solidFill>
                   <a:srgbClr val="888888"/>
                 </a:solidFill>
@@ -11119,7 +11333,7 @@
                 <a:sym typeface="Calibri"/>
               </a:defRPr>
             </a:lvl8pPr>
-            <a:lvl9pPr indent="0" lvl="8" marL="0" marR="0" algn="r">
+            <a:lvl9pPr marL="0" marR="0" lvl="8" indent="0" algn="r">
               <a:lnSpc>
                 <a:spcPct val="100000"/>
               </a:lnSpc>
@@ -11135,7 +11349,7 @@
               <a:buSzPts val="1200"/>
               <a:buFont typeface="Arial"/>
               <a:buNone/>
-              <a:defRPr b="0" i="0" sz="1200" u="none" cap="none" strike="noStrike">
+              <a:defRPr sz="1200" b="0" i="0" u="none" strike="noStrike" cap="none">
                 <a:solidFill>
                   <a:srgbClr val="888888"/>
                 </a:solidFill>
@@ -11147,7 +11361,7 @@
             </a:lvl9pPr>
           </a:lstStyle>
           <a:p>
-            <a:pPr indent="0" lvl="0" marL="0" rtl="0" algn="r">
+            <a:pPr marL="0" lvl="0" indent="0" algn="r" rtl="0">
               <a:spcBef>
                 <a:spcPts val="0"/>
               </a:spcBef>
@@ -11173,11 +11387,11 @@
 </file>
 
 <file path=ppt/slideLayouts/slideLayout9.xml><?xml version="1.0" encoding="utf-8"?>
-<p:sldLayout xmlns:a="http://schemas.openxmlformats.org/drawingml/2006/main" xmlns:r="http://schemas.openxmlformats.org/officeDocument/2006/relationships" xmlns:mc="http://schemas.openxmlformats.org/markup-compatibility/2006" xmlns:mv="urn:schemas-microsoft-com:mac:vml" xmlns:p="http://schemas.openxmlformats.org/presentationml/2006/main" xmlns:c="http://schemas.openxmlformats.org/drawingml/2006/chart" xmlns:dgm="http://schemas.openxmlformats.org/drawingml/2006/diagram" xmlns:o="urn:schemas-microsoft-com:office:office" xmlns:v="urn:schemas-microsoft-com:vml" xmlns:pvml="urn:schemas-microsoft-com:office:powerpoint" xmlns:com="http://schemas.openxmlformats.org/drawingml/2006/compatibility" xmlns:p14="http://schemas.microsoft.com/office/powerpoint/2010/main" xmlns:p15="http://schemas.microsoft.com/office/powerpoint/2012/main" xmlns:ahyp="http://schemas.microsoft.com/office/drawing/2018/hyperlinkcolor" matchingName="Picture with Caption" type="picTx">
+<p:sldLayout xmlns:a="http://schemas.openxmlformats.org/drawingml/2006/main" xmlns:r="http://schemas.openxmlformats.org/officeDocument/2006/relationships" xmlns:p="http://schemas.openxmlformats.org/presentationml/2006/main" matchingName="Picture with Caption" type="picTx">
   <p:cSld name="PICTURE_WITH_CAPTION_TEXT">
     <p:spTree>
       <p:nvGrpSpPr>
-        <p:cNvPr id="61" name="Shape 61"/>
+        <p:cNvPr id="1" name="Shape 61"/>
         <p:cNvGrpSpPr/>
         <p:nvPr/>
       </p:nvGrpSpPr>
@@ -11192,7 +11406,9 @@
       <p:sp>
         <p:nvSpPr>
           <p:cNvPr id="62" name="Google Shape;62;p10"/>
-          <p:cNvSpPr txBox="1"/>
+          <p:cNvSpPr txBox="1">
+            <a:spLocks noGrp="1"/>
+          </p:cNvSpPr>
           <p:nvPr>
             <p:ph type="title"/>
           </p:nvPr>
@@ -11211,7 +11427,7 @@
           </a:ln>
         </p:spPr>
         <p:txBody>
-          <a:bodyPr anchorCtr="0" anchor="b" bIns="45700" lIns="91425" spcFirstLastPara="1" rIns="91425" wrap="square" tIns="45700">
+          <a:bodyPr spcFirstLastPara="1" wrap="square" lIns="91425" tIns="45700" rIns="91425" bIns="45700" anchor="b" anchorCtr="0">
             <a:noAutofit/>
           </a:bodyPr>
           <a:lstStyle>
@@ -11346,15 +11562,19 @@
               <a:defRPr/>
             </a:lvl9pPr>
           </a:lstStyle>
-          <a:p/>
+          <a:p>
+            <a:endParaRPr/>
+          </a:p>
         </p:txBody>
       </p:sp>
       <p:sp>
         <p:nvSpPr>
           <p:cNvPr id="63" name="Google Shape;63;p10"/>
-          <p:cNvSpPr/>
+          <p:cNvSpPr>
+            <a:spLocks noGrp="1"/>
+          </p:cNvSpPr>
           <p:nvPr>
-            <p:ph idx="2" type="pic"/>
+            <p:ph type="pic" idx="2"/>
           </p:nvPr>
         </p:nvSpPr>
         <p:spPr>
@@ -11371,11 +11591,11 @@
           </a:ln>
         </p:spPr>
         <p:txBody>
-          <a:bodyPr anchorCtr="0" anchor="t" bIns="45700" lIns="91425" spcFirstLastPara="1" rIns="91425" wrap="square" tIns="45700">
+          <a:bodyPr spcFirstLastPara="1" wrap="square" lIns="91425" tIns="45700" rIns="91425" bIns="45700" anchor="t" anchorCtr="0">
             <a:noAutofit/>
           </a:bodyPr>
           <a:lstStyle>
-            <a:lvl1pPr lvl="0" marR="0" rtl="0" algn="l">
+            <a:lvl1pPr marR="0" lvl="0" algn="l" rtl="0">
               <a:lnSpc>
                 <a:spcPct val="90000"/>
               </a:lnSpc>
@@ -11391,7 +11611,7 @@
               <a:buSzPts val="3200"/>
               <a:buFont typeface="Arial"/>
               <a:buNone/>
-              <a:defRPr b="0" i="0" sz="3200" u="none" cap="none" strike="noStrike">
+              <a:defRPr sz="3200" b="0" i="0" u="none" strike="noStrike" cap="none">
                 <a:solidFill>
                   <a:schemeClr val="dk1"/>
                 </a:solidFill>
@@ -11401,7 +11621,7 @@
                 <a:sym typeface="Calibri"/>
               </a:defRPr>
             </a:lvl1pPr>
-            <a:lvl2pPr lvl="1" marR="0" rtl="0" algn="l">
+            <a:lvl2pPr marR="0" lvl="1" algn="l" rtl="0">
               <a:lnSpc>
                 <a:spcPct val="90000"/>
               </a:lnSpc>
@@ -11417,7 +11637,7 @@
               <a:buSzPts val="2800"/>
               <a:buFont typeface="Arial"/>
               <a:buNone/>
-              <a:defRPr b="0" i="0" sz="2800" u="none" cap="none" strike="noStrike">
+              <a:defRPr sz="2800" b="0" i="0" u="none" strike="noStrike" cap="none">
                 <a:solidFill>
                   <a:schemeClr val="dk1"/>
                 </a:solidFill>
@@ -11427,7 +11647,7 @@
                 <a:sym typeface="Calibri"/>
               </a:defRPr>
             </a:lvl2pPr>
-            <a:lvl3pPr lvl="2" marR="0" rtl="0" algn="l">
+            <a:lvl3pPr marR="0" lvl="2" algn="l" rtl="0">
               <a:lnSpc>
                 <a:spcPct val="90000"/>
               </a:lnSpc>
@@ -11443,7 +11663,7 @@
               <a:buSzPts val="2400"/>
               <a:buFont typeface="Arial"/>
               <a:buNone/>
-              <a:defRPr b="0" i="0" sz="2400" u="none" cap="none" strike="noStrike">
+              <a:defRPr sz="2400" b="0" i="0" u="none" strike="noStrike" cap="none">
                 <a:solidFill>
                   <a:schemeClr val="dk1"/>
                 </a:solidFill>
@@ -11453,7 +11673,7 @@
                 <a:sym typeface="Calibri"/>
               </a:defRPr>
             </a:lvl3pPr>
-            <a:lvl4pPr lvl="3" marR="0" rtl="0" algn="l">
+            <a:lvl4pPr marR="0" lvl="3" algn="l" rtl="0">
               <a:lnSpc>
                 <a:spcPct val="90000"/>
               </a:lnSpc>
@@ -11469,7 +11689,7 @@
               <a:buSzPts val="2000"/>
               <a:buFont typeface="Arial"/>
               <a:buNone/>
-              <a:defRPr b="0" i="0" sz="2000" u="none" cap="none" strike="noStrike">
+              <a:defRPr sz="2000" b="0" i="0" u="none" strike="noStrike" cap="none">
                 <a:solidFill>
                   <a:schemeClr val="dk1"/>
                 </a:solidFill>
@@ -11479,7 +11699,7 @@
                 <a:sym typeface="Calibri"/>
               </a:defRPr>
             </a:lvl4pPr>
-            <a:lvl5pPr lvl="4" marR="0" rtl="0" algn="l">
+            <a:lvl5pPr marR="0" lvl="4" algn="l" rtl="0">
               <a:lnSpc>
                 <a:spcPct val="90000"/>
               </a:lnSpc>
@@ -11495,7 +11715,7 @@
               <a:buSzPts val="2000"/>
               <a:buFont typeface="Arial"/>
               <a:buNone/>
-              <a:defRPr b="0" i="0" sz="2000" u="none" cap="none" strike="noStrike">
+              <a:defRPr sz="2000" b="0" i="0" u="none" strike="noStrike" cap="none">
                 <a:solidFill>
                   <a:schemeClr val="dk1"/>
                 </a:solidFill>
@@ -11505,7 +11725,7 @@
                 <a:sym typeface="Calibri"/>
               </a:defRPr>
             </a:lvl5pPr>
-            <a:lvl6pPr lvl="5" marR="0" rtl="0" algn="l">
+            <a:lvl6pPr marR="0" lvl="5" algn="l" rtl="0">
               <a:lnSpc>
                 <a:spcPct val="90000"/>
               </a:lnSpc>
@@ -11521,7 +11741,7 @@
               <a:buSzPts val="2000"/>
               <a:buFont typeface="Arial"/>
               <a:buNone/>
-              <a:defRPr b="0" i="0" sz="2000" u="none" cap="none" strike="noStrike">
+              <a:defRPr sz="2000" b="0" i="0" u="none" strike="noStrike" cap="none">
                 <a:solidFill>
                   <a:schemeClr val="dk1"/>
                 </a:solidFill>
@@ -11531,7 +11751,7 @@
                 <a:sym typeface="Calibri"/>
               </a:defRPr>
             </a:lvl6pPr>
-            <a:lvl7pPr lvl="6" marR="0" rtl="0" algn="l">
+            <a:lvl7pPr marR="0" lvl="6" algn="l" rtl="0">
               <a:lnSpc>
                 <a:spcPct val="90000"/>
               </a:lnSpc>
@@ -11547,7 +11767,7 @@
               <a:buSzPts val="2000"/>
               <a:buFont typeface="Arial"/>
               <a:buNone/>
-              <a:defRPr b="0" i="0" sz="2000" u="none" cap="none" strike="noStrike">
+              <a:defRPr sz="2000" b="0" i="0" u="none" strike="noStrike" cap="none">
                 <a:solidFill>
                   <a:schemeClr val="dk1"/>
                 </a:solidFill>
@@ -11557,7 +11777,7 @@
                 <a:sym typeface="Calibri"/>
               </a:defRPr>
             </a:lvl7pPr>
-            <a:lvl8pPr lvl="7" marR="0" rtl="0" algn="l">
+            <a:lvl8pPr marR="0" lvl="7" algn="l" rtl="0">
               <a:lnSpc>
                 <a:spcPct val="90000"/>
               </a:lnSpc>
@@ -11573,7 +11793,7 @@
               <a:buSzPts val="2000"/>
               <a:buFont typeface="Arial"/>
               <a:buNone/>
-              <a:defRPr b="0" i="0" sz="2000" u="none" cap="none" strike="noStrike">
+              <a:defRPr sz="2000" b="0" i="0" u="none" strike="noStrike" cap="none">
                 <a:solidFill>
                   <a:schemeClr val="dk1"/>
                 </a:solidFill>
@@ -11583,7 +11803,7 @@
                 <a:sym typeface="Calibri"/>
               </a:defRPr>
             </a:lvl8pPr>
-            <a:lvl9pPr lvl="8" marR="0" rtl="0" algn="l">
+            <a:lvl9pPr marR="0" lvl="8" algn="l" rtl="0">
               <a:lnSpc>
                 <a:spcPct val="90000"/>
               </a:lnSpc>
@@ -11599,7 +11819,7 @@
               <a:buSzPts val="2000"/>
               <a:buFont typeface="Arial"/>
               <a:buNone/>
-              <a:defRPr b="0" i="0" sz="2000" u="none" cap="none" strike="noStrike">
+              <a:defRPr sz="2000" b="0" i="0" u="none" strike="noStrike" cap="none">
                 <a:solidFill>
                   <a:schemeClr val="dk1"/>
                 </a:solidFill>
@@ -11610,15 +11830,19 @@
               </a:defRPr>
             </a:lvl9pPr>
           </a:lstStyle>
-          <a:p/>
+          <a:p>
+            <a:endParaRPr/>
+          </a:p>
         </p:txBody>
       </p:sp>
       <p:sp>
         <p:nvSpPr>
           <p:cNvPr id="64" name="Google Shape;64;p10"/>
-          <p:cNvSpPr txBox="1"/>
+          <p:cNvSpPr txBox="1">
+            <a:spLocks noGrp="1"/>
+          </p:cNvSpPr>
           <p:nvPr>
-            <p:ph idx="1" type="body"/>
+            <p:ph type="body" idx="1"/>
           </p:nvPr>
         </p:nvSpPr>
         <p:spPr>
@@ -11635,11 +11859,11 @@
           </a:ln>
         </p:spPr>
         <p:txBody>
-          <a:bodyPr anchorCtr="0" anchor="t" bIns="45700" lIns="91425" spcFirstLastPara="1" rIns="91425" wrap="square" tIns="45700">
+          <a:bodyPr spcFirstLastPara="1" wrap="square" lIns="91425" tIns="45700" rIns="91425" bIns="45700" anchor="t" anchorCtr="0">
             <a:noAutofit/>
           </a:bodyPr>
           <a:lstStyle>
-            <a:lvl1pPr indent="-228600" lvl="0" marL="457200" algn="l">
+            <a:lvl1pPr marL="457200" lvl="0" indent="-228600" algn="l">
               <a:lnSpc>
                 <a:spcPct val="90000"/>
               </a:lnSpc>
@@ -11656,7 +11880,7 @@
               <a:buNone/>
               <a:defRPr sz="1600"/>
             </a:lvl1pPr>
-            <a:lvl2pPr indent="-228600" lvl="1" marL="914400" algn="l">
+            <a:lvl2pPr marL="914400" lvl="1" indent="-228600" algn="l">
               <a:lnSpc>
                 <a:spcPct val="90000"/>
               </a:lnSpc>
@@ -11673,7 +11897,7 @@
               <a:buNone/>
               <a:defRPr sz="1400"/>
             </a:lvl2pPr>
-            <a:lvl3pPr indent="-228600" lvl="2" marL="1371600" algn="l">
+            <a:lvl3pPr marL="1371600" lvl="2" indent="-228600" algn="l">
               <a:lnSpc>
                 <a:spcPct val="90000"/>
               </a:lnSpc>
@@ -11690,7 +11914,7 @@
               <a:buNone/>
               <a:defRPr sz="1200"/>
             </a:lvl3pPr>
-            <a:lvl4pPr indent="-228600" lvl="3" marL="1828800" algn="l">
+            <a:lvl4pPr marL="1828800" lvl="3" indent="-228600" algn="l">
               <a:lnSpc>
                 <a:spcPct val="90000"/>
               </a:lnSpc>
@@ -11707,7 +11931,7 @@
               <a:buNone/>
               <a:defRPr sz="1000"/>
             </a:lvl4pPr>
-            <a:lvl5pPr indent="-228600" lvl="4" marL="2286000" algn="l">
+            <a:lvl5pPr marL="2286000" lvl="4" indent="-228600" algn="l">
               <a:lnSpc>
                 <a:spcPct val="90000"/>
               </a:lnSpc>
@@ -11724,7 +11948,7 @@
               <a:buNone/>
               <a:defRPr sz="1000"/>
             </a:lvl5pPr>
-            <a:lvl6pPr indent="-228600" lvl="5" marL="2743200" algn="l">
+            <a:lvl6pPr marL="2743200" lvl="5" indent="-228600" algn="l">
               <a:lnSpc>
                 <a:spcPct val="90000"/>
               </a:lnSpc>
@@ -11741,7 +11965,7 @@
               <a:buNone/>
               <a:defRPr sz="1000"/>
             </a:lvl6pPr>
-            <a:lvl7pPr indent="-228600" lvl="6" marL="3200400" algn="l">
+            <a:lvl7pPr marL="3200400" lvl="6" indent="-228600" algn="l">
               <a:lnSpc>
                 <a:spcPct val="90000"/>
               </a:lnSpc>
@@ -11758,7 +11982,7 @@
               <a:buNone/>
               <a:defRPr sz="1000"/>
             </a:lvl7pPr>
-            <a:lvl8pPr indent="-228600" lvl="7" marL="3657600" algn="l">
+            <a:lvl8pPr marL="3657600" lvl="7" indent="-228600" algn="l">
               <a:lnSpc>
                 <a:spcPct val="90000"/>
               </a:lnSpc>
@@ -11775,7 +11999,7 @@
               <a:buNone/>
               <a:defRPr sz="1000"/>
             </a:lvl8pPr>
-            <a:lvl9pPr indent="-228600" lvl="8" marL="4114800" algn="l">
+            <a:lvl9pPr marL="4114800" lvl="8" indent="-228600" algn="l">
               <a:lnSpc>
                 <a:spcPct val="90000"/>
               </a:lnSpc>
@@ -11793,15 +12017,19 @@
               <a:defRPr sz="1000"/>
             </a:lvl9pPr>
           </a:lstStyle>
-          <a:p/>
+          <a:p>
+            <a:endParaRPr/>
+          </a:p>
         </p:txBody>
       </p:sp>
       <p:sp>
         <p:nvSpPr>
           <p:cNvPr id="65" name="Google Shape;65;p10"/>
-          <p:cNvSpPr txBox="1"/>
+          <p:cNvSpPr txBox="1">
+            <a:spLocks noGrp="1"/>
+          </p:cNvSpPr>
           <p:nvPr>
-            <p:ph idx="10" type="dt"/>
+            <p:ph type="dt" idx="10"/>
           </p:nvPr>
         </p:nvSpPr>
         <p:spPr>
@@ -11818,7 +12046,7 @@
           </a:ln>
         </p:spPr>
         <p:txBody>
-          <a:bodyPr anchorCtr="0" anchor="ctr" bIns="45700" lIns="91425" spcFirstLastPara="1" rIns="91425" wrap="square" tIns="45700">
+          <a:bodyPr spcFirstLastPara="1" wrap="square" lIns="91425" tIns="45700" rIns="91425" bIns="45700" anchor="ctr" anchorCtr="0">
             <a:noAutofit/>
           </a:bodyPr>
           <a:lstStyle>
@@ -11949,15 +12177,19 @@
               <a:defRPr/>
             </a:lvl9pPr>
           </a:lstStyle>
-          <a:p/>
+          <a:p>
+            <a:endParaRPr/>
+          </a:p>
         </p:txBody>
       </p:sp>
       <p:sp>
         <p:nvSpPr>
           <p:cNvPr id="66" name="Google Shape;66;p10"/>
-          <p:cNvSpPr txBox="1"/>
+          <p:cNvSpPr txBox="1">
+            <a:spLocks noGrp="1"/>
+          </p:cNvSpPr>
           <p:nvPr>
-            <p:ph idx="11" type="ftr"/>
+            <p:ph type="ftr" idx="11"/>
           </p:nvPr>
         </p:nvSpPr>
         <p:spPr>
@@ -11974,7 +12206,7 @@
           </a:ln>
         </p:spPr>
         <p:txBody>
-          <a:bodyPr anchorCtr="0" anchor="ctr" bIns="45700" lIns="91425" spcFirstLastPara="1" rIns="91425" wrap="square" tIns="45700">
+          <a:bodyPr spcFirstLastPara="1" wrap="square" lIns="91425" tIns="45700" rIns="91425" bIns="45700" anchor="ctr" anchorCtr="0">
             <a:noAutofit/>
           </a:bodyPr>
           <a:lstStyle>
@@ -12105,15 +12337,19 @@
               <a:defRPr/>
             </a:lvl9pPr>
           </a:lstStyle>
-          <a:p/>
+          <a:p>
+            <a:endParaRPr/>
+          </a:p>
         </p:txBody>
       </p:sp>
       <p:sp>
         <p:nvSpPr>
           <p:cNvPr id="67" name="Google Shape;67;p10"/>
-          <p:cNvSpPr txBox="1"/>
+          <p:cNvSpPr txBox="1">
+            <a:spLocks noGrp="1"/>
+          </p:cNvSpPr>
           <p:nvPr>
-            <p:ph idx="12" type="sldNum"/>
+            <p:ph type="sldNum" idx="12"/>
           </p:nvPr>
         </p:nvSpPr>
         <p:spPr>
@@ -12130,11 +12366,11 @@
           </a:ln>
         </p:spPr>
         <p:txBody>
-          <a:bodyPr anchorCtr="0" anchor="ctr" bIns="45700" lIns="91425" spcFirstLastPara="1" rIns="91425" wrap="square" tIns="45700">
+          <a:bodyPr spcFirstLastPara="1" wrap="square" lIns="91425" tIns="45700" rIns="91425" bIns="45700" anchor="ctr" anchorCtr="0">
             <a:noAutofit/>
           </a:bodyPr>
           <a:lstStyle>
-            <a:lvl1pPr indent="0" lvl="0" marL="0" marR="0" algn="r">
+            <a:lvl1pPr marL="0" marR="0" lvl="0" indent="0" algn="r">
               <a:lnSpc>
                 <a:spcPct val="100000"/>
               </a:lnSpc>
@@ -12150,7 +12386,7 @@
               <a:buSzPts val="1200"/>
               <a:buFont typeface="Arial"/>
               <a:buNone/>
-              <a:defRPr b="0" i="0" sz="1200" u="none" cap="none" strike="noStrike">
+              <a:defRPr sz="1200" b="0" i="0" u="none" strike="noStrike" cap="none">
                 <a:solidFill>
                   <a:srgbClr val="888888"/>
                 </a:solidFill>
@@ -12160,7 +12396,7 @@
                 <a:sym typeface="Calibri"/>
               </a:defRPr>
             </a:lvl1pPr>
-            <a:lvl2pPr indent="0" lvl="1" marL="0" marR="0" algn="r">
+            <a:lvl2pPr marL="0" marR="0" lvl="1" indent="0" algn="r">
               <a:lnSpc>
                 <a:spcPct val="100000"/>
               </a:lnSpc>
@@ -12176,7 +12412,7 @@
               <a:buSzPts val="1200"/>
               <a:buFont typeface="Arial"/>
               <a:buNone/>
-              <a:defRPr b="0" i="0" sz="1200" u="none" cap="none" strike="noStrike">
+              <a:defRPr sz="1200" b="0" i="0" u="none" strike="noStrike" cap="none">
                 <a:solidFill>
                   <a:srgbClr val="888888"/>
                 </a:solidFill>
@@ -12186,7 +12422,7 @@
                 <a:sym typeface="Calibri"/>
               </a:defRPr>
             </a:lvl2pPr>
-            <a:lvl3pPr indent="0" lvl="2" marL="0" marR="0" algn="r">
+            <a:lvl3pPr marL="0" marR="0" lvl="2" indent="0" algn="r">
               <a:lnSpc>
                 <a:spcPct val="100000"/>
               </a:lnSpc>
@@ -12202,7 +12438,7 @@
               <a:buSzPts val="1200"/>
               <a:buFont typeface="Arial"/>
               <a:buNone/>
-              <a:defRPr b="0" i="0" sz="1200" u="none" cap="none" strike="noStrike">
+              <a:defRPr sz="1200" b="0" i="0" u="none" strike="noStrike" cap="none">
                 <a:solidFill>
                   <a:srgbClr val="888888"/>
                 </a:solidFill>
@@ -12212,7 +12448,7 @@
                 <a:sym typeface="Calibri"/>
               </a:defRPr>
             </a:lvl3pPr>
-            <a:lvl4pPr indent="0" lvl="3" marL="0" marR="0" algn="r">
+            <a:lvl4pPr marL="0" marR="0" lvl="3" indent="0" algn="r">
               <a:lnSpc>
                 <a:spcPct val="100000"/>
               </a:lnSpc>
@@ -12228,7 +12464,7 @@
               <a:buSzPts val="1200"/>
               <a:buFont typeface="Arial"/>
               <a:buNone/>
-              <a:defRPr b="0" i="0" sz="1200" u="none" cap="none" strike="noStrike">
+              <a:defRPr sz="1200" b="0" i="0" u="none" strike="noStrike" cap="none">
                 <a:solidFill>
                   <a:srgbClr val="888888"/>
                 </a:solidFill>
@@ -12238,7 +12474,7 @@
                 <a:sym typeface="Calibri"/>
               </a:defRPr>
             </a:lvl4pPr>
-            <a:lvl5pPr indent="0" lvl="4" marL="0" marR="0" algn="r">
+            <a:lvl5pPr marL="0" marR="0" lvl="4" indent="0" algn="r">
               <a:lnSpc>
                 <a:spcPct val="100000"/>
               </a:lnSpc>
@@ -12254,7 +12490,7 @@
               <a:buSzPts val="1200"/>
               <a:buFont typeface="Arial"/>
               <a:buNone/>
-              <a:defRPr b="0" i="0" sz="1200" u="none" cap="none" strike="noStrike">
+              <a:defRPr sz="1200" b="0" i="0" u="none" strike="noStrike" cap="none">
                 <a:solidFill>
                   <a:srgbClr val="888888"/>
                 </a:solidFill>
@@ -12264,7 +12500,7 @@
                 <a:sym typeface="Calibri"/>
               </a:defRPr>
             </a:lvl5pPr>
-            <a:lvl6pPr indent="0" lvl="5" marL="0" marR="0" algn="r">
+            <a:lvl6pPr marL="0" marR="0" lvl="5" indent="0" algn="r">
               <a:lnSpc>
                 <a:spcPct val="100000"/>
               </a:lnSpc>
@@ -12280,7 +12516,7 @@
               <a:buSzPts val="1200"/>
               <a:buFont typeface="Arial"/>
               <a:buNone/>
-              <a:defRPr b="0" i="0" sz="1200" u="none" cap="none" strike="noStrike">
+              <a:defRPr sz="1200" b="0" i="0" u="none" strike="noStrike" cap="none">
                 <a:solidFill>
                   <a:srgbClr val="888888"/>
                 </a:solidFill>
@@ -12290,7 +12526,7 @@
                 <a:sym typeface="Calibri"/>
               </a:defRPr>
             </a:lvl6pPr>
-            <a:lvl7pPr indent="0" lvl="6" marL="0" marR="0" algn="r">
+            <a:lvl7pPr marL="0" marR="0" lvl="6" indent="0" algn="r">
               <a:lnSpc>
                 <a:spcPct val="100000"/>
               </a:lnSpc>
@@ -12306,7 +12542,7 @@
               <a:buSzPts val="1200"/>
               <a:buFont typeface="Arial"/>
               <a:buNone/>
-              <a:defRPr b="0" i="0" sz="1200" u="none" cap="none" strike="noStrike">
+              <a:defRPr sz="1200" b="0" i="0" u="none" strike="noStrike" cap="none">
                 <a:solidFill>
                   <a:srgbClr val="888888"/>
                 </a:solidFill>
@@ -12316,7 +12552,7 @@
                 <a:sym typeface="Calibri"/>
               </a:defRPr>
             </a:lvl7pPr>
-            <a:lvl8pPr indent="0" lvl="7" marL="0" marR="0" algn="r">
+            <a:lvl8pPr marL="0" marR="0" lvl="7" indent="0" algn="r">
               <a:lnSpc>
                 <a:spcPct val="100000"/>
               </a:lnSpc>
@@ -12332,7 +12568,7 @@
               <a:buSzPts val="1200"/>
               <a:buFont typeface="Arial"/>
               <a:buNone/>
-              <a:defRPr b="0" i="0" sz="1200" u="none" cap="none" strike="noStrike">
+              <a:defRPr sz="1200" b="0" i="0" u="none" strike="noStrike" cap="none">
                 <a:solidFill>
                   <a:srgbClr val="888888"/>
                 </a:solidFill>
@@ -12342,7 +12578,7 @@
                 <a:sym typeface="Calibri"/>
               </a:defRPr>
             </a:lvl8pPr>
-            <a:lvl9pPr indent="0" lvl="8" marL="0" marR="0" algn="r">
+            <a:lvl9pPr marL="0" marR="0" lvl="8" indent="0" algn="r">
               <a:lnSpc>
                 <a:spcPct val="100000"/>
               </a:lnSpc>
@@ -12358,7 +12594,7 @@
               <a:buSzPts val="1200"/>
               <a:buFont typeface="Arial"/>
               <a:buNone/>
-              <a:defRPr b="0" i="0" sz="1200" u="none" cap="none" strike="noStrike">
+              <a:defRPr sz="1200" b="0" i="0" u="none" strike="noStrike" cap="none">
                 <a:solidFill>
                   <a:srgbClr val="888888"/>
                 </a:solidFill>
@@ -12370,7 +12606,7 @@
             </a:lvl9pPr>
           </a:lstStyle>
           <a:p>
-            <a:pPr indent="0" lvl="0" marL="0" rtl="0" algn="r">
+            <a:pPr marL="0" lvl="0" indent="0" algn="r" rtl="0">
               <a:spcBef>
                 <a:spcPts val="0"/>
               </a:spcBef>
@@ -12396,18 +12632,19 @@
 </file>
 
 <file path=ppt/slideMasters/slideMaster1.xml><?xml version="1.0" encoding="utf-8"?>
-<p:sldMaster xmlns:a="http://schemas.openxmlformats.org/drawingml/2006/main" xmlns:r="http://schemas.openxmlformats.org/officeDocument/2006/relationships" xmlns:mc="http://schemas.openxmlformats.org/markup-compatibility/2006" xmlns:mv="urn:schemas-microsoft-com:mac:vml" xmlns:p="http://schemas.openxmlformats.org/presentationml/2006/main" xmlns:c="http://schemas.openxmlformats.org/drawingml/2006/chart" xmlns:dgm="http://schemas.openxmlformats.org/drawingml/2006/diagram" xmlns:o="urn:schemas-microsoft-com:office:office" xmlns:v="urn:schemas-microsoft-com:vml" xmlns:pvml="urn:schemas-microsoft-com:office:powerpoint" xmlns:com="http://schemas.openxmlformats.org/drawingml/2006/compatibility" xmlns:p14="http://schemas.microsoft.com/office/powerpoint/2010/main" xmlns:p15="http://schemas.microsoft.com/office/powerpoint/2012/main" xmlns:ahyp="http://schemas.microsoft.com/office/drawing/2018/hyperlinkcolor">
+<p:sldMaster xmlns:a="http://schemas.openxmlformats.org/drawingml/2006/main" xmlns:r="http://schemas.openxmlformats.org/officeDocument/2006/relationships" xmlns:p="http://schemas.openxmlformats.org/presentationml/2006/main">
   <p:cSld>
     <p:bg>
       <p:bgPr>
         <a:solidFill>
           <a:schemeClr val="lt1"/>
         </a:solidFill>
+        <a:effectLst/>
       </p:bgPr>
     </p:bg>
     <p:spTree>
       <p:nvGrpSpPr>
-        <p:cNvPr id="5" name="Shape 5"/>
+        <p:cNvPr id="1" name="Shape 5"/>
         <p:cNvGrpSpPr/>
         <p:nvPr/>
       </p:nvGrpSpPr>
@@ -12422,7 +12659,9 @@
       <p:sp>
         <p:nvSpPr>
           <p:cNvPr id="6" name="Google Shape;6;p1"/>
-          <p:cNvSpPr txBox="1"/>
+          <p:cNvSpPr txBox="1">
+            <a:spLocks noGrp="1"/>
+          </p:cNvSpPr>
           <p:nvPr>
             <p:ph type="title"/>
           </p:nvPr>
@@ -12441,11 +12680,11 @@
           </a:ln>
         </p:spPr>
         <p:txBody>
-          <a:bodyPr anchorCtr="0" anchor="ctr" bIns="45700" lIns="91425" spcFirstLastPara="1" rIns="91425" wrap="square" tIns="45700">
+          <a:bodyPr spcFirstLastPara="1" wrap="square" lIns="91425" tIns="45700" rIns="91425" bIns="45700" anchor="ctr" anchorCtr="0">
             <a:noAutofit/>
           </a:bodyPr>
           <a:lstStyle>
-            <a:lvl1pPr lvl="0" marR="0" rtl="0" algn="l">
+            <a:lvl1pPr marR="0" lvl="0" algn="l" rtl="0">
               <a:lnSpc>
                 <a:spcPct val="90000"/>
               </a:lnSpc>
@@ -12461,7 +12700,7 @@
               <a:buSzPts val="4400"/>
               <a:buFont typeface="Calibri"/>
               <a:buNone/>
-              <a:defRPr b="0" i="0" sz="4400" u="none" cap="none" strike="noStrike">
+              <a:defRPr sz="4400" b="0" i="0" u="none" strike="noStrike" cap="none">
                 <a:solidFill>
                   <a:schemeClr val="dk1"/>
                 </a:solidFill>
@@ -12471,7 +12710,7 @@
                 <a:sym typeface="Calibri"/>
               </a:defRPr>
             </a:lvl1pPr>
-            <a:lvl2pPr lvl="1" marR="0" rtl="0" algn="l">
+            <a:lvl2pPr marR="0" lvl="1" algn="l" rtl="0">
               <a:lnSpc>
                 <a:spcPct val="100000"/>
               </a:lnSpc>
@@ -12487,7 +12726,7 @@
               <a:buSzPts val="1400"/>
               <a:buFont typeface="Arial"/>
               <a:buNone/>
-              <a:defRPr b="0" i="0" sz="1800" u="none" cap="none" strike="noStrike">
+              <a:defRPr sz="1800" b="0" i="0" u="none" strike="noStrike" cap="none">
                 <a:solidFill>
                   <a:srgbClr val="000000"/>
                 </a:solidFill>
@@ -12497,7 +12736,7 @@
                 <a:sym typeface="Arial"/>
               </a:defRPr>
             </a:lvl2pPr>
-            <a:lvl3pPr lvl="2" marR="0" rtl="0" algn="l">
+            <a:lvl3pPr marR="0" lvl="2" algn="l" rtl="0">
               <a:lnSpc>
                 <a:spcPct val="100000"/>
               </a:lnSpc>
@@ -12513,7 +12752,7 @@
               <a:buSzPts val="1400"/>
               <a:buFont typeface="Arial"/>
               <a:buNone/>
-              <a:defRPr b="0" i="0" sz="1800" u="none" cap="none" strike="noStrike">
+              <a:defRPr sz="1800" b="0" i="0" u="none" strike="noStrike" cap="none">
                 <a:solidFill>
                   <a:srgbClr val="000000"/>
                 </a:solidFill>
@@ -12523,7 +12762,7 @@
                 <a:sym typeface="Arial"/>
               </a:defRPr>
             </a:lvl3pPr>
-            <a:lvl4pPr lvl="3" marR="0" rtl="0" algn="l">
+            <a:lvl4pPr marR="0" lvl="3" algn="l" rtl="0">
               <a:lnSpc>
                 <a:spcPct val="100000"/>
               </a:lnSpc>
@@ -12539,7 +12778,7 @@
               <a:buSzPts val="1400"/>
               <a:buFont typeface="Arial"/>
               <a:buNone/>
-              <a:defRPr b="0" i="0" sz="1800" u="none" cap="none" strike="noStrike">
+              <a:defRPr sz="1800" b="0" i="0" u="none" strike="noStrike" cap="none">
                 <a:solidFill>
                   <a:srgbClr val="000000"/>
                 </a:solidFill>
@@ -12549,7 +12788,7 @@
                 <a:sym typeface="Arial"/>
               </a:defRPr>
             </a:lvl4pPr>
-            <a:lvl5pPr lvl="4" marR="0" rtl="0" algn="l">
+            <a:lvl5pPr marR="0" lvl="4" algn="l" rtl="0">
               <a:lnSpc>
                 <a:spcPct val="100000"/>
               </a:lnSpc>
@@ -12565,7 +12804,7 @@
               <a:buSzPts val="1400"/>
               <a:buFont typeface="Arial"/>
               <a:buNone/>
-              <a:defRPr b="0" i="0" sz="1800" u="none" cap="none" strike="noStrike">
+              <a:defRPr sz="1800" b="0" i="0" u="none" strike="noStrike" cap="none">
                 <a:solidFill>
                   <a:srgbClr val="000000"/>
                 </a:solidFill>
@@ -12575,7 +12814,7 @@
                 <a:sym typeface="Arial"/>
               </a:defRPr>
             </a:lvl5pPr>
-            <a:lvl6pPr lvl="5" marR="0" rtl="0" algn="l">
+            <a:lvl6pPr marR="0" lvl="5" algn="l" rtl="0">
               <a:lnSpc>
                 <a:spcPct val="100000"/>
               </a:lnSpc>
@@ -12591,7 +12830,7 @@
               <a:buSzPts val="1400"/>
               <a:buFont typeface="Arial"/>
               <a:buNone/>
-              <a:defRPr b="0" i="0" sz="1800" u="none" cap="none" strike="noStrike">
+              <a:defRPr sz="1800" b="0" i="0" u="none" strike="noStrike" cap="none">
                 <a:solidFill>
                   <a:srgbClr val="000000"/>
                 </a:solidFill>
@@ -12601,7 +12840,7 @@
                 <a:sym typeface="Arial"/>
               </a:defRPr>
             </a:lvl6pPr>
-            <a:lvl7pPr lvl="6" marR="0" rtl="0" algn="l">
+            <a:lvl7pPr marR="0" lvl="6" algn="l" rtl="0">
               <a:lnSpc>
                 <a:spcPct val="100000"/>
               </a:lnSpc>
@@ -12617,7 +12856,7 @@
               <a:buSzPts val="1400"/>
               <a:buFont typeface="Arial"/>
               <a:buNone/>
-              <a:defRPr b="0" i="0" sz="1800" u="none" cap="none" strike="noStrike">
+              <a:defRPr sz="1800" b="0" i="0" u="none" strike="noStrike" cap="none">
                 <a:solidFill>
                   <a:srgbClr val="000000"/>
                 </a:solidFill>
@@ -12627,7 +12866,7 @@
                 <a:sym typeface="Arial"/>
               </a:defRPr>
             </a:lvl7pPr>
-            <a:lvl8pPr lvl="7" marR="0" rtl="0" algn="l">
+            <a:lvl8pPr marR="0" lvl="7" algn="l" rtl="0">
               <a:lnSpc>
                 <a:spcPct val="100000"/>
               </a:lnSpc>
@@ -12643,7 +12882,7 @@
               <a:buSzPts val="1400"/>
               <a:buFont typeface="Arial"/>
               <a:buNone/>
-              <a:defRPr b="0" i="0" sz="1800" u="none" cap="none" strike="noStrike">
+              <a:defRPr sz="1800" b="0" i="0" u="none" strike="noStrike" cap="none">
                 <a:solidFill>
                   <a:srgbClr val="000000"/>
                 </a:solidFill>
@@ -12653,7 +12892,7 @@
                 <a:sym typeface="Arial"/>
               </a:defRPr>
             </a:lvl8pPr>
-            <a:lvl9pPr lvl="8" marR="0" rtl="0" algn="l">
+            <a:lvl9pPr marR="0" lvl="8" algn="l" rtl="0">
               <a:lnSpc>
                 <a:spcPct val="100000"/>
               </a:lnSpc>
@@ -12669,7 +12908,7 @@
               <a:buSzPts val="1400"/>
               <a:buFont typeface="Arial"/>
               <a:buNone/>
-              <a:defRPr b="0" i="0" sz="1800" u="none" cap="none" strike="noStrike">
+              <a:defRPr sz="1800" b="0" i="0" u="none" strike="noStrike" cap="none">
                 <a:solidFill>
                   <a:srgbClr val="000000"/>
                 </a:solidFill>
@@ -12680,15 +12919,19 @@
               </a:defRPr>
             </a:lvl9pPr>
           </a:lstStyle>
-          <a:p/>
+          <a:p>
+            <a:endParaRPr/>
+          </a:p>
         </p:txBody>
       </p:sp>
       <p:sp>
         <p:nvSpPr>
           <p:cNvPr id="7" name="Google Shape;7;p1"/>
-          <p:cNvSpPr txBox="1"/>
+          <p:cNvSpPr txBox="1">
+            <a:spLocks noGrp="1"/>
+          </p:cNvSpPr>
           <p:nvPr>
-            <p:ph idx="1" type="body"/>
+            <p:ph type="body" idx="1"/>
           </p:nvPr>
         </p:nvSpPr>
         <p:spPr>
@@ -12705,11 +12948,11 @@
           </a:ln>
         </p:spPr>
         <p:txBody>
-          <a:bodyPr anchorCtr="0" anchor="t" bIns="45700" lIns="91425" spcFirstLastPara="1" rIns="91425" wrap="square" tIns="45700">
+          <a:bodyPr spcFirstLastPara="1" wrap="square" lIns="91425" tIns="45700" rIns="91425" bIns="45700" anchor="t" anchorCtr="0">
             <a:noAutofit/>
           </a:bodyPr>
           <a:lstStyle>
-            <a:lvl1pPr indent="-406400" lvl="0" marL="457200" marR="0" rtl="0" algn="l">
+            <a:lvl1pPr marL="457200" marR="0" lvl="0" indent="-406400" algn="l" rtl="0">
               <a:lnSpc>
                 <a:spcPct val="90000"/>
               </a:lnSpc>
@@ -12725,7 +12968,7 @@
               <a:buSzPts val="2800"/>
               <a:buFont typeface="Arial"/>
               <a:buChar char="•"/>
-              <a:defRPr b="0" i="0" sz="2800" u="none" cap="none" strike="noStrike">
+              <a:defRPr sz="2800" b="0" i="0" u="none" strike="noStrike" cap="none">
                 <a:solidFill>
                   <a:schemeClr val="dk1"/>
                 </a:solidFill>
@@ -12735,7 +12978,7 @@
                 <a:sym typeface="Calibri"/>
               </a:defRPr>
             </a:lvl1pPr>
-            <a:lvl2pPr indent="-381000" lvl="1" marL="914400" marR="0" rtl="0" algn="l">
+            <a:lvl2pPr marL="914400" marR="0" lvl="1" indent="-381000" algn="l" rtl="0">
               <a:lnSpc>
                 <a:spcPct val="90000"/>
               </a:lnSpc>
@@ -12751,7 +12994,7 @@
               <a:buSzPts val="2400"/>
               <a:buFont typeface="Arial"/>
               <a:buChar char="•"/>
-              <a:defRPr b="0" i="0" sz="2400" u="none" cap="none" strike="noStrike">
+              <a:defRPr sz="2400" b="0" i="0" u="none" strike="noStrike" cap="none">
                 <a:solidFill>
                   <a:schemeClr val="dk1"/>
                 </a:solidFill>
@@ -12761,7 +13004,7 @@
                 <a:sym typeface="Calibri"/>
               </a:defRPr>
             </a:lvl2pPr>
-            <a:lvl3pPr indent="-355600" lvl="2" marL="1371600" marR="0" rtl="0" algn="l">
+            <a:lvl3pPr marL="1371600" marR="0" lvl="2" indent="-355600" algn="l" rtl="0">
               <a:lnSpc>
                 <a:spcPct val="90000"/>
               </a:lnSpc>
@@ -12777,7 +13020,7 @@
               <a:buSzPts val="2000"/>
               <a:buFont typeface="Arial"/>
               <a:buChar char="•"/>
-              <a:defRPr b="0" i="0" sz="2000" u="none" cap="none" strike="noStrike">
+              <a:defRPr sz="2000" b="0" i="0" u="none" strike="noStrike" cap="none">
                 <a:solidFill>
                   <a:schemeClr val="dk1"/>
                 </a:solidFill>
@@ -12787,7 +13030,7 @@
                 <a:sym typeface="Calibri"/>
               </a:defRPr>
             </a:lvl3pPr>
-            <a:lvl4pPr indent="-342900" lvl="3" marL="1828800" marR="0" rtl="0" algn="l">
+            <a:lvl4pPr marL="1828800" marR="0" lvl="3" indent="-342900" algn="l" rtl="0">
               <a:lnSpc>
                 <a:spcPct val="90000"/>
               </a:lnSpc>
@@ -12803,7 +13046,7 @@
               <a:buSzPts val="1800"/>
               <a:buFont typeface="Arial"/>
               <a:buChar char="•"/>
-              <a:defRPr b="0" i="0" sz="1800" u="none" cap="none" strike="noStrike">
+              <a:defRPr sz="1800" b="0" i="0" u="none" strike="noStrike" cap="none">
                 <a:solidFill>
                   <a:schemeClr val="dk1"/>
                 </a:solidFill>
@@ -12813,7 +13056,7 @@
                 <a:sym typeface="Calibri"/>
               </a:defRPr>
             </a:lvl4pPr>
-            <a:lvl5pPr indent="-342900" lvl="4" marL="2286000" marR="0" rtl="0" algn="l">
+            <a:lvl5pPr marL="2286000" marR="0" lvl="4" indent="-342900" algn="l" rtl="0">
               <a:lnSpc>
                 <a:spcPct val="90000"/>
               </a:lnSpc>
@@ -12829,7 +13072,7 @@
               <a:buSzPts val="1800"/>
               <a:buFont typeface="Arial"/>
               <a:buChar char="•"/>
-              <a:defRPr b="0" i="0" sz="1800" u="none" cap="none" strike="noStrike">
+              <a:defRPr sz="1800" b="0" i="0" u="none" strike="noStrike" cap="none">
                 <a:solidFill>
                   <a:schemeClr val="dk1"/>
                 </a:solidFill>
@@ -12839,7 +13082,7 @@
                 <a:sym typeface="Calibri"/>
               </a:defRPr>
             </a:lvl5pPr>
-            <a:lvl6pPr indent="-342900" lvl="5" marL="2743200" marR="0" rtl="0" algn="l">
+            <a:lvl6pPr marL="2743200" marR="0" lvl="5" indent="-342900" algn="l" rtl="0">
               <a:lnSpc>
                 <a:spcPct val="90000"/>
               </a:lnSpc>
@@ -12855,7 +13098,7 @@
               <a:buSzPts val="1800"/>
               <a:buFont typeface="Arial"/>
               <a:buChar char="•"/>
-              <a:defRPr b="0" i="0" sz="1800" u="none" cap="none" strike="noStrike">
+              <a:defRPr sz="1800" b="0" i="0" u="none" strike="noStrike" cap="none">
                 <a:solidFill>
                   <a:schemeClr val="dk1"/>
                 </a:solidFill>
@@ -12865,7 +13108,7 @@
                 <a:sym typeface="Calibri"/>
               </a:defRPr>
             </a:lvl6pPr>
-            <a:lvl7pPr indent="-342900" lvl="6" marL="3200400" marR="0" rtl="0" algn="l">
+            <a:lvl7pPr marL="3200400" marR="0" lvl="6" indent="-342900" algn="l" rtl="0">
               <a:lnSpc>
                 <a:spcPct val="90000"/>
               </a:lnSpc>
@@ -12881,7 +13124,7 @@
               <a:buSzPts val="1800"/>
               <a:buFont typeface="Arial"/>
               <a:buChar char="•"/>
-              <a:defRPr b="0" i="0" sz="1800" u="none" cap="none" strike="noStrike">
+              <a:defRPr sz="1800" b="0" i="0" u="none" strike="noStrike" cap="none">
                 <a:solidFill>
                   <a:schemeClr val="dk1"/>
                 </a:solidFill>
@@ -12891,7 +13134,7 @@
                 <a:sym typeface="Calibri"/>
               </a:defRPr>
             </a:lvl7pPr>
-            <a:lvl8pPr indent="-342900" lvl="7" marL="3657600" marR="0" rtl="0" algn="l">
+            <a:lvl8pPr marL="3657600" marR="0" lvl="7" indent="-342900" algn="l" rtl="0">
               <a:lnSpc>
                 <a:spcPct val="90000"/>
               </a:lnSpc>
@@ -12907,7 +13150,7 @@
               <a:buSzPts val="1800"/>
               <a:buFont typeface="Arial"/>
               <a:buChar char="•"/>
-              <a:defRPr b="0" i="0" sz="1800" u="none" cap="none" strike="noStrike">
+              <a:defRPr sz="1800" b="0" i="0" u="none" strike="noStrike" cap="none">
                 <a:solidFill>
                   <a:schemeClr val="dk1"/>
                 </a:solidFill>
@@ -12917,7 +13160,7 @@
                 <a:sym typeface="Calibri"/>
               </a:defRPr>
             </a:lvl8pPr>
-            <a:lvl9pPr indent="-342900" lvl="8" marL="4114800" marR="0" rtl="0" algn="l">
+            <a:lvl9pPr marL="4114800" marR="0" lvl="8" indent="-342900" algn="l" rtl="0">
               <a:lnSpc>
                 <a:spcPct val="90000"/>
               </a:lnSpc>
@@ -12933,7 +13176,7 @@
               <a:buSzPts val="1800"/>
               <a:buFont typeface="Arial"/>
               <a:buChar char="•"/>
-              <a:defRPr b="0" i="0" sz="1800" u="none" cap="none" strike="noStrike">
+              <a:defRPr sz="1800" b="0" i="0" u="none" strike="noStrike" cap="none">
                 <a:solidFill>
                   <a:schemeClr val="dk1"/>
                 </a:solidFill>
@@ -12944,15 +13187,19 @@
               </a:defRPr>
             </a:lvl9pPr>
           </a:lstStyle>
-          <a:p/>
+          <a:p>
+            <a:endParaRPr/>
+          </a:p>
         </p:txBody>
       </p:sp>
       <p:sp>
         <p:nvSpPr>
           <p:cNvPr id="8" name="Google Shape;8;p1"/>
-          <p:cNvSpPr txBox="1"/>
+          <p:cNvSpPr txBox="1">
+            <a:spLocks noGrp="1"/>
+          </p:cNvSpPr>
           <p:nvPr>
-            <p:ph idx="10" type="dt"/>
+            <p:ph type="dt" idx="10"/>
           </p:nvPr>
         </p:nvSpPr>
         <p:spPr>
@@ -12969,11 +13216,11 @@
           </a:ln>
         </p:spPr>
         <p:txBody>
-          <a:bodyPr anchorCtr="0" anchor="ctr" bIns="45700" lIns="91425" spcFirstLastPara="1" rIns="91425" wrap="square" tIns="45700">
+          <a:bodyPr spcFirstLastPara="1" wrap="square" lIns="91425" tIns="45700" rIns="91425" bIns="45700" anchor="ctr" anchorCtr="0">
             <a:noAutofit/>
           </a:bodyPr>
           <a:lstStyle>
-            <a:lvl1pPr lvl="0" marR="0" rtl="0" algn="l">
+            <a:lvl1pPr marR="0" lvl="0" algn="l" rtl="0">
               <a:lnSpc>
                 <a:spcPct val="100000"/>
               </a:lnSpc>
@@ -12989,7 +13236,7 @@
               <a:buSzPts val="1400"/>
               <a:buFont typeface="Arial"/>
               <a:buNone/>
-              <a:defRPr b="0" i="0" sz="1200" u="none" cap="none" strike="noStrike">
+              <a:defRPr sz="1200" b="0" i="0" u="none" strike="noStrike" cap="none">
                 <a:solidFill>
                   <a:srgbClr val="888888"/>
                 </a:solidFill>
@@ -12999,7 +13246,7 @@
                 <a:sym typeface="Calibri"/>
               </a:defRPr>
             </a:lvl1pPr>
-            <a:lvl2pPr lvl="1" marR="0" rtl="0" algn="l">
+            <a:lvl2pPr marR="0" lvl="1" algn="l" rtl="0">
               <a:lnSpc>
                 <a:spcPct val="100000"/>
               </a:lnSpc>
@@ -13015,7 +13262,7 @@
               <a:buSzPts val="1400"/>
               <a:buFont typeface="Arial"/>
               <a:buNone/>
-              <a:defRPr b="0" i="0" sz="1800" u="none" cap="none" strike="noStrike">
+              <a:defRPr sz="1800" b="0" i="0" u="none" strike="noStrike" cap="none">
                 <a:solidFill>
                   <a:schemeClr val="dk1"/>
                 </a:solidFill>
@@ -13025,7 +13272,7 @@
                 <a:sym typeface="Calibri"/>
               </a:defRPr>
             </a:lvl2pPr>
-            <a:lvl3pPr lvl="2" marR="0" rtl="0" algn="l">
+            <a:lvl3pPr marR="0" lvl="2" algn="l" rtl="0">
               <a:lnSpc>
                 <a:spcPct val="100000"/>
               </a:lnSpc>
@@ -13041,7 +13288,7 @@
               <a:buSzPts val="1400"/>
               <a:buFont typeface="Arial"/>
               <a:buNone/>
-              <a:defRPr b="0" i="0" sz="1800" u="none" cap="none" strike="noStrike">
+              <a:defRPr sz="1800" b="0" i="0" u="none" strike="noStrike" cap="none">
                 <a:solidFill>
                   <a:schemeClr val="dk1"/>
                 </a:solidFill>
@@ -13051,7 +13298,7 @@
                 <a:sym typeface="Calibri"/>
               </a:defRPr>
             </a:lvl3pPr>
-            <a:lvl4pPr lvl="3" marR="0" rtl="0" algn="l">
+            <a:lvl4pPr marR="0" lvl="3" algn="l" rtl="0">
               <a:lnSpc>
                 <a:spcPct val="100000"/>
               </a:lnSpc>
@@ -13067,7 +13314,7 @@
               <a:buSzPts val="1400"/>
               <a:buFont typeface="Arial"/>
               <a:buNone/>
-              <a:defRPr b="0" i="0" sz="1800" u="none" cap="none" strike="noStrike">
+              <a:defRPr sz="1800" b="0" i="0" u="none" strike="noStrike" cap="none">
                 <a:solidFill>
                   <a:schemeClr val="dk1"/>
                 </a:solidFill>
@@ -13077,7 +13324,7 @@
                 <a:sym typeface="Calibri"/>
               </a:defRPr>
             </a:lvl4pPr>
-            <a:lvl5pPr lvl="4" marR="0" rtl="0" algn="l">
+            <a:lvl5pPr marR="0" lvl="4" algn="l" rtl="0">
               <a:lnSpc>
                 <a:spcPct val="100000"/>
               </a:lnSpc>
@@ -13093,7 +13340,7 @@
               <a:buSzPts val="1400"/>
               <a:buFont typeface="Arial"/>
               <a:buNone/>
-              <a:defRPr b="0" i="0" sz="1800" u="none" cap="none" strike="noStrike">
+              <a:defRPr sz="1800" b="0" i="0" u="none" strike="noStrike" cap="none">
                 <a:solidFill>
                   <a:schemeClr val="dk1"/>
                 </a:solidFill>
@@ -13103,7 +13350,7 @@
                 <a:sym typeface="Calibri"/>
               </a:defRPr>
             </a:lvl5pPr>
-            <a:lvl6pPr lvl="5" marR="0" rtl="0" algn="l">
+            <a:lvl6pPr marR="0" lvl="5" algn="l" rtl="0">
               <a:lnSpc>
                 <a:spcPct val="100000"/>
               </a:lnSpc>
@@ -13119,7 +13366,7 @@
               <a:buSzPts val="1400"/>
               <a:buFont typeface="Arial"/>
               <a:buNone/>
-              <a:defRPr b="0" i="0" sz="1800" u="none" cap="none" strike="noStrike">
+              <a:defRPr sz="1800" b="0" i="0" u="none" strike="noStrike" cap="none">
                 <a:solidFill>
                   <a:schemeClr val="dk1"/>
                 </a:solidFill>
@@ -13129,7 +13376,7 @@
                 <a:sym typeface="Calibri"/>
               </a:defRPr>
             </a:lvl6pPr>
-            <a:lvl7pPr lvl="6" marR="0" rtl="0" algn="l">
+            <a:lvl7pPr marR="0" lvl="6" algn="l" rtl="0">
               <a:lnSpc>
                 <a:spcPct val="100000"/>
               </a:lnSpc>
@@ -13145,7 +13392,7 @@
               <a:buSzPts val="1400"/>
               <a:buFont typeface="Arial"/>
               <a:buNone/>
-              <a:defRPr b="0" i="0" sz="1800" u="none" cap="none" strike="noStrike">
+              <a:defRPr sz="1800" b="0" i="0" u="none" strike="noStrike" cap="none">
                 <a:solidFill>
                   <a:schemeClr val="dk1"/>
                 </a:solidFill>
@@ -13155,7 +13402,7 @@
                 <a:sym typeface="Calibri"/>
               </a:defRPr>
             </a:lvl7pPr>
-            <a:lvl8pPr lvl="7" marR="0" rtl="0" algn="l">
+            <a:lvl8pPr marR="0" lvl="7" algn="l" rtl="0">
               <a:lnSpc>
                 <a:spcPct val="100000"/>
               </a:lnSpc>
@@ -13171,7 +13418,7 @@
               <a:buSzPts val="1400"/>
               <a:buFont typeface="Arial"/>
               <a:buNone/>
-              <a:defRPr b="0" i="0" sz="1800" u="none" cap="none" strike="noStrike">
+              <a:defRPr sz="1800" b="0" i="0" u="none" strike="noStrike" cap="none">
                 <a:solidFill>
                   <a:schemeClr val="dk1"/>
                 </a:solidFill>
@@ -13181,7 +13428,7 @@
                 <a:sym typeface="Calibri"/>
               </a:defRPr>
             </a:lvl8pPr>
-            <a:lvl9pPr lvl="8" marR="0" rtl="0" algn="l">
+            <a:lvl9pPr marR="0" lvl="8" algn="l" rtl="0">
               <a:lnSpc>
                 <a:spcPct val="100000"/>
               </a:lnSpc>
@@ -13197,7 +13444,7 @@
               <a:buSzPts val="1400"/>
               <a:buFont typeface="Arial"/>
               <a:buNone/>
-              <a:defRPr b="0" i="0" sz="1800" u="none" cap="none" strike="noStrike">
+              <a:defRPr sz="1800" b="0" i="0" u="none" strike="noStrike" cap="none">
                 <a:solidFill>
                   <a:schemeClr val="dk1"/>
                 </a:solidFill>
@@ -13208,15 +13455,19 @@
               </a:defRPr>
             </a:lvl9pPr>
           </a:lstStyle>
-          <a:p/>
+          <a:p>
+            <a:endParaRPr/>
+          </a:p>
         </p:txBody>
       </p:sp>
       <p:sp>
         <p:nvSpPr>
           <p:cNvPr id="9" name="Google Shape;9;p1"/>
-          <p:cNvSpPr txBox="1"/>
+          <p:cNvSpPr txBox="1">
+            <a:spLocks noGrp="1"/>
+          </p:cNvSpPr>
           <p:nvPr>
-            <p:ph idx="11" type="ftr"/>
+            <p:ph type="ftr" idx="11"/>
           </p:nvPr>
         </p:nvSpPr>
         <p:spPr>
@@ -13233,11 +13484,11 @@
           </a:ln>
         </p:spPr>
         <p:txBody>
-          <a:bodyPr anchorCtr="0" anchor="ctr" bIns="45700" lIns="91425" spcFirstLastPara="1" rIns="91425" wrap="square" tIns="45700">
+          <a:bodyPr spcFirstLastPara="1" wrap="square" lIns="91425" tIns="45700" rIns="91425" bIns="45700" anchor="ctr" anchorCtr="0">
             <a:noAutofit/>
           </a:bodyPr>
           <a:lstStyle>
-            <a:lvl1pPr lvl="0" marR="0" rtl="0" algn="ctr">
+            <a:lvl1pPr marR="0" lvl="0" algn="ctr" rtl="0">
               <a:lnSpc>
                 <a:spcPct val="100000"/>
               </a:lnSpc>
@@ -13253,7 +13504,7 @@
               <a:buSzPts val="1400"/>
               <a:buFont typeface="Arial"/>
               <a:buNone/>
-              <a:defRPr b="0" i="0" sz="1200" u="none" cap="none" strike="noStrike">
+              <a:defRPr sz="1200" b="0" i="0" u="none" strike="noStrike" cap="none">
                 <a:solidFill>
                   <a:srgbClr val="888888"/>
                 </a:solidFill>
@@ -13263,7 +13514,7 @@
                 <a:sym typeface="Calibri"/>
               </a:defRPr>
             </a:lvl1pPr>
-            <a:lvl2pPr lvl="1" marR="0" rtl="0" algn="l">
+            <a:lvl2pPr marR="0" lvl="1" algn="l" rtl="0">
               <a:lnSpc>
                 <a:spcPct val="100000"/>
               </a:lnSpc>
@@ -13279,7 +13530,7 @@
               <a:buSzPts val="1400"/>
               <a:buFont typeface="Arial"/>
               <a:buNone/>
-              <a:defRPr b="0" i="0" sz="1800" u="none" cap="none" strike="noStrike">
+              <a:defRPr sz="1800" b="0" i="0" u="none" strike="noStrike" cap="none">
                 <a:solidFill>
                   <a:schemeClr val="dk1"/>
                 </a:solidFill>
@@ -13289,7 +13540,7 @@
                 <a:sym typeface="Calibri"/>
               </a:defRPr>
             </a:lvl2pPr>
-            <a:lvl3pPr lvl="2" marR="0" rtl="0" algn="l">
+            <a:lvl3pPr marR="0" lvl="2" algn="l" rtl="0">
               <a:lnSpc>
                 <a:spcPct val="100000"/>
               </a:lnSpc>
@@ -13305,7 +13556,7 @@
               <a:buSzPts val="1400"/>
               <a:buFont typeface="Arial"/>
               <a:buNone/>
-              <a:defRPr b="0" i="0" sz="1800" u="none" cap="none" strike="noStrike">
+              <a:defRPr sz="1800" b="0" i="0" u="none" strike="noStrike" cap="none">
                 <a:solidFill>
                   <a:schemeClr val="dk1"/>
                 </a:solidFill>
@@ -13315,7 +13566,7 @@
                 <a:sym typeface="Calibri"/>
               </a:defRPr>
             </a:lvl3pPr>
-            <a:lvl4pPr lvl="3" marR="0" rtl="0" algn="l">
+            <a:lvl4pPr marR="0" lvl="3" algn="l" rtl="0">
               <a:lnSpc>
                 <a:spcPct val="100000"/>
               </a:lnSpc>
@@ -13331,7 +13582,7 @@
               <a:buSzPts val="1400"/>
               <a:buFont typeface="Arial"/>
               <a:buNone/>
-              <a:defRPr b="0" i="0" sz="1800" u="none" cap="none" strike="noStrike">
+              <a:defRPr sz="1800" b="0" i="0" u="none" strike="noStrike" cap="none">
                 <a:solidFill>
                   <a:schemeClr val="dk1"/>
                 </a:solidFill>
@@ -13341,7 +13592,7 @@
                 <a:sym typeface="Calibri"/>
               </a:defRPr>
             </a:lvl4pPr>
-            <a:lvl5pPr lvl="4" marR="0" rtl="0" algn="l">
+            <a:lvl5pPr marR="0" lvl="4" algn="l" rtl="0">
               <a:lnSpc>
                 <a:spcPct val="100000"/>
               </a:lnSpc>
@@ -13357,7 +13608,7 @@
               <a:buSzPts val="1400"/>
               <a:buFont typeface="Arial"/>
               <a:buNone/>
-              <a:defRPr b="0" i="0" sz="1800" u="none" cap="none" strike="noStrike">
+              <a:defRPr sz="1800" b="0" i="0" u="none" strike="noStrike" cap="none">
                 <a:solidFill>
                   <a:schemeClr val="dk1"/>
                 </a:solidFill>
@@ -13367,7 +13618,7 @@
                 <a:sym typeface="Calibri"/>
               </a:defRPr>
             </a:lvl5pPr>
-            <a:lvl6pPr lvl="5" marR="0" rtl="0" algn="l">
+            <a:lvl6pPr marR="0" lvl="5" algn="l" rtl="0">
               <a:lnSpc>
                 <a:spcPct val="100000"/>
               </a:lnSpc>
@@ -13383,7 +13634,7 @@
               <a:buSzPts val="1400"/>
               <a:buFont typeface="Arial"/>
               <a:buNone/>
-              <a:defRPr b="0" i="0" sz="1800" u="none" cap="none" strike="noStrike">
+              <a:defRPr sz="1800" b="0" i="0" u="none" strike="noStrike" cap="none">
                 <a:solidFill>
                   <a:schemeClr val="dk1"/>
                 </a:solidFill>
@@ -13393,7 +13644,7 @@
                 <a:sym typeface="Calibri"/>
               </a:defRPr>
             </a:lvl6pPr>
-            <a:lvl7pPr lvl="6" marR="0" rtl="0" algn="l">
+            <a:lvl7pPr marR="0" lvl="6" algn="l" rtl="0">
               <a:lnSpc>
                 <a:spcPct val="100000"/>
               </a:lnSpc>
@@ -13409,7 +13660,7 @@
               <a:buSzPts val="1400"/>
               <a:buFont typeface="Arial"/>
               <a:buNone/>
-              <a:defRPr b="0" i="0" sz="1800" u="none" cap="none" strike="noStrike">
+              <a:defRPr sz="1800" b="0" i="0" u="none" strike="noStrike" cap="none">
                 <a:solidFill>
                   <a:schemeClr val="dk1"/>
                 </a:solidFill>
@@ -13419,7 +13670,7 @@
                 <a:sym typeface="Calibri"/>
               </a:defRPr>
             </a:lvl7pPr>
-            <a:lvl8pPr lvl="7" marR="0" rtl="0" algn="l">
+            <a:lvl8pPr marR="0" lvl="7" algn="l" rtl="0">
               <a:lnSpc>
                 <a:spcPct val="100000"/>
               </a:lnSpc>
@@ -13435,7 +13686,7 @@
               <a:buSzPts val="1400"/>
               <a:buFont typeface="Arial"/>
               <a:buNone/>
-              <a:defRPr b="0" i="0" sz="1800" u="none" cap="none" strike="noStrike">
+              <a:defRPr sz="1800" b="0" i="0" u="none" strike="noStrike" cap="none">
                 <a:solidFill>
                   <a:schemeClr val="dk1"/>
                 </a:solidFill>
@@ -13445,7 +13696,7 @@
                 <a:sym typeface="Calibri"/>
               </a:defRPr>
             </a:lvl8pPr>
-            <a:lvl9pPr lvl="8" marR="0" rtl="0" algn="l">
+            <a:lvl9pPr marR="0" lvl="8" algn="l" rtl="0">
               <a:lnSpc>
                 <a:spcPct val="100000"/>
               </a:lnSpc>
@@ -13461,7 +13712,7 @@
               <a:buSzPts val="1400"/>
               <a:buFont typeface="Arial"/>
               <a:buNone/>
-              <a:defRPr b="0" i="0" sz="1800" u="none" cap="none" strike="noStrike">
+              <a:defRPr sz="1800" b="0" i="0" u="none" strike="noStrike" cap="none">
                 <a:solidFill>
                   <a:schemeClr val="dk1"/>
                 </a:solidFill>
@@ -13472,15 +13723,19 @@
               </a:defRPr>
             </a:lvl9pPr>
           </a:lstStyle>
-          <a:p/>
+          <a:p>
+            <a:endParaRPr/>
+          </a:p>
         </p:txBody>
       </p:sp>
       <p:sp>
         <p:nvSpPr>
           <p:cNvPr id="10" name="Google Shape;10;p1"/>
-          <p:cNvSpPr txBox="1"/>
+          <p:cNvSpPr txBox="1">
+            <a:spLocks noGrp="1"/>
+          </p:cNvSpPr>
           <p:nvPr>
-            <p:ph idx="12" type="sldNum"/>
+            <p:ph type="sldNum" idx="12"/>
           </p:nvPr>
         </p:nvSpPr>
         <p:spPr>
@@ -13497,11 +13752,11 @@
           </a:ln>
         </p:spPr>
         <p:txBody>
-          <a:bodyPr anchorCtr="0" anchor="ctr" bIns="45700" lIns="91425" spcFirstLastPara="1" rIns="91425" wrap="square" tIns="45700">
+          <a:bodyPr spcFirstLastPara="1" wrap="square" lIns="91425" tIns="45700" rIns="91425" bIns="45700" anchor="ctr" anchorCtr="0">
             <a:noAutofit/>
           </a:bodyPr>
           <a:lstStyle>
-            <a:lvl1pPr indent="0" lvl="0" marL="0" marR="0" rtl="0" algn="r">
+            <a:lvl1pPr marL="0" marR="0" lvl="0" indent="0" algn="r" rtl="0">
               <a:lnSpc>
                 <a:spcPct val="100000"/>
               </a:lnSpc>
@@ -13517,7 +13772,7 @@
               <a:buSzPts val="1200"/>
               <a:buFont typeface="Arial"/>
               <a:buNone/>
-              <a:defRPr b="0" i="0" sz="1200" u="none" cap="none" strike="noStrike">
+              <a:defRPr sz="1200" b="0" i="0" u="none" strike="noStrike" cap="none">
                 <a:solidFill>
                   <a:srgbClr val="888888"/>
                 </a:solidFill>
@@ -13527,7 +13782,7 @@
                 <a:sym typeface="Calibri"/>
               </a:defRPr>
             </a:lvl1pPr>
-            <a:lvl2pPr indent="0" lvl="1" marL="0" marR="0" rtl="0" algn="r">
+            <a:lvl2pPr marL="0" marR="0" lvl="1" indent="0" algn="r" rtl="0">
               <a:lnSpc>
                 <a:spcPct val="100000"/>
               </a:lnSpc>
@@ -13543,7 +13798,7 @@
               <a:buSzPts val="1200"/>
               <a:buFont typeface="Arial"/>
               <a:buNone/>
-              <a:defRPr b="0" i="0" sz="1200" u="none" cap="none" strike="noStrike">
+              <a:defRPr sz="1200" b="0" i="0" u="none" strike="noStrike" cap="none">
                 <a:solidFill>
                   <a:srgbClr val="888888"/>
                 </a:solidFill>
@@ -13553,7 +13808,7 @@
                 <a:sym typeface="Calibri"/>
               </a:defRPr>
             </a:lvl2pPr>
-            <a:lvl3pPr indent="0" lvl="2" marL="0" marR="0" rtl="0" algn="r">
+            <a:lvl3pPr marL="0" marR="0" lvl="2" indent="0" algn="r" rtl="0">
               <a:lnSpc>
                 <a:spcPct val="100000"/>
               </a:lnSpc>
@@ -13569,7 +13824,7 @@
               <a:buSzPts val="1200"/>
               <a:buFont typeface="Arial"/>
               <a:buNone/>
-              <a:defRPr b="0" i="0" sz="1200" u="none" cap="none" strike="noStrike">
+              <a:defRPr sz="1200" b="0" i="0" u="none" strike="noStrike" cap="none">
                 <a:solidFill>
                   <a:srgbClr val="888888"/>
                 </a:solidFill>
@@ -13579,7 +13834,7 @@
                 <a:sym typeface="Calibri"/>
               </a:defRPr>
             </a:lvl3pPr>
-            <a:lvl4pPr indent="0" lvl="3" marL="0" marR="0" rtl="0" algn="r">
+            <a:lvl4pPr marL="0" marR="0" lvl="3" indent="0" algn="r" rtl="0">
               <a:lnSpc>
                 <a:spcPct val="100000"/>
               </a:lnSpc>
@@ -13595,7 +13850,7 @@
               <a:buSzPts val="1200"/>
               <a:buFont typeface="Arial"/>
               <a:buNone/>
-              <a:defRPr b="0" i="0" sz="1200" u="none" cap="none" strike="noStrike">
+              <a:defRPr sz="1200" b="0" i="0" u="none" strike="noStrike" cap="none">
                 <a:solidFill>
                   <a:srgbClr val="888888"/>
                 </a:solidFill>
@@ -13605,7 +13860,7 @@
                 <a:sym typeface="Calibri"/>
               </a:defRPr>
             </a:lvl4pPr>
-            <a:lvl5pPr indent="0" lvl="4" marL="0" marR="0" rtl="0" algn="r">
+            <a:lvl5pPr marL="0" marR="0" lvl="4" indent="0" algn="r" rtl="0">
               <a:lnSpc>
                 <a:spcPct val="100000"/>
               </a:lnSpc>
@@ -13621,7 +13876,7 @@
               <a:buSzPts val="1200"/>
               <a:buFont typeface="Arial"/>
               <a:buNone/>
-              <a:defRPr b="0" i="0" sz="1200" u="none" cap="none" strike="noStrike">
+              <a:defRPr sz="1200" b="0" i="0" u="none" strike="noStrike" cap="none">
                 <a:solidFill>
                   <a:srgbClr val="888888"/>
                 </a:solidFill>
@@ -13631,7 +13886,7 @@
                 <a:sym typeface="Calibri"/>
               </a:defRPr>
             </a:lvl5pPr>
-            <a:lvl6pPr indent="0" lvl="5" marL="0" marR="0" rtl="0" algn="r">
+            <a:lvl6pPr marL="0" marR="0" lvl="5" indent="0" algn="r" rtl="0">
               <a:lnSpc>
                 <a:spcPct val="100000"/>
               </a:lnSpc>
@@ -13647,7 +13902,7 @@
               <a:buSzPts val="1200"/>
               <a:buFont typeface="Arial"/>
               <a:buNone/>
-              <a:defRPr b="0" i="0" sz="1200" u="none" cap="none" strike="noStrike">
+              <a:defRPr sz="1200" b="0" i="0" u="none" strike="noStrike" cap="none">
                 <a:solidFill>
                   <a:srgbClr val="888888"/>
                 </a:solidFill>
@@ -13657,7 +13912,7 @@
                 <a:sym typeface="Calibri"/>
               </a:defRPr>
             </a:lvl6pPr>
-            <a:lvl7pPr indent="0" lvl="6" marL="0" marR="0" rtl="0" algn="r">
+            <a:lvl7pPr marL="0" marR="0" lvl="6" indent="0" algn="r" rtl="0">
               <a:lnSpc>
                 <a:spcPct val="100000"/>
               </a:lnSpc>
@@ -13673,7 +13928,7 @@
               <a:buSzPts val="1200"/>
               <a:buFont typeface="Arial"/>
               <a:buNone/>
-              <a:defRPr b="0" i="0" sz="1200" u="none" cap="none" strike="noStrike">
+              <a:defRPr sz="1200" b="0" i="0" u="none" strike="noStrike" cap="none">
                 <a:solidFill>
                   <a:srgbClr val="888888"/>
                 </a:solidFill>
@@ -13683,7 +13938,7 @@
                 <a:sym typeface="Calibri"/>
               </a:defRPr>
             </a:lvl7pPr>
-            <a:lvl8pPr indent="0" lvl="7" marL="0" marR="0" rtl="0" algn="r">
+            <a:lvl8pPr marL="0" marR="0" lvl="7" indent="0" algn="r" rtl="0">
               <a:lnSpc>
                 <a:spcPct val="100000"/>
               </a:lnSpc>
@@ -13699,7 +13954,7 @@
               <a:buSzPts val="1200"/>
               <a:buFont typeface="Arial"/>
               <a:buNone/>
-              <a:defRPr b="0" i="0" sz="1200" u="none" cap="none" strike="noStrike">
+              <a:defRPr sz="1200" b="0" i="0" u="none" strike="noStrike" cap="none">
                 <a:solidFill>
                   <a:srgbClr val="888888"/>
                 </a:solidFill>
@@ -13709,7 +13964,7 @@
                 <a:sym typeface="Calibri"/>
               </a:defRPr>
             </a:lvl8pPr>
-            <a:lvl9pPr indent="0" lvl="8" marL="0" marR="0" rtl="0" algn="r">
+            <a:lvl9pPr marL="0" marR="0" lvl="8" indent="0" algn="r" rtl="0">
               <a:lnSpc>
                 <a:spcPct val="100000"/>
               </a:lnSpc>
@@ -13725,7 +13980,7 @@
               <a:buSzPts val="1200"/>
               <a:buFont typeface="Arial"/>
               <a:buNone/>
-              <a:defRPr b="0" i="0" sz="1200" u="none" cap="none" strike="noStrike">
+              <a:defRPr sz="1200" b="0" i="0" u="none" strike="noStrike" cap="none">
                 <a:solidFill>
                   <a:srgbClr val="888888"/>
                 </a:solidFill>
@@ -13737,7 +13992,7 @@
             </a:lvl9pPr>
           </a:lstStyle>
           <a:p>
-            <a:pPr indent="0" lvl="0" marL="0" rtl="0" algn="r">
+            <a:pPr marL="0" lvl="0" indent="0" algn="r" rtl="0">
               <a:spcBef>
                 <a:spcPts val="0"/>
               </a:spcBef>
@@ -13756,7 +14011,7 @@
       </p:sp>
     </p:spTree>
   </p:cSld>
-  <p:clrMap accent1="accent1" accent2="accent2" accent3="accent3" accent4="accent4" accent5="accent5" accent6="accent6" bg1="lt1" bg2="dk2" tx1="dk1" tx2="lt2" folHlink="folHlink" hlink="hlink"/>
+  <p:clrMap bg1="lt1" tx1="dk1" bg2="dk2" tx2="lt2" accent1="accent1" accent2="accent2" accent3="accent3" accent4="accent4" accent5="accent5" accent6="accent6" hlink="hlink" folHlink="folHlink"/>
   <p:sldLayoutIdLst>
     <p:sldLayoutId id="2147483648" r:id="rId1"/>
     <p:sldLayoutId id="2147483649" r:id="rId2"/>
@@ -13770,10 +14025,10 @@
     <p:sldLayoutId id="2147483657" r:id="rId10"/>
     <p:sldLayoutId id="2147483658" r:id="rId11"/>
   </p:sldLayoutIdLst>
-  <p:hf dt="0" ftr="0" hdr="0" sldNum="0"/>
+  <p:hf sldNum="0" hdr="0" ftr="0" dt="0"/>
   <p:txStyles>
     <p:titleStyle>
-      <a:defPPr lvl="0" marR="0" rtl="0" algn="l">
+      <a:defPPr marR="0" lvl="0" algn="l" rtl="0">
         <a:lnSpc>
           <a:spcPct val="100000"/>
         </a:lnSpc>
@@ -13784,7 +14039,7 @@
           <a:spcPts val="0"/>
         </a:spcAft>
       </a:defPPr>
-      <a:lvl1pPr lvl="0" marR="0" rtl="0" algn="l">
+      <a:lvl1pPr marR="0" lvl="0" algn="l" rtl="0">
         <a:lnSpc>
           <a:spcPct val="100000"/>
         </a:lnSpc>
@@ -13798,7 +14053,7 @@
           <a:srgbClr val="000000"/>
         </a:buClr>
         <a:buFont typeface="Arial"/>
-        <a:defRPr b="0" i="0" sz="1400" u="none" cap="none" strike="noStrike">
+        <a:defRPr sz="1400" b="0" i="0" u="none" strike="noStrike" cap="none">
           <a:solidFill>
             <a:srgbClr val="000000"/>
           </a:solidFill>
@@ -13808,7 +14063,7 @@
           <a:sym typeface="Arial"/>
         </a:defRPr>
       </a:lvl1pPr>
-      <a:lvl2pPr lvl="1" marR="0" rtl="0" algn="l">
+      <a:lvl2pPr marR="0" lvl="1" algn="l" rtl="0">
         <a:lnSpc>
           <a:spcPct val="100000"/>
         </a:lnSpc>
@@ -13822,7 +14077,7 @@
           <a:srgbClr val="000000"/>
         </a:buClr>
         <a:buFont typeface="Arial"/>
-        <a:defRPr b="0" i="0" sz="1400" u="none" cap="none" strike="noStrike">
+        <a:defRPr sz="1400" b="0" i="0" u="none" strike="noStrike" cap="none">
           <a:solidFill>
             <a:srgbClr val="000000"/>
           </a:solidFill>
@@ -13832,7 +14087,7 @@
           <a:sym typeface="Arial"/>
         </a:defRPr>
       </a:lvl2pPr>
-      <a:lvl3pPr lvl="2" marR="0" rtl="0" algn="l">
+      <a:lvl3pPr marR="0" lvl="2" algn="l" rtl="0">
         <a:lnSpc>
           <a:spcPct val="100000"/>
         </a:lnSpc>
@@ -13846,7 +14101,7 @@
           <a:srgbClr val="000000"/>
         </a:buClr>
         <a:buFont typeface="Arial"/>
-        <a:defRPr b="0" i="0" sz="1400" u="none" cap="none" strike="noStrike">
+        <a:defRPr sz="1400" b="0" i="0" u="none" strike="noStrike" cap="none">
           <a:solidFill>
             <a:srgbClr val="000000"/>
           </a:solidFill>
@@ -13856,7 +14111,7 @@
           <a:sym typeface="Arial"/>
         </a:defRPr>
       </a:lvl3pPr>
-      <a:lvl4pPr lvl="3" marR="0" rtl="0" algn="l">
+      <a:lvl4pPr marR="0" lvl="3" algn="l" rtl="0">
         <a:lnSpc>
           <a:spcPct val="100000"/>
         </a:lnSpc>
@@ -13870,7 +14125,7 @@
           <a:srgbClr val="000000"/>
         </a:buClr>
         <a:buFont typeface="Arial"/>
-        <a:defRPr b="0" i="0" sz="1400" u="none" cap="none" strike="noStrike">
+        <a:defRPr sz="1400" b="0" i="0" u="none" strike="noStrike" cap="none">
           <a:solidFill>
             <a:srgbClr val="000000"/>
           </a:solidFill>
@@ -13880,7 +14135,7 @@
           <a:sym typeface="Arial"/>
         </a:defRPr>
       </a:lvl4pPr>
-      <a:lvl5pPr lvl="4" marR="0" rtl="0" algn="l">
+      <a:lvl5pPr marR="0" lvl="4" algn="l" rtl="0">
         <a:lnSpc>
           <a:spcPct val="100000"/>
         </a:lnSpc>
@@ -13894,7 +14149,7 @@
           <a:srgbClr val="000000"/>
         </a:buClr>
         <a:buFont typeface="Arial"/>
-        <a:defRPr b="0" i="0" sz="1400" u="none" cap="none" strike="noStrike">
+        <a:defRPr sz="1400" b="0" i="0" u="none" strike="noStrike" cap="none">
           <a:solidFill>
             <a:srgbClr val="000000"/>
           </a:solidFill>
@@ -13904,7 +14159,7 @@
           <a:sym typeface="Arial"/>
         </a:defRPr>
       </a:lvl5pPr>
-      <a:lvl6pPr lvl="5" marR="0" rtl="0" algn="l">
+      <a:lvl6pPr marR="0" lvl="5" algn="l" rtl="0">
         <a:lnSpc>
           <a:spcPct val="100000"/>
         </a:lnSpc>
@@ -13918,7 +14173,7 @@
           <a:srgbClr val="000000"/>
         </a:buClr>
         <a:buFont typeface="Arial"/>
-        <a:defRPr b="0" i="0" sz="1400" u="none" cap="none" strike="noStrike">
+        <a:defRPr sz="1400" b="0" i="0" u="none" strike="noStrike" cap="none">
           <a:solidFill>
             <a:srgbClr val="000000"/>
           </a:solidFill>
@@ -13928,7 +14183,7 @@
           <a:sym typeface="Arial"/>
         </a:defRPr>
       </a:lvl6pPr>
-      <a:lvl7pPr lvl="6" marR="0" rtl="0" algn="l">
+      <a:lvl7pPr marR="0" lvl="6" algn="l" rtl="0">
         <a:lnSpc>
           <a:spcPct val="100000"/>
         </a:lnSpc>
@@ -13942,7 +14197,7 @@
           <a:srgbClr val="000000"/>
         </a:buClr>
         <a:buFont typeface="Arial"/>
-        <a:defRPr b="0" i="0" sz="1400" u="none" cap="none" strike="noStrike">
+        <a:defRPr sz="1400" b="0" i="0" u="none" strike="noStrike" cap="none">
           <a:solidFill>
             <a:srgbClr val="000000"/>
           </a:solidFill>
@@ -13952,7 +14207,7 @@
           <a:sym typeface="Arial"/>
         </a:defRPr>
       </a:lvl7pPr>
-      <a:lvl8pPr lvl="7" marR="0" rtl="0" algn="l">
+      <a:lvl8pPr marR="0" lvl="7" algn="l" rtl="0">
         <a:lnSpc>
           <a:spcPct val="100000"/>
         </a:lnSpc>
@@ -13966,7 +14221,7 @@
           <a:srgbClr val="000000"/>
         </a:buClr>
         <a:buFont typeface="Arial"/>
-        <a:defRPr b="0" i="0" sz="1400" u="none" cap="none" strike="noStrike">
+        <a:defRPr sz="1400" b="0" i="0" u="none" strike="noStrike" cap="none">
           <a:solidFill>
             <a:srgbClr val="000000"/>
           </a:solidFill>
@@ -13976,7 +14231,7 @@
           <a:sym typeface="Arial"/>
         </a:defRPr>
       </a:lvl8pPr>
-      <a:lvl9pPr lvl="8" marR="0" rtl="0" algn="l">
+      <a:lvl9pPr marR="0" lvl="8" algn="l" rtl="0">
         <a:lnSpc>
           <a:spcPct val="100000"/>
         </a:lnSpc>
@@ -13990,7 +14245,7 @@
           <a:srgbClr val="000000"/>
         </a:buClr>
         <a:buFont typeface="Arial"/>
-        <a:defRPr b="0" i="0" sz="1400" u="none" cap="none" strike="noStrike">
+        <a:defRPr sz="1400" b="0" i="0" u="none" strike="noStrike" cap="none">
           <a:solidFill>
             <a:srgbClr val="000000"/>
           </a:solidFill>
@@ -14002,7 +14257,7 @@
       </a:lvl9pPr>
     </p:titleStyle>
     <p:bodyStyle>
-      <a:defPPr lvl="0" marR="0" rtl="0" algn="l">
+      <a:defPPr marR="0" lvl="0" algn="l" rtl="0">
         <a:lnSpc>
           <a:spcPct val="100000"/>
         </a:lnSpc>
@@ -14013,7 +14268,7 @@
           <a:spcPts val="0"/>
         </a:spcAft>
       </a:defPPr>
-      <a:lvl1pPr lvl="0" marR="0" rtl="0" algn="l">
+      <a:lvl1pPr marR="0" lvl="0" algn="l" rtl="0">
         <a:lnSpc>
           <a:spcPct val="100000"/>
         </a:lnSpc>
@@ -14027,7 +14282,7 @@
           <a:srgbClr val="000000"/>
         </a:buClr>
         <a:buFont typeface="Arial"/>
-        <a:defRPr b="0" i="0" sz="1400" u="none" cap="none" strike="noStrike">
+        <a:defRPr sz="1400" b="0" i="0" u="none" strike="noStrike" cap="none">
           <a:solidFill>
             <a:srgbClr val="000000"/>
           </a:solidFill>
@@ -14037,7 +14292,7 @@
           <a:sym typeface="Arial"/>
         </a:defRPr>
       </a:lvl1pPr>
-      <a:lvl2pPr lvl="1" marR="0" rtl="0" algn="l">
+      <a:lvl2pPr marR="0" lvl="1" algn="l" rtl="0">
         <a:lnSpc>
           <a:spcPct val="100000"/>
         </a:lnSpc>
@@ -14051,7 +14306,7 @@
           <a:srgbClr val="000000"/>
         </a:buClr>
         <a:buFont typeface="Arial"/>
-        <a:defRPr b="0" i="0" sz="1400" u="none" cap="none" strike="noStrike">
+        <a:defRPr sz="1400" b="0" i="0" u="none" strike="noStrike" cap="none">
           <a:solidFill>
             <a:srgbClr val="000000"/>
           </a:solidFill>
@@ -14061,7 +14316,7 @@
           <a:sym typeface="Arial"/>
         </a:defRPr>
       </a:lvl2pPr>
-      <a:lvl3pPr lvl="2" marR="0" rtl="0" algn="l">
+      <a:lvl3pPr marR="0" lvl="2" algn="l" rtl="0">
         <a:lnSpc>
           <a:spcPct val="100000"/>
         </a:lnSpc>
@@ -14075,7 +14330,7 @@
           <a:srgbClr val="000000"/>
         </a:buClr>
         <a:buFont typeface="Arial"/>
-        <a:defRPr b="0" i="0" sz="1400" u="none" cap="none" strike="noStrike">
+        <a:defRPr sz="1400" b="0" i="0" u="none" strike="noStrike" cap="none">
           <a:solidFill>
             <a:srgbClr val="000000"/>
           </a:solidFill>
@@ -14085,7 +14340,7 @@
           <a:sym typeface="Arial"/>
         </a:defRPr>
       </a:lvl3pPr>
-      <a:lvl4pPr lvl="3" marR="0" rtl="0" algn="l">
+      <a:lvl4pPr marR="0" lvl="3" algn="l" rtl="0">
         <a:lnSpc>
           <a:spcPct val="100000"/>
         </a:lnSpc>
@@ -14099,7 +14354,7 @@
           <a:srgbClr val="000000"/>
         </a:buClr>
         <a:buFont typeface="Arial"/>
-        <a:defRPr b="0" i="0" sz="1400" u="none" cap="none" strike="noStrike">
+        <a:defRPr sz="1400" b="0" i="0" u="none" strike="noStrike" cap="none">
           <a:solidFill>
             <a:srgbClr val="000000"/>
           </a:solidFill>
@@ -14109,7 +14364,7 @@
           <a:sym typeface="Arial"/>
         </a:defRPr>
       </a:lvl4pPr>
-      <a:lvl5pPr lvl="4" marR="0" rtl="0" algn="l">
+      <a:lvl5pPr marR="0" lvl="4" algn="l" rtl="0">
         <a:lnSpc>
           <a:spcPct val="100000"/>
         </a:lnSpc>
@@ -14123,7 +14378,7 @@
           <a:srgbClr val="000000"/>
         </a:buClr>
         <a:buFont typeface="Arial"/>
-        <a:defRPr b="0" i="0" sz="1400" u="none" cap="none" strike="noStrike">
+        <a:defRPr sz="1400" b="0" i="0" u="none" strike="noStrike" cap="none">
           <a:solidFill>
             <a:srgbClr val="000000"/>
           </a:solidFill>
@@ -14133,7 +14388,7 @@
           <a:sym typeface="Arial"/>
         </a:defRPr>
       </a:lvl5pPr>
-      <a:lvl6pPr lvl="5" marR="0" rtl="0" algn="l">
+      <a:lvl6pPr marR="0" lvl="5" algn="l" rtl="0">
         <a:lnSpc>
           <a:spcPct val="100000"/>
         </a:lnSpc>
@@ -14147,7 +14402,7 @@
           <a:srgbClr val="000000"/>
         </a:buClr>
         <a:buFont typeface="Arial"/>
-        <a:defRPr b="0" i="0" sz="1400" u="none" cap="none" strike="noStrike">
+        <a:defRPr sz="1400" b="0" i="0" u="none" strike="noStrike" cap="none">
           <a:solidFill>
             <a:srgbClr val="000000"/>
           </a:solidFill>
@@ -14157,7 +14412,7 @@
           <a:sym typeface="Arial"/>
         </a:defRPr>
       </a:lvl6pPr>
-      <a:lvl7pPr lvl="6" marR="0" rtl="0" algn="l">
+      <a:lvl7pPr marR="0" lvl="6" algn="l" rtl="0">
         <a:lnSpc>
           <a:spcPct val="100000"/>
         </a:lnSpc>
@@ -14171,7 +14426,7 @@
           <a:srgbClr val="000000"/>
         </a:buClr>
         <a:buFont typeface="Arial"/>
-        <a:defRPr b="0" i="0" sz="1400" u="none" cap="none" strike="noStrike">
+        <a:defRPr sz="1400" b="0" i="0" u="none" strike="noStrike" cap="none">
           <a:solidFill>
             <a:srgbClr val="000000"/>
           </a:solidFill>
@@ -14181,7 +14436,7 @@
           <a:sym typeface="Arial"/>
         </a:defRPr>
       </a:lvl7pPr>
-      <a:lvl8pPr lvl="7" marR="0" rtl="0" algn="l">
+      <a:lvl8pPr marR="0" lvl="7" algn="l" rtl="0">
         <a:lnSpc>
           <a:spcPct val="100000"/>
         </a:lnSpc>
@@ -14195,7 +14450,7 @@
           <a:srgbClr val="000000"/>
         </a:buClr>
         <a:buFont typeface="Arial"/>
-        <a:defRPr b="0" i="0" sz="1400" u="none" cap="none" strike="noStrike">
+        <a:defRPr sz="1400" b="0" i="0" u="none" strike="noStrike" cap="none">
           <a:solidFill>
             <a:srgbClr val="000000"/>
           </a:solidFill>
@@ -14205,7 +14460,7 @@
           <a:sym typeface="Arial"/>
         </a:defRPr>
       </a:lvl8pPr>
-      <a:lvl9pPr lvl="8" marR="0" rtl="0" algn="l">
+      <a:lvl9pPr marR="0" lvl="8" algn="l" rtl="0">
         <a:lnSpc>
           <a:spcPct val="100000"/>
         </a:lnSpc>
@@ -14219,7 +14474,7 @@
           <a:srgbClr val="000000"/>
         </a:buClr>
         <a:buFont typeface="Arial"/>
-        <a:defRPr b="0" i="0" sz="1400" u="none" cap="none" strike="noStrike">
+        <a:defRPr sz="1400" b="0" i="0" u="none" strike="noStrike" cap="none">
           <a:solidFill>
             <a:srgbClr val="000000"/>
           </a:solidFill>
@@ -14231,7 +14486,7 @@
       </a:lvl9pPr>
     </p:bodyStyle>
     <p:otherStyle>
-      <a:defPPr lvl="0" marR="0" rtl="0" algn="l">
+      <a:defPPr marR="0" lvl="0" algn="l" rtl="0">
         <a:lnSpc>
           <a:spcPct val="100000"/>
         </a:lnSpc>
@@ -14242,7 +14497,7 @@
           <a:spcPts val="0"/>
         </a:spcAft>
       </a:defPPr>
-      <a:lvl1pPr lvl="0" marR="0" rtl="0" algn="l">
+      <a:lvl1pPr marR="0" lvl="0" algn="l" rtl="0">
         <a:lnSpc>
           <a:spcPct val="100000"/>
         </a:lnSpc>
@@ -14256,7 +14511,7 @@
           <a:srgbClr val="000000"/>
         </a:buClr>
         <a:buFont typeface="Arial"/>
-        <a:defRPr b="0" i="0" sz="1400" u="none" cap="none" strike="noStrike">
+        <a:defRPr sz="1400" b="0" i="0" u="none" strike="noStrike" cap="none">
           <a:solidFill>
             <a:srgbClr val="000000"/>
           </a:solidFill>
@@ -14266,7 +14521,7 @@
           <a:sym typeface="Arial"/>
         </a:defRPr>
       </a:lvl1pPr>
-      <a:lvl2pPr lvl="1" marR="0" rtl="0" algn="l">
+      <a:lvl2pPr marR="0" lvl="1" algn="l" rtl="0">
         <a:lnSpc>
           <a:spcPct val="100000"/>
         </a:lnSpc>
@@ -14280,7 +14535,7 @@
           <a:srgbClr val="000000"/>
         </a:buClr>
         <a:buFont typeface="Arial"/>
-        <a:defRPr b="0" i="0" sz="1400" u="none" cap="none" strike="noStrike">
+        <a:defRPr sz="1400" b="0" i="0" u="none" strike="noStrike" cap="none">
           <a:solidFill>
             <a:srgbClr val="000000"/>
           </a:solidFill>
@@ -14290,7 +14545,7 @@
           <a:sym typeface="Arial"/>
         </a:defRPr>
       </a:lvl2pPr>
-      <a:lvl3pPr lvl="2" marR="0" rtl="0" algn="l">
+      <a:lvl3pPr marR="0" lvl="2" algn="l" rtl="0">
         <a:lnSpc>
           <a:spcPct val="100000"/>
         </a:lnSpc>
@@ -14304,7 +14559,7 @@
           <a:srgbClr val="000000"/>
         </a:buClr>
         <a:buFont typeface="Arial"/>
-        <a:defRPr b="0" i="0" sz="1400" u="none" cap="none" strike="noStrike">
+        <a:defRPr sz="1400" b="0" i="0" u="none" strike="noStrike" cap="none">
           <a:solidFill>
             <a:srgbClr val="000000"/>
           </a:solidFill>
@@ -14314,7 +14569,7 @@
           <a:sym typeface="Arial"/>
         </a:defRPr>
       </a:lvl3pPr>
-      <a:lvl4pPr lvl="3" marR="0" rtl="0" algn="l">
+      <a:lvl4pPr marR="0" lvl="3" algn="l" rtl="0">
         <a:lnSpc>
           <a:spcPct val="100000"/>
         </a:lnSpc>
@@ -14328,7 +14583,7 @@
           <a:srgbClr val="000000"/>
         </a:buClr>
         <a:buFont typeface="Arial"/>
-        <a:defRPr b="0" i="0" sz="1400" u="none" cap="none" strike="noStrike">
+        <a:defRPr sz="1400" b="0" i="0" u="none" strike="noStrike" cap="none">
           <a:solidFill>
             <a:srgbClr val="000000"/>
           </a:solidFill>
@@ -14338,7 +14593,7 @@
           <a:sym typeface="Arial"/>
         </a:defRPr>
       </a:lvl4pPr>
-      <a:lvl5pPr lvl="4" marR="0" rtl="0" algn="l">
+      <a:lvl5pPr marR="0" lvl="4" algn="l" rtl="0">
         <a:lnSpc>
           <a:spcPct val="100000"/>
         </a:lnSpc>
@@ -14352,7 +14607,7 @@
           <a:srgbClr val="000000"/>
         </a:buClr>
         <a:buFont typeface="Arial"/>
-        <a:defRPr b="0" i="0" sz="1400" u="none" cap="none" strike="noStrike">
+        <a:defRPr sz="1400" b="0" i="0" u="none" strike="noStrike" cap="none">
           <a:solidFill>
             <a:srgbClr val="000000"/>
           </a:solidFill>
@@ -14362,7 +14617,7 @@
           <a:sym typeface="Arial"/>
         </a:defRPr>
       </a:lvl5pPr>
-      <a:lvl6pPr lvl="5" marR="0" rtl="0" algn="l">
+      <a:lvl6pPr marR="0" lvl="5" algn="l" rtl="0">
         <a:lnSpc>
           <a:spcPct val="100000"/>
         </a:lnSpc>
@@ -14376,7 +14631,7 @@
           <a:srgbClr val="000000"/>
         </a:buClr>
         <a:buFont typeface="Arial"/>
-        <a:defRPr b="0" i="0" sz="1400" u="none" cap="none" strike="noStrike">
+        <a:defRPr sz="1400" b="0" i="0" u="none" strike="noStrike" cap="none">
           <a:solidFill>
             <a:srgbClr val="000000"/>
           </a:solidFill>
@@ -14386,7 +14641,7 @@
           <a:sym typeface="Arial"/>
         </a:defRPr>
       </a:lvl6pPr>
-      <a:lvl7pPr lvl="6" marR="0" rtl="0" algn="l">
+      <a:lvl7pPr marR="0" lvl="6" algn="l" rtl="0">
         <a:lnSpc>
           <a:spcPct val="100000"/>
         </a:lnSpc>
@@ -14400,7 +14655,7 @@
           <a:srgbClr val="000000"/>
         </a:buClr>
         <a:buFont typeface="Arial"/>
-        <a:defRPr b="0" i="0" sz="1400" u="none" cap="none" strike="noStrike">
+        <a:defRPr sz="1400" b="0" i="0" u="none" strike="noStrike" cap="none">
           <a:solidFill>
             <a:srgbClr val="000000"/>
           </a:solidFill>
@@ -14410,7 +14665,7 @@
           <a:sym typeface="Arial"/>
         </a:defRPr>
       </a:lvl7pPr>
-      <a:lvl8pPr lvl="7" marR="0" rtl="0" algn="l">
+      <a:lvl8pPr marR="0" lvl="7" algn="l" rtl="0">
         <a:lnSpc>
           <a:spcPct val="100000"/>
         </a:lnSpc>
@@ -14424,7 +14679,7 @@
           <a:srgbClr val="000000"/>
         </a:buClr>
         <a:buFont typeface="Arial"/>
-        <a:defRPr b="0" i="0" sz="1400" u="none" cap="none" strike="noStrike">
+        <a:defRPr sz="1400" b="0" i="0" u="none" strike="noStrike" cap="none">
           <a:solidFill>
             <a:srgbClr val="000000"/>
           </a:solidFill>
@@ -14434,7 +14689,7 @@
           <a:sym typeface="Arial"/>
         </a:defRPr>
       </a:lvl8pPr>
-      <a:lvl9pPr lvl="8" marR="0" rtl="0" algn="l">
+      <a:lvl9pPr marR="0" lvl="8" algn="l" rtl="0">
         <a:lnSpc>
           <a:spcPct val="100000"/>
         </a:lnSpc>
@@ -14448,7 +14703,7 @@
           <a:srgbClr val="000000"/>
         </a:buClr>
         <a:buFont typeface="Arial"/>
-        <a:defRPr b="0" i="0" sz="1400" u="none" cap="none" strike="noStrike">
+        <a:defRPr sz="1400" b="0" i="0" u="none" strike="noStrike" cap="none">
           <a:solidFill>
             <a:srgbClr val="000000"/>
           </a:solidFill>
@@ -14464,11 +14719,11 @@
 </file>
 
 <file path=ppt/slides/slide1.xml><?xml version="1.0" encoding="utf-8"?>
-<p:sld xmlns:a="http://schemas.openxmlformats.org/drawingml/2006/main" xmlns:r="http://schemas.openxmlformats.org/officeDocument/2006/relationships" xmlns:mc="http://schemas.openxmlformats.org/markup-compatibility/2006" xmlns:mv="urn:schemas-microsoft-com:mac:vml" xmlns:p="http://schemas.openxmlformats.org/presentationml/2006/main" xmlns:c="http://schemas.openxmlformats.org/drawingml/2006/chart" xmlns:dgm="http://schemas.openxmlformats.org/drawingml/2006/diagram" xmlns:o="urn:schemas-microsoft-com:office:office" xmlns:v="urn:schemas-microsoft-com:vml" xmlns:pvml="urn:schemas-microsoft-com:office:powerpoint" xmlns:com="http://schemas.openxmlformats.org/drawingml/2006/compatibility" xmlns:p14="http://schemas.microsoft.com/office/powerpoint/2010/main" xmlns:p15="http://schemas.microsoft.com/office/powerpoint/2012/main" xmlns:ahyp="http://schemas.microsoft.com/office/drawing/2018/hyperlinkcolor">
+<p:sld xmlns:a="http://schemas.openxmlformats.org/drawingml/2006/main" xmlns:r="http://schemas.openxmlformats.org/officeDocument/2006/relationships" xmlns:p="http://schemas.openxmlformats.org/presentationml/2006/main">
   <p:cSld>
     <p:spTree>
       <p:nvGrpSpPr>
-        <p:cNvPr id="83" name="Shape 83"/>
+        <p:cNvPr id="1" name="Shape 83"/>
         <p:cNvGrpSpPr/>
         <p:nvPr/>
       </p:nvGrpSpPr>
@@ -14500,12 +14755,12 @@
           </a:ln>
         </p:spPr>
         <p:txBody>
-          <a:bodyPr anchorCtr="0" anchor="t" bIns="91425" lIns="91425" spcFirstLastPara="1" rIns="91425" wrap="square" tIns="91425">
+          <a:bodyPr spcFirstLastPara="1" wrap="square" lIns="91425" tIns="91425" rIns="91425" bIns="91425" anchor="t" anchorCtr="0">
             <a:noAutofit/>
           </a:bodyPr>
           <a:lstStyle/>
           <a:p>
-            <a:pPr indent="0" lvl="0" marL="0" marR="0" rtl="0" algn="l">
+            <a:pPr marL="0" marR="0" lvl="0" indent="0" algn="l" rtl="0">
               <a:lnSpc>
                 <a:spcPct val="100000"/>
               </a:lnSpc>
@@ -14523,7 +14778,7 @@
               <a:buNone/>
             </a:pPr>
             <a:r>
-              <a:rPr b="1" i="0" lang="en-US" sz="1400" u="none" cap="none" strike="noStrike">
+              <a:rPr lang="en-US" sz="1400" b="1" i="0" u="none" strike="noStrike" cap="none">
                 <a:solidFill>
                   <a:schemeClr val="dk1"/>
                 </a:solidFill>
@@ -14534,7 +14789,7 @@
               </a:rPr>
               <a:t>Application: MLDB</a:t>
             </a:r>
-            <a:endParaRPr b="1" i="0" sz="1400" u="none" cap="none" strike="noStrike">
+            <a:endParaRPr sz="1400" b="1" i="0" u="none" strike="noStrike" cap="none">
               <a:solidFill>
                 <a:schemeClr val="dk1"/>
               </a:solidFill>
@@ -14545,7 +14800,7 @@
             </a:endParaRPr>
           </a:p>
           <a:p>
-            <a:pPr indent="0" lvl="0" marL="0" marR="0" rtl="0" algn="l">
+            <a:pPr marL="0" marR="0" lvl="0" indent="0" algn="l" rtl="0">
               <a:lnSpc>
                 <a:spcPct val="100000"/>
               </a:lnSpc>
@@ -14563,7 +14818,7 @@
               <a:buNone/>
             </a:pPr>
             <a:r>
-              <a:rPr b="1" i="0" lang="en-US" sz="1400" u="none" cap="none" strike="noStrike">
+              <a:rPr lang="en-US" sz="1400" b="1" i="0" u="none" strike="noStrike" cap="none">
                 <a:solidFill>
                   <a:schemeClr val="dk1"/>
                 </a:solidFill>
@@ -14574,7 +14829,7 @@
               </a:rPr>
               <a:t>Type: Application Architecture</a:t>
             </a:r>
-            <a:endParaRPr b="1" i="0" sz="1400" u="none" cap="none" strike="noStrike">
+            <a:endParaRPr sz="1400" b="1" i="0" u="none" strike="noStrike" cap="none">
               <a:solidFill>
                 <a:schemeClr val="dk1"/>
               </a:solidFill>
@@ -14585,7 +14840,7 @@
             </a:endParaRPr>
           </a:p>
           <a:p>
-            <a:pPr indent="0" lvl="0" marL="0" marR="0" rtl="0" algn="l">
+            <a:pPr marL="0" marR="0" lvl="0" indent="0" algn="l" rtl="0">
               <a:lnSpc>
                 <a:spcPct val="100000"/>
               </a:lnSpc>
@@ -14603,7 +14858,7 @@
               <a:buNone/>
             </a:pPr>
             <a:r>
-              <a:rPr b="1" i="0" lang="en-US" sz="1400" u="none" cap="none" strike="noStrike">
+              <a:rPr lang="en-US" sz="1400" b="1" i="0" u="none" strike="noStrike" cap="none">
                 <a:solidFill>
                   <a:schemeClr val="dk1"/>
                 </a:solidFill>
@@ -14614,7 +14869,7 @@
               </a:rPr>
               <a:t>View: Logical View</a:t>
             </a:r>
-            <a:endParaRPr b="1" i="0" sz="1400" u="none" cap="none" strike="noStrike">
+            <a:endParaRPr sz="1400" b="1" i="0" u="none" strike="noStrike" cap="none">
               <a:solidFill>
                 <a:schemeClr val="dk1"/>
               </a:solidFill>
@@ -14625,7 +14880,7 @@
             </a:endParaRPr>
           </a:p>
           <a:p>
-            <a:pPr indent="0" lvl="0" marL="0" marR="0" rtl="0" algn="l">
+            <a:pPr marL="0" marR="0" lvl="0" indent="0" algn="l" rtl="0">
               <a:lnSpc>
                 <a:spcPct val="100000"/>
               </a:lnSpc>
@@ -14643,7 +14898,7 @@
               <a:buNone/>
             </a:pPr>
             <a:r>
-              <a:rPr b="1" i="0" lang="en-US" sz="1400" u="none" cap="none" strike="noStrike">
+              <a:rPr lang="en-US" sz="1400" b="1" i="0" u="none" strike="noStrike" cap="none">
                 <a:solidFill>
                   <a:schemeClr val="dk1"/>
                 </a:solidFill>
@@ -14654,7 +14909,7 @@
               </a:rPr>
               <a:t>Style: Layered Architecture Pattern</a:t>
             </a:r>
-            <a:endParaRPr b="0" i="0" sz="1400" u="none" cap="none" strike="noStrike">
+            <a:endParaRPr sz="1400" b="0" i="0" u="none" strike="noStrike" cap="none">
               <a:solidFill>
                 <a:srgbClr val="000000"/>
               </a:solidFill>
@@ -14683,23 +14938,23 @@
           <a:solidFill>
             <a:schemeClr val="lt1"/>
           </a:solidFill>
-          <a:ln cap="flat" cmpd="sng" w="38100">
+          <a:ln w="38100" cap="flat" cmpd="sng">
             <a:solidFill>
               <a:schemeClr val="lt1"/>
             </a:solidFill>
             <a:prstDash val="solid"/>
             <a:round/>
-            <a:headEnd len="sm" w="sm" type="none"/>
-            <a:tailEnd len="sm" w="sm" type="none"/>
+            <a:headEnd type="none" w="sm" len="sm"/>
+            <a:tailEnd type="none" w="sm" len="sm"/>
           </a:ln>
         </p:spPr>
         <p:txBody>
-          <a:bodyPr anchorCtr="0" anchor="ctr" bIns="45700" lIns="91425" spcFirstLastPara="1" rIns="91425" wrap="square" tIns="45700">
+          <a:bodyPr spcFirstLastPara="1" wrap="square" lIns="91425" tIns="45700" rIns="91425" bIns="45700" anchor="ctr" anchorCtr="0">
             <a:noAutofit/>
           </a:bodyPr>
           <a:lstStyle/>
           <a:p>
-            <a:pPr indent="0" lvl="0" marL="0" marR="0" rtl="0" algn="ctr">
+            <a:pPr marL="0" marR="0" lvl="0" indent="0" algn="ctr" rtl="0">
               <a:lnSpc>
                 <a:spcPct val="100000"/>
               </a:lnSpc>
@@ -14711,10 +14966,7 @@
               </a:spcAft>
               <a:buNone/>
             </a:pPr>
-            <a:r>
-              <a:t/>
-            </a:r>
-            <a:endParaRPr b="0" i="0" sz="1400" u="none" cap="none" strike="noStrike">
+            <a:endParaRPr sz="1400" b="0" i="0" u="none" strike="noStrike" cap="none">
               <a:solidFill>
                 <a:schemeClr val="lt1"/>
               </a:solidFill>
@@ -14743,23 +14995,23 @@
           <a:solidFill>
             <a:schemeClr val="lt1"/>
           </a:solidFill>
-          <a:ln cap="flat" cmpd="sng" w="25400">
+          <a:ln w="25400" cap="flat" cmpd="sng">
             <a:solidFill>
               <a:schemeClr val="lt1"/>
             </a:solidFill>
             <a:prstDash val="solid"/>
             <a:round/>
-            <a:headEnd len="sm" w="sm" type="none"/>
-            <a:tailEnd len="sm" w="sm" type="none"/>
+            <a:headEnd type="none" w="sm" len="sm"/>
+            <a:tailEnd type="none" w="sm" len="sm"/>
           </a:ln>
         </p:spPr>
         <p:txBody>
-          <a:bodyPr anchorCtr="0" anchor="ctr" bIns="45700" lIns="91425" spcFirstLastPara="1" rIns="91425" wrap="square" tIns="45700">
+          <a:bodyPr spcFirstLastPara="1" wrap="square" lIns="91425" tIns="45700" rIns="91425" bIns="45700" anchor="ctr" anchorCtr="0">
             <a:noAutofit/>
           </a:bodyPr>
           <a:lstStyle/>
           <a:p>
-            <a:pPr indent="0" lvl="0" marL="0" marR="0" rtl="0" algn="ctr">
+            <a:pPr marL="0" marR="0" lvl="0" indent="0" algn="ctr" rtl="0">
               <a:lnSpc>
                 <a:spcPct val="100000"/>
               </a:lnSpc>
@@ -14771,10 +15023,7 @@
               </a:spcAft>
               <a:buNone/>
             </a:pPr>
-            <a:r>
-              <a:t/>
-            </a:r>
-            <a:endParaRPr b="0" i="0" sz="1400" u="none" cap="none" strike="noStrike">
+            <a:endParaRPr sz="1400" b="0" i="0" u="none" strike="noStrike" cap="none">
               <a:solidFill>
                 <a:schemeClr val="lt1"/>
               </a:solidFill>
@@ -14803,23 +15052,23 @@
           <a:solidFill>
             <a:schemeClr val="lt1"/>
           </a:solidFill>
-          <a:ln cap="flat" cmpd="sng" w="25400">
+          <a:ln w="25400" cap="flat" cmpd="sng">
             <a:solidFill>
               <a:schemeClr val="lt1"/>
             </a:solidFill>
             <a:prstDash val="solid"/>
             <a:round/>
-            <a:headEnd len="sm" w="sm" type="none"/>
-            <a:tailEnd len="sm" w="sm" type="none"/>
+            <a:headEnd type="none" w="sm" len="sm"/>
+            <a:tailEnd type="none" w="sm" len="sm"/>
           </a:ln>
         </p:spPr>
         <p:txBody>
-          <a:bodyPr anchorCtr="0" anchor="ctr" bIns="45700" lIns="91425" spcFirstLastPara="1" rIns="91425" wrap="square" tIns="45700">
+          <a:bodyPr spcFirstLastPara="1" wrap="square" lIns="91425" tIns="45700" rIns="91425" bIns="45700" anchor="ctr" anchorCtr="0">
             <a:noAutofit/>
           </a:bodyPr>
           <a:lstStyle/>
           <a:p>
-            <a:pPr indent="0" lvl="0" marL="0" marR="0" rtl="0" algn="ctr">
+            <a:pPr marL="0" marR="0" lvl="0" indent="0" algn="ctr" rtl="0">
               <a:lnSpc>
                 <a:spcPct val="100000"/>
               </a:lnSpc>
@@ -14831,10 +15080,7 @@
               </a:spcAft>
               <a:buNone/>
             </a:pPr>
-            <a:r>
-              <a:t/>
-            </a:r>
-            <a:endParaRPr b="0" i="0" sz="1400" u="none" cap="none" strike="noStrike">
+            <a:endParaRPr sz="1400" b="0" i="0" u="none" strike="noStrike" cap="none">
               <a:solidFill>
                 <a:schemeClr val="lt1"/>
               </a:solidFill>
@@ -14856,7 +15102,7 @@
           <a:blip r:embed="rId3">
             <a:alphaModFix/>
           </a:blip>
-          <a:srcRect b="0" l="0" r="0" t="0"/>
+          <a:srcRect/>
           <a:stretch/>
         </p:blipFill>
         <p:spPr>
@@ -14882,11 +15128,11 @@
 </file>
 
 <file path=ppt/slides/slide2.xml><?xml version="1.0" encoding="utf-8"?>
-<p:sld xmlns:a="http://schemas.openxmlformats.org/drawingml/2006/main" xmlns:r="http://schemas.openxmlformats.org/officeDocument/2006/relationships" xmlns:mc="http://schemas.openxmlformats.org/markup-compatibility/2006" xmlns:mv="urn:schemas-microsoft-com:mac:vml" xmlns:p="http://schemas.openxmlformats.org/presentationml/2006/main" xmlns:c="http://schemas.openxmlformats.org/drawingml/2006/chart" xmlns:dgm="http://schemas.openxmlformats.org/drawingml/2006/diagram" xmlns:o="urn:schemas-microsoft-com:office:office" xmlns:v="urn:schemas-microsoft-com:vml" xmlns:pvml="urn:schemas-microsoft-com:office:powerpoint" xmlns:com="http://schemas.openxmlformats.org/drawingml/2006/compatibility" xmlns:p14="http://schemas.microsoft.com/office/powerpoint/2010/main" xmlns:p15="http://schemas.microsoft.com/office/powerpoint/2012/main" xmlns:ahyp="http://schemas.microsoft.com/office/drawing/2018/hyperlinkcolor">
+<p:sld xmlns:a="http://schemas.openxmlformats.org/drawingml/2006/main" xmlns:r="http://schemas.openxmlformats.org/officeDocument/2006/relationships" xmlns:p="http://schemas.openxmlformats.org/presentationml/2006/main">
   <p:cSld>
     <p:spTree>
       <p:nvGrpSpPr>
-        <p:cNvPr id="92" name="Shape 92"/>
+        <p:cNvPr id="1" name="Shape 92"/>
         <p:cNvGrpSpPr/>
         <p:nvPr/>
       </p:nvGrpSpPr>
@@ -14900,7 +15146,7 @@
       </p:grpSpPr>
       <p:pic>
         <p:nvPicPr>
-          <p:cNvPr descr="x.png" id="93" name="Google Shape;93;p14"/>
+          <p:cNvPr id="93" name="Google Shape;93;p14" descr="x.png"/>
           <p:cNvPicPr preferRelativeResize="0"/>
           <p:nvPr/>
         </p:nvPicPr>
@@ -14908,7 +15154,7 @@
           <a:blip r:embed="rId3">
             <a:alphaModFix/>
           </a:blip>
-          <a:srcRect b="0" l="0" r="0" t="0"/>
+          <a:srcRect/>
           <a:stretch/>
         </p:blipFill>
         <p:spPr>
@@ -14945,12 +15191,12 @@
           </a:ln>
         </p:spPr>
         <p:txBody>
-          <a:bodyPr anchorCtr="0" anchor="t" bIns="45700" lIns="91425" spcFirstLastPara="1" rIns="91425" wrap="square" tIns="45700">
+          <a:bodyPr spcFirstLastPara="1" wrap="square" lIns="91425" tIns="45700" rIns="91425" bIns="45700" anchor="t" anchorCtr="0">
             <a:noAutofit/>
           </a:bodyPr>
           <a:lstStyle/>
           <a:p>
-            <a:pPr indent="0" lvl="0" marL="0" marR="0" rtl="0" algn="l">
+            <a:pPr marL="0" marR="0" lvl="0" indent="0" algn="l" rtl="0">
               <a:lnSpc>
                 <a:spcPct val="80000"/>
               </a:lnSpc>
@@ -14968,7 +15214,7 @@
               <a:buNone/>
             </a:pPr>
             <a:r>
-              <a:rPr b="1" i="0" lang="en-US" sz="1800" u="none" cap="none" strike="noStrike">
+              <a:rPr lang="en-US" sz="1800" b="1" i="0" u="none" strike="noStrike" cap="none">
                 <a:solidFill>
                   <a:schemeClr val="dk1"/>
                 </a:solidFill>
@@ -14980,7 +15226,7 @@
               <a:t>Application: MLDB</a:t>
             </a:r>
             <a:br>
-              <a:rPr b="1" i="0" lang="en-US" sz="1800" u="none" cap="none" strike="noStrike">
+              <a:rPr lang="en-US" sz="1800" b="1" i="0" u="none" strike="noStrike" cap="none">
                 <a:solidFill>
                   <a:schemeClr val="dk1"/>
                 </a:solidFill>
@@ -14991,7 +15237,7 @@
               </a:rPr>
             </a:br>
             <a:r>
-              <a:rPr b="1" i="0" lang="en-US" sz="1800" u="none" cap="none" strike="noStrike">
+              <a:rPr lang="en-US" sz="1800" b="1" i="0" u="none" strike="noStrike" cap="none">
                 <a:solidFill>
                   <a:schemeClr val="dk1"/>
                 </a:solidFill>
@@ -15003,7 +15249,7 @@
               <a:t>Type: Application Architecture</a:t>
             </a:r>
             <a:br>
-              <a:rPr b="1" i="0" lang="en-US" sz="1800" u="none" cap="none" strike="noStrike">
+              <a:rPr lang="en-US" sz="1800" b="1" i="0" u="none" strike="noStrike" cap="none">
                 <a:solidFill>
                   <a:schemeClr val="dk1"/>
                 </a:solidFill>
@@ -15014,7 +15260,7 @@
               </a:rPr>
             </a:br>
             <a:r>
-              <a:rPr b="1" i="0" lang="en-US" sz="1800" u="none" cap="none" strike="noStrike">
+              <a:rPr lang="en-US" sz="1800" b="1" i="0" u="none" strike="noStrike" cap="none">
                 <a:solidFill>
                   <a:schemeClr val="dk1"/>
                 </a:solidFill>
@@ -15026,7 +15272,7 @@
               <a:t>View: Process View</a:t>
             </a:r>
             <a:br>
-              <a:rPr b="1" i="0" lang="en-US" sz="1800" u="none" cap="none" strike="noStrike">
+              <a:rPr lang="en-US" sz="1800" b="1" i="0" u="none" strike="noStrike" cap="none">
                 <a:solidFill>
                   <a:schemeClr val="dk1"/>
                 </a:solidFill>
@@ -15037,7 +15283,7 @@
               </a:rPr>
             </a:br>
             <a:r>
-              <a:rPr b="1" i="0" lang="en-US" sz="1800" u="none" cap="none" strike="noStrike">
+              <a:rPr lang="en-US" sz="1800" b="1" i="0" u="none" strike="noStrike" cap="none">
                 <a:solidFill>
                   <a:schemeClr val="dk1"/>
                 </a:solidFill>
@@ -15048,7 +15294,7 @@
               </a:rPr>
               <a:t>Style: Client-Server Pattern</a:t>
             </a:r>
-            <a:endParaRPr b="1" i="0" sz="1800" u="none" cap="none" strike="noStrike">
+            <a:endParaRPr sz="1800" b="1" i="0" u="none" strike="noStrike" cap="none">
               <a:solidFill>
                 <a:schemeClr val="dk1"/>
               </a:solidFill>
@@ -15080,12 +15326,12 @@
           </a:ln>
         </p:spPr>
         <p:txBody>
-          <a:bodyPr anchorCtr="0" anchor="t" bIns="91425" lIns="91425" spcFirstLastPara="1" rIns="91425" wrap="square" tIns="91425">
+          <a:bodyPr spcFirstLastPara="1" wrap="square" lIns="91425" tIns="91425" rIns="91425" bIns="91425" anchor="t" anchorCtr="0">
             <a:noAutofit/>
           </a:bodyPr>
           <a:lstStyle/>
           <a:p>
-            <a:pPr indent="0" lvl="0" marL="0" marR="0" rtl="0" algn="l">
+            <a:pPr marL="0" marR="0" lvl="0" indent="0" algn="l" rtl="0">
               <a:lnSpc>
                 <a:spcPct val="100000"/>
               </a:lnSpc>
@@ -15103,7 +15349,7 @@
               <a:buNone/>
             </a:pPr>
             <a:r>
-              <a:rPr b="0" i="0" lang="en-US" sz="1400" u="none" cap="none" strike="noStrike">
+              <a:rPr lang="en-US" sz="1400" b="0" i="0" u="none" strike="noStrike" cap="none">
                 <a:solidFill>
                   <a:srgbClr val="000000"/>
                 </a:solidFill>
@@ -15114,7 +15360,7 @@
               </a:rPr>
               <a:t>web</a:t>
             </a:r>
-            <a:endParaRPr b="0" i="0" sz="1400" u="none" cap="none" strike="noStrike">
+            <a:endParaRPr sz="1400" b="0" i="0" u="none" strike="noStrike" cap="none">
               <a:solidFill>
                 <a:srgbClr val="000000"/>
               </a:solidFill>
@@ -15146,12 +15392,12 @@
           </a:ln>
         </p:spPr>
         <p:txBody>
-          <a:bodyPr anchorCtr="0" anchor="t" bIns="91425" lIns="91425" spcFirstLastPara="1" rIns="91425" wrap="square" tIns="91425">
+          <a:bodyPr spcFirstLastPara="1" wrap="square" lIns="91425" tIns="91425" rIns="91425" bIns="91425" anchor="t" anchorCtr="0">
             <a:noAutofit/>
           </a:bodyPr>
           <a:lstStyle/>
           <a:p>
-            <a:pPr indent="0" lvl="0" marL="0" marR="0" rtl="0" algn="l">
+            <a:pPr marL="0" marR="0" lvl="0" indent="0" algn="l" rtl="0">
               <a:lnSpc>
                 <a:spcPct val="100000"/>
               </a:lnSpc>
@@ -15168,10 +15414,7 @@
               <a:buFont typeface="Arial"/>
               <a:buNone/>
             </a:pPr>
-            <a:r>
-              <a:t/>
-            </a:r>
-            <a:endParaRPr b="0" i="0" sz="1400" u="none" cap="none" strike="noStrike">
+            <a:endParaRPr sz="1400" b="0" i="0" u="none" strike="noStrike" cap="none">
               <a:solidFill>
                 <a:srgbClr val="000000"/>
               </a:solidFill>
@@ -15203,12 +15446,12 @@
           </a:ln>
         </p:spPr>
         <p:txBody>
-          <a:bodyPr anchorCtr="0" anchor="t" bIns="91425" lIns="91425" spcFirstLastPara="1" rIns="91425" wrap="square" tIns="91425">
+          <a:bodyPr spcFirstLastPara="1" wrap="square" lIns="91425" tIns="91425" rIns="91425" bIns="91425" anchor="t" anchorCtr="0">
             <a:noAutofit/>
           </a:bodyPr>
           <a:lstStyle/>
           <a:p>
-            <a:pPr indent="0" lvl="0" marL="0" marR="0" rtl="0" algn="l">
+            <a:pPr marL="0" marR="0" lvl="0" indent="0" algn="l" rtl="0">
               <a:lnSpc>
                 <a:spcPct val="100000"/>
               </a:lnSpc>
@@ -15225,10 +15468,7 @@
               <a:buFont typeface="Arial"/>
               <a:buNone/>
             </a:pPr>
-            <a:r>
-              <a:t/>
-            </a:r>
-            <a:endParaRPr b="0" i="0" sz="1400" u="none" cap="none" strike="noStrike">
+            <a:endParaRPr sz="1400" b="0" i="0" u="none" strike="noStrike" cap="none">
               <a:solidFill>
                 <a:srgbClr val="000000"/>
               </a:solidFill>
@@ -15250,7 +15490,7 @@
           <a:blip r:embed="rId4">
             <a:alphaModFix/>
           </a:blip>
-          <a:srcRect b="0" l="0" r="0" t="0"/>
+          <a:srcRect/>
           <a:stretch/>
         </p:blipFill>
         <p:spPr>
@@ -15277,7 +15517,7 @@
           <a:blip r:embed="rId5">
             <a:alphaModFix/>
           </a:blip>
-          <a:srcRect b="0" l="0" r="0" t="0"/>
+          <a:srcRect/>
           <a:stretch/>
         </p:blipFill>
         <p:spPr>
@@ -15303,11 +15543,11 @@
 </file>
 
 <file path=ppt/slides/slide3.xml><?xml version="1.0" encoding="utf-8"?>
-<p:sld xmlns:a="http://schemas.openxmlformats.org/drawingml/2006/main" xmlns:r="http://schemas.openxmlformats.org/officeDocument/2006/relationships" xmlns:mc="http://schemas.openxmlformats.org/markup-compatibility/2006" xmlns:mv="urn:schemas-microsoft-com:mac:vml" xmlns:p="http://schemas.openxmlformats.org/presentationml/2006/main" xmlns:c="http://schemas.openxmlformats.org/drawingml/2006/chart" xmlns:dgm="http://schemas.openxmlformats.org/drawingml/2006/diagram" xmlns:o="urn:schemas-microsoft-com:office:office" xmlns:v="urn:schemas-microsoft-com:vml" xmlns:pvml="urn:schemas-microsoft-com:office:powerpoint" xmlns:com="http://schemas.openxmlformats.org/drawingml/2006/compatibility" xmlns:p14="http://schemas.microsoft.com/office/powerpoint/2010/main" xmlns:p15="http://schemas.microsoft.com/office/powerpoint/2012/main" xmlns:ahyp="http://schemas.microsoft.com/office/drawing/2018/hyperlinkcolor">
+<p:sld xmlns:a="http://schemas.openxmlformats.org/drawingml/2006/main" xmlns:r="http://schemas.openxmlformats.org/officeDocument/2006/relationships" xmlns:p="http://schemas.openxmlformats.org/presentationml/2006/main">
   <p:cSld>
     <p:spTree>
       <p:nvGrpSpPr>
-        <p:cNvPr id="103" name="Shape 103"/>
+        <p:cNvPr id="1" name="Shape 103"/>
         <p:cNvGrpSpPr/>
         <p:nvPr/>
       </p:nvGrpSpPr>
@@ -15339,12 +15579,12 @@
           </a:ln>
         </p:spPr>
         <p:txBody>
-          <a:bodyPr anchorCtr="0" anchor="t" bIns="45700" lIns="91425" spcFirstLastPara="1" rIns="91425" wrap="square" tIns="45700">
+          <a:bodyPr spcFirstLastPara="1" wrap="square" lIns="91425" tIns="45700" rIns="91425" bIns="45700" anchor="t" anchorCtr="0">
             <a:noAutofit/>
           </a:bodyPr>
           <a:lstStyle/>
           <a:p>
-            <a:pPr indent="0" lvl="0" marL="0" marR="0" rtl="0" algn="l">
+            <a:pPr marL="0" marR="0" lvl="0" indent="0" algn="l" rtl="0">
               <a:lnSpc>
                 <a:spcPct val="80000"/>
               </a:lnSpc>
@@ -15362,7 +15602,7 @@
               <a:buNone/>
             </a:pPr>
             <a:r>
-              <a:rPr b="1" i="0" lang="en-US" sz="1800" u="none" cap="none" strike="noStrike">
+              <a:rPr lang="en-US" sz="1800" b="1" i="0" u="none" strike="noStrike" cap="none">
                 <a:solidFill>
                   <a:schemeClr val="dk1"/>
                 </a:solidFill>
@@ -15374,7 +15614,7 @@
               <a:t>Application: MLDB</a:t>
             </a:r>
             <a:br>
-              <a:rPr b="1" i="0" lang="en-US" sz="1800" u="none" cap="none" strike="noStrike">
+              <a:rPr lang="en-US" sz="1800" b="1" i="0" u="none" strike="noStrike" cap="none">
                 <a:solidFill>
                   <a:schemeClr val="dk1"/>
                 </a:solidFill>
@@ -15385,7 +15625,7 @@
               </a:rPr>
             </a:br>
             <a:r>
-              <a:rPr b="0" i="0" lang="en-US" sz="1800" u="none" cap="none" strike="noStrike">
+              <a:rPr lang="en-US" sz="1800" b="0" i="0" u="none" strike="noStrike" cap="none">
                 <a:solidFill>
                   <a:srgbClr val="000000"/>
                 </a:solidFill>
@@ -15397,7 +15637,7 @@
               <a:t>Type: Application Architecture</a:t>
             </a:r>
             <a:br>
-              <a:rPr b="0" i="0" lang="en-US" sz="1800" u="none" cap="none" strike="noStrike">
+              <a:rPr lang="en-US" sz="1800" b="0" i="0" u="none" strike="noStrike" cap="none">
                 <a:solidFill>
                   <a:srgbClr val="000000"/>
                 </a:solidFill>
@@ -15408,7 +15648,7 @@
               </a:rPr>
             </a:br>
             <a:r>
-              <a:rPr b="0" i="0" lang="en-US" sz="1800" u="none" cap="none" strike="noStrike">
+              <a:rPr lang="en-US" sz="1800" b="0" i="0" u="none" strike="noStrike" cap="none">
                 <a:solidFill>
                   <a:srgbClr val="000000"/>
                 </a:solidFill>
@@ -15420,7 +15660,7 @@
               <a:t>View: Physical View</a:t>
             </a:r>
             <a:br>
-              <a:rPr b="0" i="0" lang="en-US" sz="1800" u="none" cap="none" strike="noStrike">
+              <a:rPr lang="en-US" sz="1800" b="0" i="0" u="none" strike="noStrike" cap="none">
                 <a:solidFill>
                   <a:srgbClr val="000000"/>
                 </a:solidFill>
@@ -15431,7 +15671,7 @@
               </a:rPr>
             </a:br>
             <a:r>
-              <a:rPr b="0" i="0" lang="en-US" sz="1800" u="none" cap="none" strike="noStrike">
+              <a:rPr lang="en-US" sz="1800" b="0" i="0" u="none" strike="noStrike" cap="none">
                 <a:solidFill>
                   <a:srgbClr val="000000"/>
                 </a:solidFill>
@@ -15442,7 +15682,7 @@
               </a:rPr>
               <a:t>Style: Layered Architecture Pattern</a:t>
             </a:r>
-            <a:endParaRPr b="1" i="0" sz="1800" u="none" cap="none" strike="noStrike">
+            <a:endParaRPr sz="1800" b="1" i="0" u="none" strike="noStrike" cap="none">
               <a:solidFill>
                 <a:schemeClr val="dk1"/>
               </a:solidFill>
@@ -15464,7 +15704,7 @@
           <a:blip r:embed="rId3">
             <a:alphaModFix/>
           </a:blip>
-          <a:srcRect b="0" l="0" r="0" t="0"/>
+          <a:srcRect/>
           <a:stretch/>
         </p:blipFill>
         <p:spPr>
@@ -15490,7 +15730,7 @@
 </file>
 
 <file path=ppt/theme/theme1.xml><?xml version="1.0" encoding="utf-8"?>
-<a:theme xmlns:a="http://schemas.openxmlformats.org/drawingml/2006/main" xmlns:r="http://schemas.openxmlformats.org/officeDocument/2006/relationships" name="Office Theme">
+<a:theme xmlns:a="http://schemas.openxmlformats.org/drawingml/2006/main" name="Office Theme">
   <a:themeElements>
     <a:clrScheme name="Office">
       <a:dk1>
@@ -15765,11 +16005,13 @@
       </a:bgFillStyleLst>
     </a:fmtScheme>
   </a:themeElements>
+  <a:objectDefaults/>
+  <a:extraClrSchemeLst/>
 </a:theme>
 </file>
 
 <file path=ppt/theme/theme2.xml><?xml version="1.0" encoding="utf-8"?>
-<a:theme xmlns:a="http://schemas.openxmlformats.org/drawingml/2006/main" xmlns:r="http://schemas.openxmlformats.org/officeDocument/2006/relationships">
+<a:theme xmlns:a="http://schemas.openxmlformats.org/drawingml/2006/main">
   <a:themeElements>
     <a:clrScheme name="Default">
       <a:dk1>
@@ -16044,5 +16286,7 @@
       </a:bgFillStyleLst>
     </a:fmtScheme>
   </a:themeElements>
+  <a:objectDefaults/>
+  <a:extraClrSchemeLst/>
 </a:theme>
 </file>